--- a/lectures/p-07-campbell-scores-v2.pptx
+++ b/lectures/p-07-campbell-scores-v2.pptx
@@ -5,7 +5,7 @@
     <p:sldMasterId id="2147483648" r:id="rId1"/>
   </p:sldMasterIdLst>
   <p:notesMasterIdLst>
-    <p:notesMasterId r:id="rId28"/>
+    <p:notesMasterId r:id="rId29"/>
   </p:notesMasterIdLst>
   <p:sldIdLst>
     <p:sldId id="320" r:id="rId2"/>
@@ -19,21 +19,22 @@
     <p:sldId id="287" r:id="rId10"/>
     <p:sldId id="259" r:id="rId11"/>
     <p:sldId id="288" r:id="rId12"/>
-    <p:sldId id="260" r:id="rId13"/>
-    <p:sldId id="322" r:id="rId14"/>
-    <p:sldId id="328" r:id="rId15"/>
-    <p:sldId id="321" r:id="rId16"/>
-    <p:sldId id="261" r:id="rId17"/>
-    <p:sldId id="264" r:id="rId18"/>
-    <p:sldId id="262" r:id="rId19"/>
-    <p:sldId id="263" r:id="rId20"/>
-    <p:sldId id="285" r:id="rId21"/>
-    <p:sldId id="431" r:id="rId22"/>
-    <p:sldId id="268" r:id="rId23"/>
-    <p:sldId id="265" r:id="rId24"/>
-    <p:sldId id="266" r:id="rId25"/>
-    <p:sldId id="432" r:id="rId26"/>
-    <p:sldId id="267" r:id="rId27"/>
+    <p:sldId id="433" r:id="rId13"/>
+    <p:sldId id="260" r:id="rId14"/>
+    <p:sldId id="322" r:id="rId15"/>
+    <p:sldId id="328" r:id="rId16"/>
+    <p:sldId id="321" r:id="rId17"/>
+    <p:sldId id="261" r:id="rId18"/>
+    <p:sldId id="264" r:id="rId19"/>
+    <p:sldId id="262" r:id="rId20"/>
+    <p:sldId id="263" r:id="rId21"/>
+    <p:sldId id="285" r:id="rId22"/>
+    <p:sldId id="431" r:id="rId23"/>
+    <p:sldId id="268" r:id="rId24"/>
+    <p:sldId id="265" r:id="rId25"/>
+    <p:sldId id="266" r:id="rId26"/>
+    <p:sldId id="432" r:id="rId27"/>
+    <p:sldId id="267" r:id="rId28"/>
   </p:sldIdLst>
   <p:sldSz cx="9144000" cy="6858000" type="screen4x3"/>
   <p:notesSz cx="6858000" cy="9144000"/>
@@ -4787,6 +4788,1380 @@
 </file>
 
 <file path=ppt/slides/slide12.xml><?xml version="1.0" encoding="utf-8"?>
+<p:sld xmlns:a="http://schemas.openxmlformats.org/drawingml/2006/main" xmlns:r="http://schemas.openxmlformats.org/officeDocument/2006/relationships" xmlns:p="http://schemas.openxmlformats.org/presentationml/2006/main">
+  <p:cSld>
+    <p:spTree>
+      <p:nvGrpSpPr>
+        <p:cNvPr id="1" name=""/>
+        <p:cNvGrpSpPr/>
+        <p:nvPr/>
+      </p:nvGrpSpPr>
+      <p:grpSpPr>
+        <a:xfrm>
+          <a:off x="0" y="0"/>
+          <a:ext cx="0" cy="0"/>
+          <a:chOff x="0" y="0"/>
+          <a:chExt cx="0" cy="0"/>
+        </a:xfrm>
+      </p:grpSpPr>
+      <p:sp>
+        <p:nvSpPr>
+          <p:cNvPr id="4" name="TextBox 3">
+            <a:extLst>
+              <a:ext uri="{FF2B5EF4-FFF2-40B4-BE49-F238E27FC236}">
+                <a16:creationId xmlns:a16="http://schemas.microsoft.com/office/drawing/2014/main" id="{9F39865F-EB07-4D64-BC93-AFB2092778C2}"/>
+              </a:ext>
+            </a:extLst>
+          </p:cNvPr>
+          <p:cNvSpPr txBox="1"/>
+          <p:nvPr/>
+        </p:nvSpPr>
+        <p:spPr>
+          <a:xfrm>
+            <a:off x="1329132" y="170895"/>
+            <a:ext cx="542136" cy="523220"/>
+          </a:xfrm>
+          <a:prstGeom prst="rect">
+            <a:avLst/>
+          </a:prstGeom>
+          <a:noFill/>
+        </p:spPr>
+        <p:txBody>
+          <a:bodyPr wrap="none" rtlCol="0">
+            <a:spAutoFit/>
+          </a:bodyPr>
+          <a:lstStyle/>
+          <a:p>
+            <a:r>
+              <a:rPr lang="en-US" sz="2800" dirty="0"/>
+              <a:t>T1</a:t>
+            </a:r>
+          </a:p>
+        </p:txBody>
+      </p:sp>
+      <p:sp>
+        <p:nvSpPr>
+          <p:cNvPr id="5" name="TextBox 4">
+            <a:extLst>
+              <a:ext uri="{FF2B5EF4-FFF2-40B4-BE49-F238E27FC236}">
+                <a16:creationId xmlns:a16="http://schemas.microsoft.com/office/drawing/2014/main" id="{0886EF73-DCC2-49E0-874B-68750453FD20}"/>
+              </a:ext>
+            </a:extLst>
+          </p:cNvPr>
+          <p:cNvSpPr txBox="1"/>
+          <p:nvPr/>
+        </p:nvSpPr>
+        <p:spPr>
+          <a:xfrm>
+            <a:off x="2898458" y="170895"/>
+            <a:ext cx="558166" cy="523220"/>
+          </a:xfrm>
+          <a:prstGeom prst="rect">
+            <a:avLst/>
+          </a:prstGeom>
+          <a:noFill/>
+        </p:spPr>
+        <p:txBody>
+          <a:bodyPr wrap="none" rtlCol="0">
+            <a:spAutoFit/>
+          </a:bodyPr>
+          <a:lstStyle/>
+          <a:p>
+            <a:r>
+              <a:rPr lang="en-US" sz="2800" dirty="0"/>
+              <a:t>C1</a:t>
+            </a:r>
+          </a:p>
+        </p:txBody>
+      </p:sp>
+      <p:sp>
+        <p:nvSpPr>
+          <p:cNvPr id="6" name="TextBox 5">
+            <a:extLst>
+              <a:ext uri="{FF2B5EF4-FFF2-40B4-BE49-F238E27FC236}">
+                <a16:creationId xmlns:a16="http://schemas.microsoft.com/office/drawing/2014/main" id="{D238CA62-B0BF-484B-A2EA-EC14B66D01E0}"/>
+              </a:ext>
+            </a:extLst>
+          </p:cNvPr>
+          <p:cNvSpPr txBox="1"/>
+          <p:nvPr/>
+        </p:nvSpPr>
+        <p:spPr>
+          <a:xfrm>
+            <a:off x="3886200" y="836556"/>
+            <a:ext cx="1903084" cy="954107"/>
+          </a:xfrm>
+          <a:prstGeom prst="rect">
+            <a:avLst/>
+          </a:prstGeom>
+          <a:noFill/>
+        </p:spPr>
+        <p:txBody>
+          <a:bodyPr wrap="square" rtlCol="0">
+            <a:spAutoFit/>
+          </a:bodyPr>
+          <a:lstStyle/>
+          <a:p>
+            <a:pPr algn="ctr"/>
+            <a:r>
+              <a:rPr lang="en-US" sz="1400" dirty="0"/>
+              <a:t>Population characteristics equivalent</a:t>
+            </a:r>
+          </a:p>
+          <a:p>
+            <a:pPr algn="ctr"/>
+            <a:r>
+              <a:rPr lang="en-US" sz="1400" dirty="0"/>
+              <a:t>on all contrasts</a:t>
+            </a:r>
+          </a:p>
+        </p:txBody>
+      </p:sp>
+      <p:sp>
+        <p:nvSpPr>
+          <p:cNvPr id="7" name="Oval 6">
+            <a:extLst>
+              <a:ext uri="{FF2B5EF4-FFF2-40B4-BE49-F238E27FC236}">
+                <a16:creationId xmlns:a16="http://schemas.microsoft.com/office/drawing/2014/main" id="{D6D045F2-95D5-4D2E-AC35-3E054A307844}"/>
+              </a:ext>
+            </a:extLst>
+          </p:cNvPr>
+          <p:cNvSpPr/>
+          <p:nvPr/>
+        </p:nvSpPr>
+        <p:spPr>
+          <a:xfrm>
+            <a:off x="740092" y="2738345"/>
+            <a:ext cx="1466850" cy="1255820"/>
+          </a:xfrm>
+          <a:prstGeom prst="ellipse">
+            <a:avLst/>
+          </a:prstGeom>
+        </p:spPr>
+        <p:style>
+          <a:lnRef idx="2">
+            <a:schemeClr val="accent1">
+              <a:shade val="50000"/>
+            </a:schemeClr>
+          </a:lnRef>
+          <a:fillRef idx="1">
+            <a:schemeClr val="accent1"/>
+          </a:fillRef>
+          <a:effectRef idx="0">
+            <a:schemeClr val="accent1"/>
+          </a:effectRef>
+          <a:fontRef idx="minor">
+            <a:schemeClr val="lt1"/>
+          </a:fontRef>
+        </p:style>
+        <p:txBody>
+          <a:bodyPr rtlCol="0" anchor="ctr"/>
+          <a:lstStyle/>
+          <a:p>
+            <a:pPr algn="ctr"/>
+            <a:endParaRPr lang="en-US"/>
+          </a:p>
+        </p:txBody>
+      </p:sp>
+      <p:sp>
+        <p:nvSpPr>
+          <p:cNvPr id="9" name="Oval 8">
+            <a:extLst>
+              <a:ext uri="{FF2B5EF4-FFF2-40B4-BE49-F238E27FC236}">
+                <a16:creationId xmlns:a16="http://schemas.microsoft.com/office/drawing/2014/main" id="{402AB78B-0612-49DC-8757-81A11331FB88}"/>
+              </a:ext>
+            </a:extLst>
+          </p:cNvPr>
+          <p:cNvSpPr/>
+          <p:nvPr/>
+        </p:nvSpPr>
+        <p:spPr>
+          <a:xfrm>
+            <a:off x="2348883" y="2748055"/>
+            <a:ext cx="1466850" cy="1255820"/>
+          </a:xfrm>
+          <a:prstGeom prst="ellipse">
+            <a:avLst/>
+          </a:prstGeom>
+          <a:ln>
+            <a:solidFill>
+              <a:srgbClr val="385D8A"/>
+            </a:solidFill>
+          </a:ln>
+        </p:spPr>
+        <p:style>
+          <a:lnRef idx="2">
+            <a:schemeClr val="accent1">
+              <a:shade val="50000"/>
+            </a:schemeClr>
+          </a:lnRef>
+          <a:fillRef idx="1">
+            <a:schemeClr val="accent1"/>
+          </a:fillRef>
+          <a:effectRef idx="0">
+            <a:schemeClr val="accent1"/>
+          </a:effectRef>
+          <a:fontRef idx="minor">
+            <a:schemeClr val="lt1"/>
+          </a:fontRef>
+        </p:style>
+        <p:txBody>
+          <a:bodyPr rtlCol="0" anchor="ctr"/>
+          <a:lstStyle/>
+          <a:p>
+            <a:pPr algn="ctr"/>
+            <a:endParaRPr lang="en-US"/>
+          </a:p>
+        </p:txBody>
+      </p:sp>
+      <p:sp>
+        <p:nvSpPr>
+          <p:cNvPr id="10" name="Oval 9">
+            <a:extLst>
+              <a:ext uri="{FF2B5EF4-FFF2-40B4-BE49-F238E27FC236}">
+                <a16:creationId xmlns:a16="http://schemas.microsoft.com/office/drawing/2014/main" id="{A78DBB58-4280-4215-B122-03B642A15B6E}"/>
+              </a:ext>
+            </a:extLst>
+          </p:cNvPr>
+          <p:cNvSpPr/>
+          <p:nvPr/>
+        </p:nvSpPr>
+        <p:spPr>
+          <a:xfrm>
+            <a:off x="822008" y="694115"/>
+            <a:ext cx="1466850" cy="1255820"/>
+          </a:xfrm>
+          <a:prstGeom prst="ellipse">
+            <a:avLst/>
+          </a:prstGeom>
+        </p:spPr>
+        <p:style>
+          <a:lnRef idx="2">
+            <a:schemeClr val="accent1">
+              <a:shade val="50000"/>
+            </a:schemeClr>
+          </a:lnRef>
+          <a:fillRef idx="1">
+            <a:schemeClr val="accent1"/>
+          </a:fillRef>
+          <a:effectRef idx="0">
+            <a:schemeClr val="accent1"/>
+          </a:effectRef>
+          <a:fontRef idx="minor">
+            <a:schemeClr val="lt1"/>
+          </a:fontRef>
+        </p:style>
+        <p:txBody>
+          <a:bodyPr rtlCol="0" anchor="ctr"/>
+          <a:lstStyle/>
+          <a:p>
+            <a:pPr algn="ctr"/>
+            <a:endParaRPr lang="en-US"/>
+          </a:p>
+        </p:txBody>
+      </p:sp>
+      <p:sp>
+        <p:nvSpPr>
+          <p:cNvPr id="11" name="Oval 10">
+            <a:extLst>
+              <a:ext uri="{FF2B5EF4-FFF2-40B4-BE49-F238E27FC236}">
+                <a16:creationId xmlns:a16="http://schemas.microsoft.com/office/drawing/2014/main" id="{77DB19C3-8CEC-4603-99A3-C3037FC288FB}"/>
+              </a:ext>
+            </a:extLst>
+          </p:cNvPr>
+          <p:cNvSpPr/>
+          <p:nvPr/>
+        </p:nvSpPr>
+        <p:spPr>
+          <a:xfrm>
+            <a:off x="2387917" y="694115"/>
+            <a:ext cx="1466850" cy="1255820"/>
+          </a:xfrm>
+          <a:prstGeom prst="ellipse">
+            <a:avLst/>
+          </a:prstGeom>
+        </p:spPr>
+        <p:style>
+          <a:lnRef idx="2">
+            <a:schemeClr val="accent1">
+              <a:shade val="50000"/>
+            </a:schemeClr>
+          </a:lnRef>
+          <a:fillRef idx="1">
+            <a:schemeClr val="accent1"/>
+          </a:fillRef>
+          <a:effectRef idx="0">
+            <a:schemeClr val="accent1"/>
+          </a:effectRef>
+          <a:fontRef idx="minor">
+            <a:schemeClr val="lt1"/>
+          </a:fontRef>
+        </p:style>
+        <p:txBody>
+          <a:bodyPr rtlCol="0" anchor="ctr"/>
+          <a:lstStyle/>
+          <a:p>
+            <a:pPr algn="ctr"/>
+            <a:endParaRPr lang="en-US"/>
+          </a:p>
+        </p:txBody>
+      </p:sp>
+      <p:sp>
+        <p:nvSpPr>
+          <p:cNvPr id="12" name="Oval 11">
+            <a:extLst>
+              <a:ext uri="{FF2B5EF4-FFF2-40B4-BE49-F238E27FC236}">
+                <a16:creationId xmlns:a16="http://schemas.microsoft.com/office/drawing/2014/main" id="{0318D2D5-BD03-4691-98E9-3A141DBBEA8E}"/>
+              </a:ext>
+            </a:extLst>
+          </p:cNvPr>
+          <p:cNvSpPr/>
+          <p:nvPr/>
+        </p:nvSpPr>
+        <p:spPr>
+          <a:xfrm>
+            <a:off x="740092" y="4109945"/>
+            <a:ext cx="1466850" cy="1255820"/>
+          </a:xfrm>
+          <a:prstGeom prst="ellipse">
+            <a:avLst/>
+          </a:prstGeom>
+        </p:spPr>
+        <p:style>
+          <a:lnRef idx="2">
+            <a:schemeClr val="accent1">
+              <a:shade val="50000"/>
+            </a:schemeClr>
+          </a:lnRef>
+          <a:fillRef idx="1">
+            <a:schemeClr val="accent1"/>
+          </a:fillRef>
+          <a:effectRef idx="0">
+            <a:schemeClr val="accent1"/>
+          </a:effectRef>
+          <a:fontRef idx="minor">
+            <a:schemeClr val="lt1"/>
+          </a:fontRef>
+        </p:style>
+        <p:txBody>
+          <a:bodyPr rtlCol="0" anchor="ctr"/>
+          <a:lstStyle/>
+          <a:p>
+            <a:pPr algn="ctr"/>
+            <a:endParaRPr lang="en-US"/>
+          </a:p>
+        </p:txBody>
+      </p:sp>
+      <p:sp>
+        <p:nvSpPr>
+          <p:cNvPr id="13" name="Oval 12">
+            <a:extLst>
+              <a:ext uri="{FF2B5EF4-FFF2-40B4-BE49-F238E27FC236}">
+                <a16:creationId xmlns:a16="http://schemas.microsoft.com/office/drawing/2014/main" id="{6CE8594E-5EC8-47EC-BA35-1B925AAC8C30}"/>
+              </a:ext>
+            </a:extLst>
+          </p:cNvPr>
+          <p:cNvSpPr/>
+          <p:nvPr/>
+        </p:nvSpPr>
+        <p:spPr>
+          <a:xfrm>
+            <a:off x="2444116" y="4109945"/>
+            <a:ext cx="1466850" cy="1255820"/>
+          </a:xfrm>
+          <a:prstGeom prst="ellipse">
+            <a:avLst/>
+          </a:prstGeom>
+        </p:spPr>
+        <p:style>
+          <a:lnRef idx="2">
+            <a:schemeClr val="accent1">
+              <a:shade val="50000"/>
+            </a:schemeClr>
+          </a:lnRef>
+          <a:fillRef idx="1">
+            <a:schemeClr val="accent1"/>
+          </a:fillRef>
+          <a:effectRef idx="0">
+            <a:schemeClr val="accent1"/>
+          </a:effectRef>
+          <a:fontRef idx="minor">
+            <a:schemeClr val="lt1"/>
+          </a:fontRef>
+        </p:style>
+        <p:txBody>
+          <a:bodyPr rtlCol="0" anchor="ctr"/>
+          <a:lstStyle/>
+          <a:p>
+            <a:pPr algn="ctr"/>
+            <a:endParaRPr lang="en-US"/>
+          </a:p>
+        </p:txBody>
+      </p:sp>
+      <p:sp>
+        <p:nvSpPr>
+          <p:cNvPr id="14" name="Oval 13">
+            <a:extLst>
+              <a:ext uri="{FF2B5EF4-FFF2-40B4-BE49-F238E27FC236}">
+                <a16:creationId xmlns:a16="http://schemas.microsoft.com/office/drawing/2014/main" id="{AEA3B4F6-BEF7-46EA-B9DB-B2F4E69EA9C6}"/>
+              </a:ext>
+            </a:extLst>
+          </p:cNvPr>
+          <p:cNvSpPr/>
+          <p:nvPr/>
+        </p:nvSpPr>
+        <p:spPr>
+          <a:xfrm>
+            <a:off x="740092" y="5481545"/>
+            <a:ext cx="1466850" cy="1255820"/>
+          </a:xfrm>
+          <a:prstGeom prst="ellipse">
+            <a:avLst/>
+          </a:prstGeom>
+        </p:spPr>
+        <p:style>
+          <a:lnRef idx="2">
+            <a:schemeClr val="accent1">
+              <a:shade val="50000"/>
+            </a:schemeClr>
+          </a:lnRef>
+          <a:fillRef idx="1">
+            <a:schemeClr val="accent1"/>
+          </a:fillRef>
+          <a:effectRef idx="0">
+            <a:schemeClr val="accent1"/>
+          </a:effectRef>
+          <a:fontRef idx="minor">
+            <a:schemeClr val="lt1"/>
+          </a:fontRef>
+        </p:style>
+        <p:txBody>
+          <a:bodyPr rtlCol="0" anchor="ctr"/>
+          <a:lstStyle/>
+          <a:p>
+            <a:pPr algn="ctr"/>
+            <a:endParaRPr lang="en-US"/>
+          </a:p>
+        </p:txBody>
+      </p:sp>
+      <p:sp>
+        <p:nvSpPr>
+          <p:cNvPr id="15" name="Oval 14">
+            <a:extLst>
+              <a:ext uri="{FF2B5EF4-FFF2-40B4-BE49-F238E27FC236}">
+                <a16:creationId xmlns:a16="http://schemas.microsoft.com/office/drawing/2014/main" id="{2C66CF0B-7497-4074-BB0D-0A43098270D3}"/>
+              </a:ext>
+            </a:extLst>
+          </p:cNvPr>
+          <p:cNvSpPr/>
+          <p:nvPr/>
+        </p:nvSpPr>
+        <p:spPr>
+          <a:xfrm>
+            <a:off x="2444116" y="5481545"/>
+            <a:ext cx="1466850" cy="1255820"/>
+          </a:xfrm>
+          <a:prstGeom prst="ellipse">
+            <a:avLst/>
+          </a:prstGeom>
+        </p:spPr>
+        <p:style>
+          <a:lnRef idx="2">
+            <a:schemeClr val="accent1">
+              <a:shade val="50000"/>
+            </a:schemeClr>
+          </a:lnRef>
+          <a:fillRef idx="1">
+            <a:schemeClr val="accent1"/>
+          </a:fillRef>
+          <a:effectRef idx="0">
+            <a:schemeClr val="accent1"/>
+          </a:effectRef>
+          <a:fontRef idx="minor">
+            <a:schemeClr val="lt1"/>
+          </a:fontRef>
+        </p:style>
+        <p:txBody>
+          <a:bodyPr rtlCol="0" anchor="ctr"/>
+          <a:lstStyle/>
+          <a:p>
+            <a:pPr algn="ctr"/>
+            <a:endParaRPr lang="en-US"/>
+          </a:p>
+        </p:txBody>
+      </p:sp>
+      <p:sp>
+        <p:nvSpPr>
+          <p:cNvPr id="16" name="TextBox 15">
+            <a:extLst>
+              <a:ext uri="{FF2B5EF4-FFF2-40B4-BE49-F238E27FC236}">
+                <a16:creationId xmlns:a16="http://schemas.microsoft.com/office/drawing/2014/main" id="{D01419DD-81C5-4F59-B63A-D95B2A7116D3}"/>
+              </a:ext>
+            </a:extLst>
+          </p:cNvPr>
+          <p:cNvSpPr txBox="1"/>
+          <p:nvPr/>
+        </p:nvSpPr>
+        <p:spPr>
+          <a:xfrm>
+            <a:off x="1202449" y="2241805"/>
+            <a:ext cx="542136" cy="523220"/>
+          </a:xfrm>
+          <a:prstGeom prst="rect">
+            <a:avLst/>
+          </a:prstGeom>
+          <a:noFill/>
+        </p:spPr>
+        <p:txBody>
+          <a:bodyPr wrap="none" rtlCol="0">
+            <a:spAutoFit/>
+          </a:bodyPr>
+          <a:lstStyle/>
+          <a:p>
+            <a:r>
+              <a:rPr lang="en-US" sz="2800" dirty="0"/>
+              <a:t>T2</a:t>
+            </a:r>
+          </a:p>
+        </p:txBody>
+      </p:sp>
+      <p:sp>
+        <p:nvSpPr>
+          <p:cNvPr id="17" name="TextBox 16">
+            <a:extLst>
+              <a:ext uri="{FF2B5EF4-FFF2-40B4-BE49-F238E27FC236}">
+                <a16:creationId xmlns:a16="http://schemas.microsoft.com/office/drawing/2014/main" id="{48264D0B-CF3B-405E-91FA-BBD4CDC58260}"/>
+              </a:ext>
+            </a:extLst>
+          </p:cNvPr>
+          <p:cNvSpPr txBox="1"/>
+          <p:nvPr/>
+        </p:nvSpPr>
+        <p:spPr>
+          <a:xfrm>
+            <a:off x="2803225" y="2241805"/>
+            <a:ext cx="558166" cy="523220"/>
+          </a:xfrm>
+          <a:prstGeom prst="rect">
+            <a:avLst/>
+          </a:prstGeom>
+          <a:noFill/>
+        </p:spPr>
+        <p:txBody>
+          <a:bodyPr wrap="none" rtlCol="0">
+            <a:spAutoFit/>
+          </a:bodyPr>
+          <a:lstStyle/>
+          <a:p>
+            <a:r>
+              <a:rPr lang="en-US" sz="2800" dirty="0"/>
+              <a:t>C2</a:t>
+            </a:r>
+          </a:p>
+        </p:txBody>
+      </p:sp>
+      <p:sp>
+        <p:nvSpPr>
+          <p:cNvPr id="18" name="Oval 17">
+            <a:extLst>
+              <a:ext uri="{FF2B5EF4-FFF2-40B4-BE49-F238E27FC236}">
+                <a16:creationId xmlns:a16="http://schemas.microsoft.com/office/drawing/2014/main" id="{73365B8C-453A-4BB8-A7FD-21486216DA1E}"/>
+              </a:ext>
+            </a:extLst>
+          </p:cNvPr>
+          <p:cNvSpPr/>
+          <p:nvPr/>
+        </p:nvSpPr>
+        <p:spPr>
+          <a:xfrm>
+            <a:off x="1016317" y="4210849"/>
+            <a:ext cx="914400" cy="914400"/>
+          </a:xfrm>
+          <a:prstGeom prst="ellipse">
+            <a:avLst/>
+          </a:prstGeom>
+          <a:solidFill>
+            <a:schemeClr val="bg1"/>
+          </a:solidFill>
+          <a:ln>
+            <a:solidFill>
+              <a:srgbClr val="4F81BD"/>
+            </a:solidFill>
+          </a:ln>
+        </p:spPr>
+        <p:style>
+          <a:lnRef idx="2">
+            <a:schemeClr val="accent1">
+              <a:shade val="50000"/>
+            </a:schemeClr>
+          </a:lnRef>
+          <a:fillRef idx="1">
+            <a:schemeClr val="accent1"/>
+          </a:fillRef>
+          <a:effectRef idx="0">
+            <a:schemeClr val="accent1"/>
+          </a:effectRef>
+          <a:fontRef idx="minor">
+            <a:schemeClr val="lt1"/>
+          </a:fontRef>
+        </p:style>
+        <p:txBody>
+          <a:bodyPr rtlCol="0" anchor="ctr"/>
+          <a:lstStyle/>
+          <a:p>
+            <a:pPr algn="ctr"/>
+            <a:endParaRPr lang="en-US"/>
+          </a:p>
+        </p:txBody>
+      </p:sp>
+      <p:sp>
+        <p:nvSpPr>
+          <p:cNvPr id="19" name="Oval 18">
+            <a:extLst>
+              <a:ext uri="{FF2B5EF4-FFF2-40B4-BE49-F238E27FC236}">
+                <a16:creationId xmlns:a16="http://schemas.microsoft.com/office/drawing/2014/main" id="{AF94995D-1368-4CFE-8F71-CC4D1DE42A52}"/>
+              </a:ext>
+            </a:extLst>
+          </p:cNvPr>
+          <p:cNvSpPr/>
+          <p:nvPr/>
+        </p:nvSpPr>
+        <p:spPr>
+          <a:xfrm>
+            <a:off x="2959201" y="4236002"/>
+            <a:ext cx="355283" cy="337805"/>
+          </a:xfrm>
+          <a:prstGeom prst="ellipse">
+            <a:avLst/>
+          </a:prstGeom>
+          <a:solidFill>
+            <a:schemeClr val="bg1"/>
+          </a:solidFill>
+          <a:ln>
+            <a:solidFill>
+              <a:srgbClr val="4F81BD"/>
+            </a:solidFill>
+          </a:ln>
+        </p:spPr>
+        <p:style>
+          <a:lnRef idx="2">
+            <a:schemeClr val="accent1">
+              <a:shade val="50000"/>
+            </a:schemeClr>
+          </a:lnRef>
+          <a:fillRef idx="1">
+            <a:schemeClr val="accent1"/>
+          </a:fillRef>
+          <a:effectRef idx="0">
+            <a:schemeClr val="accent1"/>
+          </a:effectRef>
+          <a:fontRef idx="minor">
+            <a:schemeClr val="lt1"/>
+          </a:fontRef>
+        </p:style>
+        <p:txBody>
+          <a:bodyPr rtlCol="0" anchor="ctr"/>
+          <a:lstStyle/>
+          <a:p>
+            <a:pPr algn="ctr"/>
+            <a:endParaRPr lang="en-US"/>
+          </a:p>
+        </p:txBody>
+      </p:sp>
+      <p:sp>
+        <p:nvSpPr>
+          <p:cNvPr id="20" name="Oval 19">
+            <a:extLst>
+              <a:ext uri="{FF2B5EF4-FFF2-40B4-BE49-F238E27FC236}">
+                <a16:creationId xmlns:a16="http://schemas.microsoft.com/office/drawing/2014/main" id="{D2ACA5A9-AEBE-4FE3-BD2B-4724557221AC}"/>
+              </a:ext>
+            </a:extLst>
+          </p:cNvPr>
+          <p:cNvSpPr/>
+          <p:nvPr/>
+        </p:nvSpPr>
+        <p:spPr>
+          <a:xfrm>
+            <a:off x="2784805" y="2882423"/>
+            <a:ext cx="609600" cy="533400"/>
+          </a:xfrm>
+          <a:prstGeom prst="ellipse">
+            <a:avLst/>
+          </a:prstGeom>
+          <a:solidFill>
+            <a:schemeClr val="bg1"/>
+          </a:solidFill>
+          <a:ln>
+            <a:solidFill>
+              <a:srgbClr val="4F81BD"/>
+            </a:solidFill>
+          </a:ln>
+        </p:spPr>
+        <p:style>
+          <a:lnRef idx="2">
+            <a:schemeClr val="accent1">
+              <a:shade val="50000"/>
+            </a:schemeClr>
+          </a:lnRef>
+          <a:fillRef idx="1">
+            <a:schemeClr val="accent1"/>
+          </a:fillRef>
+          <a:effectRef idx="0">
+            <a:schemeClr val="accent1"/>
+          </a:effectRef>
+          <a:fontRef idx="minor">
+            <a:schemeClr val="lt1"/>
+          </a:fontRef>
+        </p:style>
+        <p:txBody>
+          <a:bodyPr rtlCol="0" anchor="ctr"/>
+          <a:lstStyle/>
+          <a:p>
+            <a:pPr algn="ctr"/>
+            <a:endParaRPr lang="en-US"/>
+          </a:p>
+        </p:txBody>
+      </p:sp>
+      <p:sp>
+        <p:nvSpPr>
+          <p:cNvPr id="21" name="Rectangle 20">
+            <a:extLst>
+              <a:ext uri="{FF2B5EF4-FFF2-40B4-BE49-F238E27FC236}">
+                <a16:creationId xmlns:a16="http://schemas.microsoft.com/office/drawing/2014/main" id="{91C1B6E5-CACD-4187-86D6-6051DC975067}"/>
+              </a:ext>
+            </a:extLst>
+          </p:cNvPr>
+          <p:cNvSpPr/>
+          <p:nvPr/>
+        </p:nvSpPr>
+        <p:spPr>
+          <a:xfrm>
+            <a:off x="559117" y="6400960"/>
+            <a:ext cx="1828800" cy="376145"/>
+          </a:xfrm>
+          <a:prstGeom prst="rect">
+            <a:avLst/>
+          </a:prstGeom>
+          <a:solidFill>
+            <a:schemeClr val="bg1"/>
+          </a:solidFill>
+          <a:ln>
+            <a:solidFill>
+              <a:schemeClr val="bg1"/>
+            </a:solidFill>
+          </a:ln>
+        </p:spPr>
+        <p:style>
+          <a:lnRef idx="2">
+            <a:schemeClr val="accent1">
+              <a:shade val="50000"/>
+            </a:schemeClr>
+          </a:lnRef>
+          <a:fillRef idx="1">
+            <a:schemeClr val="accent1"/>
+          </a:fillRef>
+          <a:effectRef idx="0">
+            <a:schemeClr val="accent1"/>
+          </a:effectRef>
+          <a:fontRef idx="minor">
+            <a:schemeClr val="lt1"/>
+          </a:fontRef>
+        </p:style>
+        <p:txBody>
+          <a:bodyPr rtlCol="0" anchor="ctr"/>
+          <a:lstStyle/>
+          <a:p>
+            <a:pPr algn="ctr"/>
+            <a:endParaRPr lang="en-US"/>
+          </a:p>
+        </p:txBody>
+      </p:sp>
+      <p:sp>
+        <p:nvSpPr>
+          <p:cNvPr id="22" name="Rectangle 21">
+            <a:extLst>
+              <a:ext uri="{FF2B5EF4-FFF2-40B4-BE49-F238E27FC236}">
+                <a16:creationId xmlns:a16="http://schemas.microsoft.com/office/drawing/2014/main" id="{38830439-4405-4551-9072-6A2CE4AA1B59}"/>
+              </a:ext>
+            </a:extLst>
+          </p:cNvPr>
+          <p:cNvSpPr/>
+          <p:nvPr/>
+        </p:nvSpPr>
+        <p:spPr>
+          <a:xfrm>
+            <a:off x="2288858" y="5441411"/>
+            <a:ext cx="1828800" cy="376145"/>
+          </a:xfrm>
+          <a:prstGeom prst="rect">
+            <a:avLst/>
+          </a:prstGeom>
+          <a:solidFill>
+            <a:schemeClr val="bg1"/>
+          </a:solidFill>
+          <a:ln>
+            <a:solidFill>
+              <a:schemeClr val="bg1"/>
+            </a:solidFill>
+          </a:ln>
+        </p:spPr>
+        <p:style>
+          <a:lnRef idx="2">
+            <a:schemeClr val="accent1">
+              <a:shade val="50000"/>
+            </a:schemeClr>
+          </a:lnRef>
+          <a:fillRef idx="1">
+            <a:schemeClr val="accent1"/>
+          </a:fillRef>
+          <a:effectRef idx="0">
+            <a:schemeClr val="accent1"/>
+          </a:effectRef>
+          <a:fontRef idx="minor">
+            <a:schemeClr val="lt1"/>
+          </a:fontRef>
+        </p:style>
+        <p:txBody>
+          <a:bodyPr rtlCol="0" anchor="ctr"/>
+          <a:lstStyle/>
+          <a:p>
+            <a:pPr algn="ctr"/>
+            <a:endParaRPr lang="en-US"/>
+          </a:p>
+        </p:txBody>
+      </p:sp>
+      <p:sp>
+        <p:nvSpPr>
+          <p:cNvPr id="23" name="TextBox 22">
+            <a:extLst>
+              <a:ext uri="{FF2B5EF4-FFF2-40B4-BE49-F238E27FC236}">
+                <a16:creationId xmlns:a16="http://schemas.microsoft.com/office/drawing/2014/main" id="{CBA36AC2-6E11-4ADA-8EBB-F00D50EF5206}"/>
+              </a:ext>
+            </a:extLst>
+          </p:cNvPr>
+          <p:cNvSpPr txBox="1"/>
+          <p:nvPr/>
+        </p:nvSpPr>
+        <p:spPr>
+          <a:xfrm>
+            <a:off x="4420031" y="2401098"/>
+            <a:ext cx="4349139" cy="400110"/>
+          </a:xfrm>
+          <a:prstGeom prst="rect">
+            <a:avLst/>
+          </a:prstGeom>
+          <a:noFill/>
+        </p:spPr>
+        <p:txBody>
+          <a:bodyPr wrap="none" rtlCol="0">
+            <a:spAutoFit/>
+          </a:bodyPr>
+          <a:lstStyle/>
+          <a:p>
+            <a:r>
+              <a:rPr lang="en-US" sz="2000" dirty="0"/>
+              <a:t>Example Nonrandom Attrition Problems</a:t>
+            </a:r>
+          </a:p>
+        </p:txBody>
+      </p:sp>
+      <p:sp>
+        <p:nvSpPr>
+          <p:cNvPr id="24" name="TextBox 23">
+            <a:extLst>
+              <a:ext uri="{FF2B5EF4-FFF2-40B4-BE49-F238E27FC236}">
+                <a16:creationId xmlns:a16="http://schemas.microsoft.com/office/drawing/2014/main" id="{1D64013D-999F-4F5B-81D1-8FD6DD138EC3}"/>
+              </a:ext>
+            </a:extLst>
+          </p:cNvPr>
+          <p:cNvSpPr txBox="1"/>
+          <p:nvPr/>
+        </p:nvSpPr>
+        <p:spPr>
+          <a:xfrm>
+            <a:off x="6222124" y="170895"/>
+            <a:ext cx="542136" cy="523220"/>
+          </a:xfrm>
+          <a:prstGeom prst="rect">
+            <a:avLst/>
+          </a:prstGeom>
+          <a:noFill/>
+        </p:spPr>
+        <p:txBody>
+          <a:bodyPr wrap="none" rtlCol="0">
+            <a:spAutoFit/>
+          </a:bodyPr>
+          <a:lstStyle/>
+          <a:p>
+            <a:r>
+              <a:rPr lang="en-US" sz="2800" dirty="0"/>
+              <a:t>T2</a:t>
+            </a:r>
+          </a:p>
+        </p:txBody>
+      </p:sp>
+      <p:sp>
+        <p:nvSpPr>
+          <p:cNvPr id="25" name="TextBox 24">
+            <a:extLst>
+              <a:ext uri="{FF2B5EF4-FFF2-40B4-BE49-F238E27FC236}">
+                <a16:creationId xmlns:a16="http://schemas.microsoft.com/office/drawing/2014/main" id="{5063755A-F99C-4107-95A9-F220F73643DE}"/>
+              </a:ext>
+            </a:extLst>
+          </p:cNvPr>
+          <p:cNvSpPr txBox="1"/>
+          <p:nvPr/>
+        </p:nvSpPr>
+        <p:spPr>
+          <a:xfrm>
+            <a:off x="7791450" y="170895"/>
+            <a:ext cx="558166" cy="523220"/>
+          </a:xfrm>
+          <a:prstGeom prst="rect">
+            <a:avLst/>
+          </a:prstGeom>
+          <a:noFill/>
+        </p:spPr>
+        <p:txBody>
+          <a:bodyPr wrap="none" rtlCol="0">
+            <a:spAutoFit/>
+          </a:bodyPr>
+          <a:lstStyle/>
+          <a:p>
+            <a:r>
+              <a:rPr lang="en-US" sz="2800" dirty="0"/>
+              <a:t>C2</a:t>
+            </a:r>
+          </a:p>
+        </p:txBody>
+      </p:sp>
+      <p:sp>
+        <p:nvSpPr>
+          <p:cNvPr id="26" name="Oval 25">
+            <a:extLst>
+              <a:ext uri="{FF2B5EF4-FFF2-40B4-BE49-F238E27FC236}">
+                <a16:creationId xmlns:a16="http://schemas.microsoft.com/office/drawing/2014/main" id="{12AC26DE-EBB2-410F-BA12-3536E274B15F}"/>
+              </a:ext>
+            </a:extLst>
+          </p:cNvPr>
+          <p:cNvSpPr/>
+          <p:nvPr/>
+        </p:nvSpPr>
+        <p:spPr>
+          <a:xfrm>
+            <a:off x="5715000" y="694115"/>
+            <a:ext cx="1466850" cy="1255820"/>
+          </a:xfrm>
+          <a:prstGeom prst="ellipse">
+            <a:avLst/>
+          </a:prstGeom>
+        </p:spPr>
+        <p:style>
+          <a:lnRef idx="2">
+            <a:schemeClr val="accent1">
+              <a:shade val="50000"/>
+            </a:schemeClr>
+          </a:lnRef>
+          <a:fillRef idx="1">
+            <a:schemeClr val="accent1"/>
+          </a:fillRef>
+          <a:effectRef idx="0">
+            <a:schemeClr val="accent1"/>
+          </a:effectRef>
+          <a:fontRef idx="minor">
+            <a:schemeClr val="lt1"/>
+          </a:fontRef>
+        </p:style>
+        <p:txBody>
+          <a:bodyPr rtlCol="0" anchor="ctr"/>
+          <a:lstStyle/>
+          <a:p>
+            <a:pPr algn="ctr"/>
+            <a:endParaRPr lang="en-US"/>
+          </a:p>
+        </p:txBody>
+      </p:sp>
+      <p:sp>
+        <p:nvSpPr>
+          <p:cNvPr id="27" name="Oval 26">
+            <a:extLst>
+              <a:ext uri="{FF2B5EF4-FFF2-40B4-BE49-F238E27FC236}">
+                <a16:creationId xmlns:a16="http://schemas.microsoft.com/office/drawing/2014/main" id="{9C47C28F-B064-4573-8867-5669E31359F5}"/>
+              </a:ext>
+            </a:extLst>
+          </p:cNvPr>
+          <p:cNvSpPr/>
+          <p:nvPr/>
+        </p:nvSpPr>
+        <p:spPr>
+          <a:xfrm>
+            <a:off x="7280909" y="694115"/>
+            <a:ext cx="1466850" cy="1255820"/>
+          </a:xfrm>
+          <a:prstGeom prst="ellipse">
+            <a:avLst/>
+          </a:prstGeom>
+        </p:spPr>
+        <p:style>
+          <a:lnRef idx="2">
+            <a:schemeClr val="accent1">
+              <a:shade val="50000"/>
+            </a:schemeClr>
+          </a:lnRef>
+          <a:fillRef idx="1">
+            <a:schemeClr val="accent1"/>
+          </a:fillRef>
+          <a:effectRef idx="0">
+            <a:schemeClr val="accent1"/>
+          </a:effectRef>
+          <a:fontRef idx="minor">
+            <a:schemeClr val="lt1"/>
+          </a:fontRef>
+        </p:style>
+        <p:txBody>
+          <a:bodyPr rtlCol="0" anchor="ctr"/>
+          <a:lstStyle/>
+          <a:p>
+            <a:pPr algn="ctr"/>
+            <a:endParaRPr lang="en-US"/>
+          </a:p>
+        </p:txBody>
+      </p:sp>
+      <p:cxnSp>
+        <p:nvCxnSpPr>
+          <p:cNvPr id="29" name="Straight Arrow Connector 28">
+            <a:extLst>
+              <a:ext uri="{FF2B5EF4-FFF2-40B4-BE49-F238E27FC236}">
+                <a16:creationId xmlns:a16="http://schemas.microsoft.com/office/drawing/2014/main" id="{2CEB4890-593A-4FED-A774-472CA502105F}"/>
+              </a:ext>
+            </a:extLst>
+          </p:cNvPr>
+          <p:cNvCxnSpPr>
+            <a:cxnSpLocks/>
+          </p:cNvCxnSpPr>
+          <p:nvPr/>
+        </p:nvCxnSpPr>
+        <p:spPr>
+          <a:xfrm flipH="1">
+            <a:off x="3973009" y="990600"/>
+            <a:ext cx="321429" cy="0"/>
+          </a:xfrm>
+          <a:prstGeom prst="straightConnector1">
+            <a:avLst/>
+          </a:prstGeom>
+          <a:ln w="34925">
+            <a:tailEnd type="triangle"/>
+          </a:ln>
+        </p:spPr>
+        <p:style>
+          <a:lnRef idx="1">
+            <a:schemeClr val="accent1"/>
+          </a:lnRef>
+          <a:fillRef idx="0">
+            <a:schemeClr val="accent1"/>
+          </a:fillRef>
+          <a:effectRef idx="0">
+            <a:schemeClr val="accent1"/>
+          </a:effectRef>
+          <a:fontRef idx="minor">
+            <a:schemeClr val="tx1"/>
+          </a:fontRef>
+        </p:style>
+      </p:cxnSp>
+      <p:cxnSp>
+        <p:nvCxnSpPr>
+          <p:cNvPr id="31" name="Straight Arrow Connector 30">
+            <a:extLst>
+              <a:ext uri="{FF2B5EF4-FFF2-40B4-BE49-F238E27FC236}">
+                <a16:creationId xmlns:a16="http://schemas.microsoft.com/office/drawing/2014/main" id="{A5FC82E2-3FB9-4EA4-B946-8F0B8B26915D}"/>
+              </a:ext>
+            </a:extLst>
+          </p:cNvPr>
+          <p:cNvCxnSpPr>
+            <a:cxnSpLocks/>
+          </p:cNvCxnSpPr>
+          <p:nvPr/>
+        </p:nvCxnSpPr>
+        <p:spPr>
+          <a:xfrm>
+            <a:off x="5353487" y="990600"/>
+            <a:ext cx="380999" cy="0"/>
+          </a:xfrm>
+          <a:prstGeom prst="straightConnector1">
+            <a:avLst/>
+          </a:prstGeom>
+          <a:ln w="34925">
+            <a:tailEnd type="triangle"/>
+          </a:ln>
+        </p:spPr>
+        <p:style>
+          <a:lnRef idx="1">
+            <a:schemeClr val="accent1"/>
+          </a:lnRef>
+          <a:fillRef idx="0">
+            <a:schemeClr val="accent1"/>
+          </a:fillRef>
+          <a:effectRef idx="0">
+            <a:schemeClr val="accent1"/>
+          </a:effectRef>
+          <a:fontRef idx="minor">
+            <a:schemeClr val="tx1"/>
+          </a:fontRef>
+        </p:style>
+      </p:cxnSp>
+      <p:sp>
+        <p:nvSpPr>
+          <p:cNvPr id="33" name="Oval 32">
+            <a:extLst>
+              <a:ext uri="{FF2B5EF4-FFF2-40B4-BE49-F238E27FC236}">
+                <a16:creationId xmlns:a16="http://schemas.microsoft.com/office/drawing/2014/main" id="{F5944775-4C89-4B8A-B2EB-961822A9BF01}"/>
+              </a:ext>
+            </a:extLst>
+          </p:cNvPr>
+          <p:cNvSpPr/>
+          <p:nvPr/>
+        </p:nvSpPr>
+        <p:spPr>
+          <a:xfrm>
+            <a:off x="6728787" y="1127835"/>
+            <a:ext cx="355283" cy="337805"/>
+          </a:xfrm>
+          <a:prstGeom prst="ellipse">
+            <a:avLst/>
+          </a:prstGeom>
+          <a:solidFill>
+            <a:schemeClr val="bg1"/>
+          </a:solidFill>
+          <a:ln>
+            <a:solidFill>
+              <a:srgbClr val="4F81BD"/>
+            </a:solidFill>
+          </a:ln>
+        </p:spPr>
+        <p:style>
+          <a:lnRef idx="2">
+            <a:schemeClr val="accent1">
+              <a:shade val="50000"/>
+            </a:schemeClr>
+          </a:lnRef>
+          <a:fillRef idx="1">
+            <a:schemeClr val="accent1"/>
+          </a:fillRef>
+          <a:effectRef idx="0">
+            <a:schemeClr val="accent1"/>
+          </a:effectRef>
+          <a:fontRef idx="minor">
+            <a:schemeClr val="lt1"/>
+          </a:fontRef>
+        </p:style>
+        <p:txBody>
+          <a:bodyPr rtlCol="0" anchor="ctr"/>
+          <a:lstStyle/>
+          <a:p>
+            <a:pPr algn="ctr"/>
+            <a:endParaRPr lang="en-US"/>
+          </a:p>
+        </p:txBody>
+      </p:sp>
+      <p:sp>
+        <p:nvSpPr>
+          <p:cNvPr id="34" name="Oval 33">
+            <a:extLst>
+              <a:ext uri="{FF2B5EF4-FFF2-40B4-BE49-F238E27FC236}">
+                <a16:creationId xmlns:a16="http://schemas.microsoft.com/office/drawing/2014/main" id="{904FD76B-238E-4CA9-8598-6AF8133A1C51}"/>
+              </a:ext>
+            </a:extLst>
+          </p:cNvPr>
+          <p:cNvSpPr/>
+          <p:nvPr/>
+        </p:nvSpPr>
+        <p:spPr>
+          <a:xfrm>
+            <a:off x="7330709" y="1127836"/>
+            <a:ext cx="355283" cy="337805"/>
+          </a:xfrm>
+          <a:prstGeom prst="ellipse">
+            <a:avLst/>
+          </a:prstGeom>
+          <a:solidFill>
+            <a:schemeClr val="bg1"/>
+          </a:solidFill>
+          <a:ln>
+            <a:solidFill>
+              <a:srgbClr val="4F81BD"/>
+            </a:solidFill>
+          </a:ln>
+        </p:spPr>
+        <p:style>
+          <a:lnRef idx="2">
+            <a:schemeClr val="accent1">
+              <a:shade val="50000"/>
+            </a:schemeClr>
+          </a:lnRef>
+          <a:fillRef idx="1">
+            <a:schemeClr val="accent1"/>
+          </a:fillRef>
+          <a:effectRef idx="0">
+            <a:schemeClr val="accent1"/>
+          </a:effectRef>
+          <a:fontRef idx="minor">
+            <a:schemeClr val="lt1"/>
+          </a:fontRef>
+        </p:style>
+        <p:txBody>
+          <a:bodyPr rtlCol="0" anchor="ctr"/>
+          <a:lstStyle/>
+          <a:p>
+            <a:pPr algn="ctr"/>
+            <a:endParaRPr lang="en-US"/>
+          </a:p>
+        </p:txBody>
+      </p:sp>
+      <p:sp>
+        <p:nvSpPr>
+          <p:cNvPr id="35" name="TextBox 34">
+            <a:extLst>
+              <a:ext uri="{FF2B5EF4-FFF2-40B4-BE49-F238E27FC236}">
+                <a16:creationId xmlns:a16="http://schemas.microsoft.com/office/drawing/2014/main" id="{826427E7-57D7-4706-B836-6D4485485A9B}"/>
+              </a:ext>
+            </a:extLst>
+          </p:cNvPr>
+          <p:cNvSpPr txBox="1"/>
+          <p:nvPr/>
+        </p:nvSpPr>
+        <p:spPr>
+          <a:xfrm>
+            <a:off x="6769390" y="69078"/>
+            <a:ext cx="1023037" cy="646331"/>
+          </a:xfrm>
+          <a:prstGeom prst="rect">
+            <a:avLst/>
+          </a:prstGeom>
+          <a:noFill/>
+        </p:spPr>
+        <p:txBody>
+          <a:bodyPr wrap="none" rtlCol="0">
+            <a:spAutoFit/>
+          </a:bodyPr>
+          <a:lstStyle/>
+          <a:p>
+            <a:r>
+              <a:rPr lang="en-US" dirty="0"/>
+              <a:t>Random </a:t>
+            </a:r>
+          </a:p>
+          <a:p>
+            <a:r>
+              <a:rPr lang="en-US" dirty="0"/>
+              <a:t>Attrition</a:t>
+            </a:r>
+          </a:p>
+        </p:txBody>
+      </p:sp>
+      <p:sp>
+        <p:nvSpPr>
+          <p:cNvPr id="36" name="TextBox 35">
+            <a:extLst>
+              <a:ext uri="{FF2B5EF4-FFF2-40B4-BE49-F238E27FC236}">
+                <a16:creationId xmlns:a16="http://schemas.microsoft.com/office/drawing/2014/main" id="{BE0CD08F-80FB-41AD-B1B9-CD5D70B860C9}"/>
+              </a:ext>
+            </a:extLst>
+          </p:cNvPr>
+          <p:cNvSpPr txBox="1"/>
+          <p:nvPr/>
+        </p:nvSpPr>
+        <p:spPr>
+          <a:xfrm>
+            <a:off x="4657665" y="3085054"/>
+            <a:ext cx="4060502" cy="3323987"/>
+          </a:xfrm>
+          <a:prstGeom prst="rect">
+            <a:avLst/>
+          </a:prstGeom>
+          <a:noFill/>
+        </p:spPr>
+        <p:txBody>
+          <a:bodyPr wrap="square" rtlCol="0">
+            <a:spAutoFit/>
+          </a:bodyPr>
+          <a:lstStyle/>
+          <a:p>
+            <a:pPr algn="ctr"/>
+            <a:r>
+              <a:rPr lang="en-US" sz="1400" dirty="0"/>
+              <a:t>Attrition in one group but not another</a:t>
+            </a:r>
+          </a:p>
+          <a:p>
+            <a:pPr algn="ctr"/>
+            <a:endParaRPr lang="en-US" sz="1400" dirty="0"/>
+          </a:p>
+          <a:p>
+            <a:pPr algn="ctr"/>
+            <a:endParaRPr lang="en-US" sz="1400" dirty="0"/>
+          </a:p>
+          <a:p>
+            <a:pPr algn="ctr"/>
+            <a:endParaRPr lang="en-US" sz="1400" dirty="0"/>
+          </a:p>
+          <a:p>
+            <a:pPr algn="ctr"/>
+            <a:endParaRPr lang="en-US" sz="1400" dirty="0"/>
+          </a:p>
+          <a:p>
+            <a:pPr algn="ctr"/>
+            <a:endParaRPr lang="en-US" sz="1400" dirty="0"/>
+          </a:p>
+          <a:p>
+            <a:pPr algn="ctr"/>
+            <a:r>
+              <a:rPr lang="en-US" sz="1400" dirty="0"/>
+              <a:t>Different rates of attrition</a:t>
+            </a:r>
+          </a:p>
+          <a:p>
+            <a:pPr algn="ctr"/>
+            <a:endParaRPr lang="en-US" sz="1400" dirty="0"/>
+          </a:p>
+          <a:p>
+            <a:pPr algn="ctr"/>
+            <a:endParaRPr lang="en-US" sz="1400" dirty="0"/>
+          </a:p>
+          <a:p>
+            <a:pPr algn="ctr"/>
+            <a:endParaRPr lang="en-US" sz="1400" dirty="0"/>
+          </a:p>
+          <a:p>
+            <a:pPr algn="ctr"/>
+            <a:endParaRPr lang="en-US" sz="1400" dirty="0"/>
+          </a:p>
+          <a:p>
+            <a:pPr algn="ctr"/>
+            <a:endParaRPr lang="en-US" sz="1400" dirty="0"/>
+          </a:p>
+          <a:p>
+            <a:pPr algn="ctr"/>
+            <a:r>
+              <a:rPr lang="en-US" sz="1400" dirty="0"/>
+              <a:t>Attrition from different parts of the distribution (all high performers from one group, all low performers from another)</a:t>
+            </a:r>
+          </a:p>
+        </p:txBody>
+      </p:sp>
+    </p:spTree>
+    <p:extLst>
+      <p:ext uri="{BB962C8B-B14F-4D97-AF65-F5344CB8AC3E}">
+        <p14:creationId xmlns:p14="http://schemas.microsoft.com/office/powerpoint/2010/main" val="3442120802"/>
+      </p:ext>
+    </p:extLst>
+  </p:cSld>
+  <p:clrMapOvr>
+    <a:masterClrMapping/>
+  </p:clrMapOvr>
+</p:sld>
+</file>
+
+<file path=ppt/slides/slide13.xml><?xml version="1.0" encoding="utf-8"?>
 <p:sld xmlns:a="http://schemas.openxmlformats.org/drawingml/2006/main" xmlns:r="http://schemas.openxmlformats.org/officeDocument/2006/relationships" xmlns:p="http://schemas.openxmlformats.org/presentationml/2006/main">
   <p:cSld>
     <p:spTree>
@@ -5641,979 +7016,6 @@
 </p:sld>
 </file>
 
-<file path=ppt/slides/slide13.xml><?xml version="1.0" encoding="utf-8"?>
-<p:sld xmlns:a="http://schemas.openxmlformats.org/drawingml/2006/main" xmlns:r="http://schemas.openxmlformats.org/officeDocument/2006/relationships" xmlns:p="http://schemas.openxmlformats.org/presentationml/2006/main">
-  <p:cSld>
-    <p:spTree>
-      <p:nvGrpSpPr>
-        <p:cNvPr id="1" name=""/>
-        <p:cNvGrpSpPr/>
-        <p:nvPr/>
-      </p:nvGrpSpPr>
-      <p:grpSpPr>
-        <a:xfrm>
-          <a:off x="0" y="0"/>
-          <a:ext cx="0" cy="0"/>
-          <a:chOff x="0" y="0"/>
-          <a:chExt cx="0" cy="0"/>
-        </a:xfrm>
-      </p:grpSpPr>
-      <p:sp>
-        <p:nvSpPr>
-          <p:cNvPr id="3075" name="TextBox 3"/>
-          <p:cNvSpPr txBox="1">
-            <a:spLocks noChangeArrowheads="1"/>
-          </p:cNvSpPr>
-          <p:nvPr/>
-        </p:nvSpPr>
-        <p:spPr bwMode="auto">
-          <a:xfrm>
-            <a:off x="1600200" y="304800"/>
-            <a:ext cx="7010400" cy="646113"/>
-          </a:xfrm>
-          <a:prstGeom prst="rect">
-            <a:avLst/>
-          </a:prstGeom>
-          <a:noFill/>
-          <a:ln w="9525">
-            <a:noFill/>
-            <a:miter lim="800000"/>
-            <a:headEnd/>
-            <a:tailEnd/>
-          </a:ln>
-        </p:spPr>
-        <p:txBody>
-          <a:bodyPr>
-            <a:spAutoFit/>
-          </a:bodyPr>
-          <a:lstStyle/>
-          <a:p>
-            <a:r>
-              <a:rPr lang="en-US" sz="3600" dirty="0">
-                <a:latin typeface="Tahoma" pitchFamily="34" charset="0"/>
-              </a:rPr>
-              <a:t>Separating Trend from Effects</a:t>
-            </a:r>
-          </a:p>
-        </p:txBody>
-      </p:sp>
-      <p:cxnSp>
-        <p:nvCxnSpPr>
-          <p:cNvPr id="51" name="Straight Connector 50"/>
-          <p:cNvCxnSpPr/>
-          <p:nvPr/>
-        </p:nvCxnSpPr>
-        <p:spPr>
-          <a:xfrm>
-            <a:off x="3632202" y="4394881"/>
-            <a:ext cx="1812044" cy="0"/>
-          </a:xfrm>
-          <a:prstGeom prst="line">
-            <a:avLst/>
-          </a:prstGeom>
-          <a:ln>
-            <a:prstDash val="dash"/>
-          </a:ln>
-        </p:spPr>
-        <p:style>
-          <a:lnRef idx="1">
-            <a:schemeClr val="accent1"/>
-          </a:lnRef>
-          <a:fillRef idx="0">
-            <a:schemeClr val="accent1"/>
-          </a:fillRef>
-          <a:effectRef idx="0">
-            <a:schemeClr val="accent1"/>
-          </a:effectRef>
-          <a:fontRef idx="minor">
-            <a:schemeClr val="tx1"/>
-          </a:fontRef>
-        </p:style>
-      </p:cxnSp>
-      <p:cxnSp>
-        <p:nvCxnSpPr>
-          <p:cNvPr id="52" name="Straight Connector 51"/>
-          <p:cNvCxnSpPr/>
-          <p:nvPr/>
-        </p:nvCxnSpPr>
-        <p:spPr>
-          <a:xfrm>
-            <a:off x="2971800" y="2756581"/>
-            <a:ext cx="0" cy="2019300"/>
-          </a:xfrm>
-          <a:prstGeom prst="line">
-            <a:avLst/>
-          </a:prstGeom>
-          <a:ln>
-            <a:headEnd type="triangle"/>
-            <a:tailEnd type="none"/>
-          </a:ln>
-        </p:spPr>
-        <p:style>
-          <a:lnRef idx="1">
-            <a:schemeClr val="accent1"/>
-          </a:lnRef>
-          <a:fillRef idx="0">
-            <a:schemeClr val="accent1"/>
-          </a:fillRef>
-          <a:effectRef idx="0">
-            <a:schemeClr val="accent1"/>
-          </a:effectRef>
-          <a:fontRef idx="minor">
-            <a:schemeClr val="tx1"/>
-          </a:fontRef>
-        </p:style>
-      </p:cxnSp>
-      <p:cxnSp>
-        <p:nvCxnSpPr>
-          <p:cNvPr id="53" name="Straight Connector 52"/>
-          <p:cNvCxnSpPr/>
-          <p:nvPr/>
-        </p:nvCxnSpPr>
-        <p:spPr>
-          <a:xfrm flipH="1">
-            <a:off x="2971800" y="4775881"/>
-            <a:ext cx="2590800" cy="0"/>
-          </a:xfrm>
-          <a:prstGeom prst="line">
-            <a:avLst/>
-          </a:prstGeom>
-        </p:spPr>
-        <p:style>
-          <a:lnRef idx="1">
-            <a:schemeClr val="accent1"/>
-          </a:lnRef>
-          <a:fillRef idx="0">
-            <a:schemeClr val="accent1"/>
-          </a:fillRef>
-          <a:effectRef idx="0">
-            <a:schemeClr val="accent1"/>
-          </a:effectRef>
-          <a:fontRef idx="minor">
-            <a:schemeClr val="tx1"/>
-          </a:fontRef>
-        </p:style>
-      </p:cxnSp>
-      <p:cxnSp>
-        <p:nvCxnSpPr>
-          <p:cNvPr id="54" name="Straight Connector 53"/>
-          <p:cNvCxnSpPr/>
-          <p:nvPr/>
-        </p:nvCxnSpPr>
-        <p:spPr>
-          <a:xfrm>
-            <a:off x="3581400" y="4699681"/>
-            <a:ext cx="0" cy="152400"/>
-          </a:xfrm>
-          <a:prstGeom prst="line">
-            <a:avLst/>
-          </a:prstGeom>
-        </p:spPr>
-        <p:style>
-          <a:lnRef idx="1">
-            <a:schemeClr val="accent1"/>
-          </a:lnRef>
-          <a:fillRef idx="0">
-            <a:schemeClr val="accent1"/>
-          </a:fillRef>
-          <a:effectRef idx="0">
-            <a:schemeClr val="accent1"/>
-          </a:effectRef>
-          <a:fontRef idx="minor">
-            <a:schemeClr val="tx1"/>
-          </a:fontRef>
-        </p:style>
-      </p:cxnSp>
-      <p:cxnSp>
-        <p:nvCxnSpPr>
-          <p:cNvPr id="55" name="Straight Connector 54"/>
-          <p:cNvCxnSpPr/>
-          <p:nvPr/>
-        </p:nvCxnSpPr>
-        <p:spPr>
-          <a:xfrm>
-            <a:off x="5029200" y="4716614"/>
-            <a:ext cx="0" cy="152400"/>
-          </a:xfrm>
-          <a:prstGeom prst="line">
-            <a:avLst/>
-          </a:prstGeom>
-        </p:spPr>
-        <p:style>
-          <a:lnRef idx="1">
-            <a:schemeClr val="accent1"/>
-          </a:lnRef>
-          <a:fillRef idx="0">
-            <a:schemeClr val="accent1"/>
-          </a:fillRef>
-          <a:effectRef idx="0">
-            <a:schemeClr val="accent1"/>
-          </a:effectRef>
-          <a:fontRef idx="minor">
-            <a:schemeClr val="tx1"/>
-          </a:fontRef>
-        </p:style>
-      </p:cxnSp>
-      <p:sp>
-        <p:nvSpPr>
-          <p:cNvPr id="56" name="Oval 55"/>
-          <p:cNvSpPr/>
-          <p:nvPr/>
-        </p:nvSpPr>
-        <p:spPr>
-          <a:xfrm>
-            <a:off x="4927600" y="3670981"/>
-            <a:ext cx="228600" cy="228600"/>
-          </a:xfrm>
-          <a:prstGeom prst="ellipse">
-            <a:avLst/>
-          </a:prstGeom>
-        </p:spPr>
-        <p:style>
-          <a:lnRef idx="2">
-            <a:schemeClr val="accent1">
-              <a:shade val="50000"/>
-            </a:schemeClr>
-          </a:lnRef>
-          <a:fillRef idx="1">
-            <a:schemeClr val="accent1"/>
-          </a:fillRef>
-          <a:effectRef idx="0">
-            <a:schemeClr val="accent1"/>
-          </a:effectRef>
-          <a:fontRef idx="minor">
-            <a:schemeClr val="lt1"/>
-          </a:fontRef>
-        </p:style>
-        <p:txBody>
-          <a:bodyPr rtlCol="0" anchor="ctr"/>
-          <a:lstStyle/>
-          <a:p>
-            <a:pPr algn="ctr"/>
-            <a:endParaRPr lang="en-US" dirty="0"/>
-          </a:p>
-        </p:txBody>
-      </p:sp>
-      <p:sp>
-        <p:nvSpPr>
-          <p:cNvPr id="57" name="Oval 56"/>
-          <p:cNvSpPr/>
-          <p:nvPr/>
-        </p:nvSpPr>
-        <p:spPr>
-          <a:xfrm>
-            <a:off x="3429002" y="4280581"/>
-            <a:ext cx="228600" cy="228600"/>
-          </a:xfrm>
-          <a:prstGeom prst="ellipse">
-            <a:avLst/>
-          </a:prstGeom>
-        </p:spPr>
-        <p:style>
-          <a:lnRef idx="2">
-            <a:schemeClr val="accent1">
-              <a:shade val="50000"/>
-            </a:schemeClr>
-          </a:lnRef>
-          <a:fillRef idx="1">
-            <a:schemeClr val="accent1"/>
-          </a:fillRef>
-          <a:effectRef idx="0">
-            <a:schemeClr val="accent1"/>
-          </a:effectRef>
-          <a:fontRef idx="minor">
-            <a:schemeClr val="lt1"/>
-          </a:fontRef>
-        </p:style>
-        <p:txBody>
-          <a:bodyPr rtlCol="0" anchor="ctr"/>
-          <a:lstStyle/>
-          <a:p>
-            <a:pPr algn="ctr"/>
-            <a:endParaRPr lang="en-US"/>
-          </a:p>
-        </p:txBody>
-      </p:sp>
-      <p:sp>
-        <p:nvSpPr>
-          <p:cNvPr id="58" name="Oval 57"/>
-          <p:cNvSpPr/>
-          <p:nvPr/>
-        </p:nvSpPr>
-        <p:spPr>
-          <a:xfrm>
-            <a:off x="3420536" y="3847293"/>
-            <a:ext cx="228600" cy="228600"/>
-          </a:xfrm>
-          <a:prstGeom prst="ellipse">
-            <a:avLst/>
-          </a:prstGeom>
-          <a:solidFill>
-            <a:srgbClr val="FF0000"/>
-          </a:solidFill>
-        </p:spPr>
-        <p:style>
-          <a:lnRef idx="2">
-            <a:schemeClr val="accent1">
-              <a:shade val="50000"/>
-            </a:schemeClr>
-          </a:lnRef>
-          <a:fillRef idx="1">
-            <a:schemeClr val="accent1"/>
-          </a:fillRef>
-          <a:effectRef idx="0">
-            <a:schemeClr val="accent1"/>
-          </a:effectRef>
-          <a:fontRef idx="minor">
-            <a:schemeClr val="lt1"/>
-          </a:fontRef>
-        </p:style>
-        <p:txBody>
-          <a:bodyPr rtlCol="0" anchor="ctr"/>
-          <a:lstStyle/>
-          <a:p>
-            <a:pPr algn="ctr"/>
-            <a:endParaRPr lang="en-US"/>
-          </a:p>
-        </p:txBody>
-      </p:sp>
-      <p:sp>
-        <p:nvSpPr>
-          <p:cNvPr id="59" name="Oval 58"/>
-          <p:cNvSpPr/>
-          <p:nvPr/>
-        </p:nvSpPr>
-        <p:spPr>
-          <a:xfrm>
-            <a:off x="4914900" y="2555214"/>
-            <a:ext cx="228600" cy="228600"/>
-          </a:xfrm>
-          <a:prstGeom prst="ellipse">
-            <a:avLst/>
-          </a:prstGeom>
-          <a:solidFill>
-            <a:srgbClr val="FF0000"/>
-          </a:solidFill>
-        </p:spPr>
-        <p:style>
-          <a:lnRef idx="2">
-            <a:schemeClr val="accent1">
-              <a:shade val="50000"/>
-            </a:schemeClr>
-          </a:lnRef>
-          <a:fillRef idx="1">
-            <a:schemeClr val="accent1"/>
-          </a:fillRef>
-          <a:effectRef idx="0">
-            <a:schemeClr val="accent1"/>
-          </a:effectRef>
-          <a:fontRef idx="minor">
-            <a:schemeClr val="lt1"/>
-          </a:fontRef>
-        </p:style>
-        <p:txBody>
-          <a:bodyPr rtlCol="0" anchor="ctr"/>
-          <a:lstStyle/>
-          <a:p>
-            <a:pPr algn="ctr"/>
-            <a:endParaRPr lang="en-US"/>
-          </a:p>
-        </p:txBody>
-      </p:sp>
-      <p:sp>
-        <p:nvSpPr>
-          <p:cNvPr id="60" name="Right Brace 59"/>
-          <p:cNvSpPr/>
-          <p:nvPr/>
-        </p:nvSpPr>
-        <p:spPr>
-          <a:xfrm flipH="1">
-            <a:off x="7259512" y="4015694"/>
-            <a:ext cx="228600" cy="357895"/>
-          </a:xfrm>
-          <a:prstGeom prst="rightBrace">
-            <a:avLst/>
-          </a:prstGeom>
-        </p:spPr>
-        <p:style>
-          <a:lnRef idx="1">
-            <a:schemeClr val="accent1"/>
-          </a:lnRef>
-          <a:fillRef idx="0">
-            <a:schemeClr val="accent1"/>
-          </a:fillRef>
-          <a:effectRef idx="0">
-            <a:schemeClr val="accent1"/>
-          </a:effectRef>
-          <a:fontRef idx="minor">
-            <a:schemeClr val="tx1"/>
-          </a:fontRef>
-        </p:style>
-        <p:txBody>
-          <a:bodyPr rtlCol="0" anchor="ctr"/>
-          <a:lstStyle/>
-          <a:p>
-            <a:pPr algn="ctr"/>
-            <a:endParaRPr lang="en-US"/>
-          </a:p>
-        </p:txBody>
-      </p:sp>
-      <p:sp>
-        <p:nvSpPr>
-          <p:cNvPr id="61" name="Right Brace 60"/>
-          <p:cNvSpPr/>
-          <p:nvPr/>
-        </p:nvSpPr>
-        <p:spPr>
-          <a:xfrm>
-            <a:off x="5329946" y="2721167"/>
-            <a:ext cx="228600" cy="1045064"/>
-          </a:xfrm>
-          <a:prstGeom prst="rightBrace">
-            <a:avLst/>
-          </a:prstGeom>
-        </p:spPr>
-        <p:style>
-          <a:lnRef idx="1">
-            <a:schemeClr val="accent1"/>
-          </a:lnRef>
-          <a:fillRef idx="0">
-            <a:schemeClr val="accent1"/>
-          </a:fillRef>
-          <a:effectRef idx="0">
-            <a:schemeClr val="accent1"/>
-          </a:effectRef>
-          <a:fontRef idx="minor">
-            <a:schemeClr val="tx1"/>
-          </a:fontRef>
-        </p:style>
-        <p:txBody>
-          <a:bodyPr rtlCol="0" anchor="ctr"/>
-          <a:lstStyle/>
-          <a:p>
-            <a:pPr algn="ctr"/>
-            <a:endParaRPr lang="en-US"/>
-          </a:p>
-        </p:txBody>
-      </p:sp>
-      <p:sp>
-        <p:nvSpPr>
-          <p:cNvPr id="62" name="TextBox 61"/>
-          <p:cNvSpPr txBox="1"/>
-          <p:nvPr/>
-        </p:nvSpPr>
-        <p:spPr>
-          <a:xfrm>
-            <a:off x="6602852" y="2494971"/>
-            <a:ext cx="2028762" cy="523220"/>
-          </a:xfrm>
-          <a:prstGeom prst="rect">
-            <a:avLst/>
-          </a:prstGeom>
-          <a:noFill/>
-        </p:spPr>
-        <p:txBody>
-          <a:bodyPr wrap="none" rtlCol="0">
-            <a:spAutoFit/>
-          </a:bodyPr>
-          <a:lstStyle/>
-          <a:p>
-            <a:pPr algn="ctr"/>
-            <a:r>
-              <a:rPr lang="en-US" sz="1400" dirty="0"/>
-              <a:t>Total Gain of Treat-Group</a:t>
-            </a:r>
-            <a:br>
-              <a:rPr lang="en-US" sz="1400" dirty="0"/>
-            </a:br>
-            <a:r>
-              <a:rPr lang="en-US" sz="1400" dirty="0"/>
-              <a:t> T2-T1</a:t>
-            </a:r>
-          </a:p>
-        </p:txBody>
-      </p:sp>
-      <p:sp>
-        <p:nvSpPr>
-          <p:cNvPr id="63" name="TextBox 62"/>
-          <p:cNvSpPr txBox="1"/>
-          <p:nvPr/>
-        </p:nvSpPr>
-        <p:spPr>
-          <a:xfrm>
-            <a:off x="6477000" y="3957935"/>
-            <a:ext cx="771300" cy="461665"/>
-          </a:xfrm>
-          <a:prstGeom prst="rect">
-            <a:avLst/>
-          </a:prstGeom>
-          <a:noFill/>
-        </p:spPr>
-        <p:txBody>
-          <a:bodyPr wrap="none" rtlCol="0">
-            <a:spAutoFit/>
-          </a:bodyPr>
-          <a:lstStyle/>
-          <a:p>
-            <a:pPr algn="ctr"/>
-            <a:r>
-              <a:rPr lang="en-US" sz="1200" dirty="0"/>
-              <a:t>Removed</a:t>
-            </a:r>
-            <a:br>
-              <a:rPr lang="en-US" sz="1200" dirty="0"/>
-            </a:br>
-            <a:r>
-              <a:rPr lang="en-US" sz="1200" dirty="0"/>
-              <a:t>By T2-C2</a:t>
-            </a:r>
-          </a:p>
-        </p:txBody>
-      </p:sp>
-      <p:sp>
-        <p:nvSpPr>
-          <p:cNvPr id="64" name="TextBox 63"/>
-          <p:cNvSpPr txBox="1"/>
-          <p:nvPr/>
-        </p:nvSpPr>
-        <p:spPr>
-          <a:xfrm>
-            <a:off x="3276600" y="4890181"/>
-            <a:ext cx="651140" cy="276999"/>
-          </a:xfrm>
-          <a:prstGeom prst="rect">
-            <a:avLst/>
-          </a:prstGeom>
-          <a:noFill/>
-        </p:spPr>
-        <p:txBody>
-          <a:bodyPr wrap="none" rtlCol="0">
-            <a:spAutoFit/>
-          </a:bodyPr>
-          <a:lstStyle/>
-          <a:p>
-            <a:r>
-              <a:rPr lang="en-US" sz="1200" dirty="0"/>
-              <a:t>Time=1</a:t>
-            </a:r>
-          </a:p>
-        </p:txBody>
-      </p:sp>
-      <p:sp>
-        <p:nvSpPr>
-          <p:cNvPr id="65" name="TextBox 64"/>
-          <p:cNvSpPr txBox="1"/>
-          <p:nvPr/>
-        </p:nvSpPr>
-        <p:spPr>
-          <a:xfrm>
-            <a:off x="4682860" y="4890181"/>
-            <a:ext cx="651140" cy="276999"/>
-          </a:xfrm>
-          <a:prstGeom prst="rect">
-            <a:avLst/>
-          </a:prstGeom>
-          <a:noFill/>
-        </p:spPr>
-        <p:txBody>
-          <a:bodyPr wrap="none" rtlCol="0">
-            <a:spAutoFit/>
-          </a:bodyPr>
-          <a:lstStyle/>
-          <a:p>
-            <a:r>
-              <a:rPr lang="en-US" sz="1200" dirty="0"/>
-              <a:t>Time=2</a:t>
-            </a:r>
-          </a:p>
-        </p:txBody>
-      </p:sp>
-      <p:sp>
-        <p:nvSpPr>
-          <p:cNvPr id="66" name="TextBox 65"/>
-          <p:cNvSpPr txBox="1"/>
-          <p:nvPr/>
-        </p:nvSpPr>
-        <p:spPr>
-          <a:xfrm>
-            <a:off x="3219335" y="3489232"/>
-            <a:ext cx="647934" cy="276999"/>
-          </a:xfrm>
-          <a:prstGeom prst="rect">
-            <a:avLst/>
-          </a:prstGeom>
-          <a:noFill/>
-        </p:spPr>
-        <p:txBody>
-          <a:bodyPr wrap="none" rtlCol="0">
-            <a:spAutoFit/>
-          </a:bodyPr>
-          <a:lstStyle/>
-          <a:p>
-            <a:r>
-              <a:rPr lang="en-US" sz="1200" b="1" dirty="0">
-                <a:solidFill>
-                  <a:schemeClr val="tx2">
-                    <a:lumMod val="60000"/>
-                    <a:lumOff val="40000"/>
-                  </a:schemeClr>
-                </a:solidFill>
-              </a:rPr>
-              <a:t>C1 ≠</a:t>
-            </a:r>
-            <a:r>
-              <a:rPr lang="en-US" sz="1200" b="1" dirty="0">
-                <a:solidFill>
-                  <a:schemeClr val="tx2"/>
-                </a:solidFill>
-              </a:rPr>
-              <a:t> </a:t>
-            </a:r>
-            <a:r>
-              <a:rPr lang="en-US" sz="1200" b="1" dirty="0">
-                <a:solidFill>
-                  <a:srgbClr val="FF0000"/>
-                </a:solidFill>
-              </a:rPr>
-              <a:t>T1</a:t>
-            </a:r>
-          </a:p>
-        </p:txBody>
-      </p:sp>
-      <p:sp>
-        <p:nvSpPr>
-          <p:cNvPr id="67" name="TextBox 66"/>
-          <p:cNvSpPr txBox="1"/>
-          <p:nvPr/>
-        </p:nvSpPr>
-        <p:spPr>
-          <a:xfrm>
-            <a:off x="4858376" y="2527981"/>
-            <a:ext cx="340158" cy="276999"/>
-          </a:xfrm>
-          <a:prstGeom prst="rect">
-            <a:avLst/>
-          </a:prstGeom>
-          <a:noFill/>
-        </p:spPr>
-        <p:txBody>
-          <a:bodyPr wrap="none" rtlCol="0">
-            <a:spAutoFit/>
-          </a:bodyPr>
-          <a:lstStyle/>
-          <a:p>
-            <a:r>
-              <a:rPr lang="en-US" sz="1200" b="1" dirty="0">
-                <a:solidFill>
-                  <a:schemeClr val="bg1"/>
-                </a:solidFill>
-              </a:rPr>
-              <a:t>T2</a:t>
-            </a:r>
-          </a:p>
-        </p:txBody>
-      </p:sp>
-      <p:sp>
-        <p:nvSpPr>
-          <p:cNvPr id="68" name="TextBox 67"/>
-          <p:cNvSpPr txBox="1"/>
-          <p:nvPr/>
-        </p:nvSpPr>
-        <p:spPr>
-          <a:xfrm>
-            <a:off x="4871869" y="3644725"/>
-            <a:ext cx="344966" cy="276999"/>
-          </a:xfrm>
-          <a:prstGeom prst="rect">
-            <a:avLst/>
-          </a:prstGeom>
-          <a:noFill/>
-        </p:spPr>
-        <p:txBody>
-          <a:bodyPr wrap="none" rtlCol="0">
-            <a:spAutoFit/>
-          </a:bodyPr>
-          <a:lstStyle/>
-          <a:p>
-            <a:r>
-              <a:rPr lang="en-US" sz="1200" b="1" dirty="0">
-                <a:solidFill>
-                  <a:schemeClr val="bg1"/>
-                </a:solidFill>
-              </a:rPr>
-              <a:t>C2</a:t>
-            </a:r>
-          </a:p>
-        </p:txBody>
-      </p:sp>
-      <p:sp>
-        <p:nvSpPr>
-          <p:cNvPr id="69" name="TextBox 68"/>
-          <p:cNvSpPr txBox="1"/>
-          <p:nvPr/>
-        </p:nvSpPr>
-        <p:spPr>
-          <a:xfrm>
-            <a:off x="2590800" y="2465739"/>
-            <a:ext cx="857479" cy="307777"/>
-          </a:xfrm>
-          <a:prstGeom prst="rect">
-            <a:avLst/>
-          </a:prstGeom>
-          <a:noFill/>
-        </p:spPr>
-        <p:txBody>
-          <a:bodyPr wrap="none" rtlCol="0">
-            <a:spAutoFit/>
-          </a:bodyPr>
-          <a:lstStyle/>
-          <a:p>
-            <a:r>
-              <a:rPr lang="en-US" sz="1400" dirty="0"/>
-              <a:t>Outcome</a:t>
-            </a:r>
-          </a:p>
-        </p:txBody>
-      </p:sp>
-      <p:sp>
-        <p:nvSpPr>
-          <p:cNvPr id="70" name="Right Brace 69"/>
-          <p:cNvSpPr/>
-          <p:nvPr/>
-        </p:nvSpPr>
-        <p:spPr>
-          <a:xfrm>
-            <a:off x="7701899" y="3763308"/>
-            <a:ext cx="228600" cy="609600"/>
-          </a:xfrm>
-          <a:prstGeom prst="rightBrace">
-            <a:avLst/>
-          </a:prstGeom>
-        </p:spPr>
-        <p:style>
-          <a:lnRef idx="1">
-            <a:schemeClr val="accent1"/>
-          </a:lnRef>
-          <a:fillRef idx="0">
-            <a:schemeClr val="accent1"/>
-          </a:fillRef>
-          <a:effectRef idx="0">
-            <a:schemeClr val="accent1"/>
-          </a:effectRef>
-          <a:fontRef idx="minor">
-            <a:schemeClr val="tx1"/>
-          </a:fontRef>
-        </p:style>
-        <p:txBody>
-          <a:bodyPr rtlCol="0" anchor="ctr"/>
-          <a:lstStyle/>
-          <a:p>
-            <a:pPr algn="ctr"/>
-            <a:endParaRPr lang="en-US"/>
-          </a:p>
-        </p:txBody>
-      </p:sp>
-      <p:sp>
-        <p:nvSpPr>
-          <p:cNvPr id="71" name="TextBox 70"/>
-          <p:cNvSpPr txBox="1"/>
-          <p:nvPr/>
-        </p:nvSpPr>
-        <p:spPr>
-          <a:xfrm>
-            <a:off x="7943560" y="3810682"/>
-            <a:ext cx="615874" cy="461665"/>
-          </a:xfrm>
-          <a:prstGeom prst="rect">
-            <a:avLst/>
-          </a:prstGeom>
-          <a:noFill/>
-        </p:spPr>
-        <p:txBody>
-          <a:bodyPr wrap="none" rtlCol="0">
-            <a:spAutoFit/>
-          </a:bodyPr>
-          <a:lstStyle/>
-          <a:p>
-            <a:pPr algn="ctr"/>
-            <a:r>
-              <a:rPr lang="en-US" sz="1200" dirty="0"/>
-              <a:t>Actual </a:t>
-            </a:r>
-            <a:br>
-              <a:rPr lang="en-US" sz="1200" dirty="0"/>
-            </a:br>
-            <a:r>
-              <a:rPr lang="en-US" sz="1200" dirty="0"/>
-              <a:t>Trend</a:t>
-            </a:r>
-          </a:p>
-        </p:txBody>
-      </p:sp>
-      <p:sp>
-        <p:nvSpPr>
-          <p:cNvPr id="72" name="TextBox 71"/>
-          <p:cNvSpPr txBox="1"/>
-          <p:nvPr/>
-        </p:nvSpPr>
-        <p:spPr>
-          <a:xfrm>
-            <a:off x="2811968" y="1641845"/>
-            <a:ext cx="3476144" cy="369332"/>
-          </a:xfrm>
-          <a:prstGeom prst="rect">
-            <a:avLst/>
-          </a:prstGeom>
-          <a:noFill/>
-        </p:spPr>
-        <p:txBody>
-          <a:bodyPr wrap="none" rtlCol="0">
-            <a:spAutoFit/>
-          </a:bodyPr>
-          <a:lstStyle/>
-          <a:p>
-            <a:r>
-              <a:rPr lang="en-US" dirty="0"/>
-              <a:t>T2-C2 does NOT fully remove trend</a:t>
-            </a:r>
-          </a:p>
-        </p:txBody>
-      </p:sp>
-      <p:cxnSp>
-        <p:nvCxnSpPr>
-          <p:cNvPr id="73" name="Straight Connector 72"/>
-          <p:cNvCxnSpPr/>
-          <p:nvPr/>
-        </p:nvCxnSpPr>
-        <p:spPr>
-          <a:xfrm>
-            <a:off x="3716687" y="3964914"/>
-            <a:ext cx="1689459" cy="0"/>
-          </a:xfrm>
-          <a:prstGeom prst="line">
-            <a:avLst/>
-          </a:prstGeom>
-          <a:ln>
-            <a:prstDash val="dash"/>
-          </a:ln>
-        </p:spPr>
-        <p:style>
-          <a:lnRef idx="1">
-            <a:schemeClr val="accent1"/>
-          </a:lnRef>
-          <a:fillRef idx="0">
-            <a:schemeClr val="accent1"/>
-          </a:fillRef>
-          <a:effectRef idx="0">
-            <a:schemeClr val="accent1"/>
-          </a:effectRef>
-          <a:fontRef idx="minor">
-            <a:schemeClr val="tx1"/>
-          </a:fontRef>
-        </p:style>
-      </p:cxnSp>
-      <p:sp>
-        <p:nvSpPr>
-          <p:cNvPr id="2" name="TextBox 1"/>
-          <p:cNvSpPr txBox="1"/>
-          <p:nvPr/>
-        </p:nvSpPr>
-        <p:spPr>
-          <a:xfrm>
-            <a:off x="2284668" y="5708134"/>
-            <a:ext cx="5464445" cy="307777"/>
-          </a:xfrm>
-          <a:prstGeom prst="rect">
-            <a:avLst/>
-          </a:prstGeom>
-          <a:noFill/>
-        </p:spPr>
-        <p:txBody>
-          <a:bodyPr wrap="none" rtlCol="0">
-            <a:spAutoFit/>
-          </a:bodyPr>
-          <a:lstStyle/>
-          <a:p>
-            <a:r>
-              <a:rPr lang="en-US" sz="1400" dirty="0"/>
-              <a:t>NOTE, diff-in-diff separates trends even when groups are not equivalent.</a:t>
-            </a:r>
-          </a:p>
-        </p:txBody>
-      </p:sp>
-      <p:cxnSp>
-        <p:nvCxnSpPr>
-          <p:cNvPr id="4" name="Straight Connector 3"/>
-          <p:cNvCxnSpPr/>
-          <p:nvPr/>
-        </p:nvCxnSpPr>
-        <p:spPr>
-          <a:xfrm>
-            <a:off x="7617232" y="3078031"/>
-            <a:ext cx="0" cy="1302377"/>
-          </a:xfrm>
-          <a:prstGeom prst="line">
-            <a:avLst/>
-          </a:prstGeom>
-          <a:ln w="25400"/>
-        </p:spPr>
-        <p:style>
-          <a:lnRef idx="1">
-            <a:schemeClr val="accent1"/>
-          </a:lnRef>
-          <a:fillRef idx="0">
-            <a:schemeClr val="accent1"/>
-          </a:fillRef>
-          <a:effectRef idx="0">
-            <a:schemeClr val="accent1"/>
-          </a:effectRef>
-          <a:fontRef idx="minor">
-            <a:schemeClr val="tx1"/>
-          </a:fontRef>
-        </p:style>
-      </p:cxnSp>
-      <p:sp>
-        <p:nvSpPr>
-          <p:cNvPr id="6" name="Rectangle 5"/>
-          <p:cNvSpPr/>
-          <p:nvPr/>
-        </p:nvSpPr>
-        <p:spPr>
-          <a:xfrm>
-            <a:off x="5554312" y="3075804"/>
-            <a:ext cx="545342" cy="276999"/>
-          </a:xfrm>
-          <a:prstGeom prst="rect">
-            <a:avLst/>
-          </a:prstGeom>
-        </p:spPr>
-        <p:txBody>
-          <a:bodyPr wrap="none">
-            <a:spAutoFit/>
-          </a:bodyPr>
-          <a:lstStyle/>
-          <a:p>
-            <a:pPr algn="ctr"/>
-            <a:r>
-              <a:rPr lang="en-US" sz="1200" dirty="0"/>
-              <a:t>T2-C2</a:t>
-            </a:r>
-          </a:p>
-        </p:txBody>
-      </p:sp>
-    </p:spTree>
-    <p:extLst>
-      <p:ext uri="{BB962C8B-B14F-4D97-AF65-F5344CB8AC3E}">
-        <p14:creationId xmlns:p14="http://schemas.microsoft.com/office/powerpoint/2010/main" val="575321032"/>
-      </p:ext>
-    </p:extLst>
-  </p:cSld>
-  <p:clrMapOvr>
-    <a:masterClrMapping/>
-  </p:clrMapOvr>
-</p:sld>
-</file>
-
 <file path=ppt/slides/slide14.xml><?xml version="1.0" encoding="utf-8"?>
 <p:sld xmlns:a="http://schemas.openxmlformats.org/drawingml/2006/main" xmlns:r="http://schemas.openxmlformats.org/officeDocument/2006/relationships" xmlns:p="http://schemas.openxmlformats.org/presentationml/2006/main">
   <p:cSld>
@@ -6672,6 +7074,39 @@
       </p:sp>
       <p:cxnSp>
         <p:nvCxnSpPr>
+          <p:cNvPr id="51" name="Straight Connector 50"/>
+          <p:cNvCxnSpPr/>
+          <p:nvPr/>
+        </p:nvCxnSpPr>
+        <p:spPr>
+          <a:xfrm>
+            <a:off x="3632202" y="4394881"/>
+            <a:ext cx="1812044" cy="0"/>
+          </a:xfrm>
+          <a:prstGeom prst="line">
+            <a:avLst/>
+          </a:prstGeom>
+          <a:ln>
+            <a:prstDash val="dash"/>
+          </a:ln>
+        </p:spPr>
+        <p:style>
+          <a:lnRef idx="1">
+            <a:schemeClr val="accent1"/>
+          </a:lnRef>
+          <a:fillRef idx="0">
+            <a:schemeClr val="accent1"/>
+          </a:fillRef>
+          <a:effectRef idx="0">
+            <a:schemeClr val="accent1"/>
+          </a:effectRef>
+          <a:fontRef idx="minor">
+            <a:schemeClr val="tx1"/>
+          </a:fontRef>
+        </p:style>
+      </p:cxnSp>
+      <p:cxnSp>
+        <p:nvCxnSpPr>
           <p:cNvPr id="52" name="Straight Connector 51"/>
           <p:cNvCxnSpPr/>
           <p:nvPr/>
@@ -6802,7 +7237,7 @@
         </p:nvSpPr>
         <p:spPr>
           <a:xfrm>
-            <a:off x="4927600" y="3074256"/>
+            <a:off x="4927600" y="3670981"/>
             <a:ext cx="228600" cy="228600"/>
           </a:xfrm>
           <a:prstGeom prst="ellipse">
@@ -6842,7 +7277,7 @@
         </p:nvSpPr>
         <p:spPr>
           <a:xfrm>
-            <a:off x="3420533" y="3500619"/>
+            <a:off x="3429002" y="4280581"/>
             <a:ext cx="228600" cy="228600"/>
           </a:xfrm>
           <a:prstGeom prst="ellipse">
@@ -6968,8 +7403,8 @@
         </p:nvSpPr>
         <p:spPr>
           <a:xfrm flipH="1">
-            <a:off x="7267324" y="3369069"/>
-            <a:ext cx="228600" cy="1012986"/>
+            <a:off x="7259512" y="4015694"/>
+            <a:ext cx="228600" cy="357895"/>
           </a:xfrm>
           <a:prstGeom prst="rightBrace">
             <a:avLst/>
@@ -7007,7 +7442,7 @@
         <p:spPr>
           <a:xfrm>
             <a:off x="5329946" y="2721167"/>
-            <a:ext cx="228600" cy="467389"/>
+            <a:ext cx="228600" cy="1045064"/>
           </a:xfrm>
           <a:prstGeom prst="rightBrace">
             <a:avLst/>
@@ -7044,8 +7479,8 @@
         </p:nvSpPr>
         <p:spPr>
           <a:xfrm>
-            <a:off x="7159671" y="2759610"/>
-            <a:ext cx="915122" cy="307777"/>
+            <a:off x="6602852" y="2494971"/>
+            <a:ext cx="2028762" cy="523220"/>
           </a:xfrm>
           <a:prstGeom prst="rect">
             <a:avLst/>
@@ -7058,9 +7493,17 @@
           </a:bodyPr>
           <a:lstStyle/>
           <a:p>
+            <a:pPr algn="ctr"/>
             <a:r>
               <a:rPr lang="en-US" sz="1400" dirty="0"/>
-              <a:t>Total Gain</a:t>
+              <a:t>Total Gain of Treat-Group</a:t>
+            </a:r>
+            <a:br>
+              <a:rPr lang="en-US" sz="1400" dirty="0"/>
+            </a:br>
+            <a:r>
+              <a:rPr lang="en-US" sz="1400" dirty="0"/>
+              <a:t> T2-T1</a:t>
             </a:r>
           </a:p>
         </p:txBody>
@@ -7073,7 +7516,7 @@
         </p:nvSpPr>
         <p:spPr>
           <a:xfrm>
-            <a:off x="6496024" y="3661663"/>
+            <a:off x="6477000" y="3957935"/>
             <a:ext cx="771300" cy="461665"/>
           </a:xfrm>
           <a:prstGeom prst="rect">
@@ -7168,7 +7611,7 @@
         </p:nvSpPr>
         <p:spPr>
           <a:xfrm>
-            <a:off x="3210869" y="4116446"/>
+            <a:off x="3219335" y="3489232"/>
             <a:ext cx="647934" cy="276999"/>
           </a:xfrm>
           <a:prstGeom prst="rect">
@@ -7253,7 +7696,7 @@
         </p:nvSpPr>
         <p:spPr>
           <a:xfrm>
-            <a:off x="4871869" y="3048000"/>
+            <a:off x="4871869" y="3644725"/>
             <a:ext cx="344966" cy="276999"/>
           </a:xfrm>
           <a:prstGeom prst="rect">
@@ -7391,7 +7834,7 @@
         <p:spPr>
           <a:xfrm>
             <a:off x="2811968" y="1641845"/>
-            <a:ext cx="3098605" cy="369332"/>
+            <a:ext cx="3476144" cy="369332"/>
           </a:xfrm>
           <a:prstGeom prst="rect">
             <a:avLst/>
@@ -7406,7 +7849,7 @@
           <a:p>
             <a:r>
               <a:rPr lang="en-US" dirty="0"/>
-              <a:t>T2-C2 removes too much trend</a:t>
+              <a:t>T2-C2 does NOT fully remove trend</a:t>
             </a:r>
           </a:p>
         </p:txBody>
@@ -7512,7 +7955,7 @@
         </p:nvSpPr>
         <p:spPr>
           <a:xfrm>
-            <a:off x="5562600" y="2816361"/>
+            <a:off x="5554312" y="3075804"/>
             <a:ext cx="545342" cy="276999"/>
           </a:xfrm>
           <a:prstGeom prst="rect">
@@ -7536,7 +7979,7 @@
     </p:spTree>
     <p:extLst>
       <p:ext uri="{BB962C8B-B14F-4D97-AF65-F5344CB8AC3E}">
-        <p14:creationId xmlns:p14="http://schemas.microsoft.com/office/powerpoint/2010/main" val="1517303924"/>
+        <p14:creationId xmlns:p14="http://schemas.microsoft.com/office/powerpoint/2010/main" val="575321032"/>
       </p:ext>
     </p:extLst>
   </p:cSld>
@@ -7597,190 +8040,29 @@
               <a:rPr lang="en-US" sz="3600" dirty="0">
                 <a:latin typeface="Tahoma" pitchFamily="34" charset="0"/>
               </a:rPr>
-              <a:t>Competing Hypothesis #3</a:t>
-            </a:r>
-          </a:p>
-        </p:txBody>
-      </p:sp>
-      <p:sp>
-        <p:nvSpPr>
-          <p:cNvPr id="8" name="TextBox 4"/>
-          <p:cNvSpPr txBox="1">
-            <a:spLocks noChangeArrowheads="1"/>
-          </p:cNvSpPr>
-          <p:nvPr/>
-        </p:nvSpPr>
-        <p:spPr bwMode="auto">
-          <a:xfrm>
-            <a:off x="1676400" y="1219200"/>
-            <a:ext cx="7239000" cy="1508105"/>
-          </a:xfrm>
-          <a:prstGeom prst="rect">
-            <a:avLst/>
-          </a:prstGeom>
-          <a:noFill/>
-          <a:ln w="9525">
-            <a:noFill/>
-            <a:miter lim="800000"/>
-            <a:headEnd/>
-            <a:tailEnd/>
-          </a:ln>
-        </p:spPr>
-        <p:txBody>
-          <a:bodyPr>
-            <a:spAutoFit/>
-          </a:bodyPr>
-          <a:lstStyle/>
-          <a:p>
-            <a:pPr marL="914400" lvl="1" indent="-457200">
-              <a:spcBef>
-                <a:spcPts val="1200"/>
-              </a:spcBef>
-              <a:buAutoNum type="arabicPeriod"/>
-            </a:pPr>
-            <a:endParaRPr lang="en-US" b="1" dirty="0"/>
-          </a:p>
-          <a:p>
-            <a:pPr marL="914400" lvl="1" indent="-457200">
-              <a:spcBef>
-                <a:spcPts val="1200"/>
-              </a:spcBef>
-              <a:buAutoNum type="arabicPeriod"/>
-            </a:pPr>
-            <a:endParaRPr lang="en-US" dirty="0"/>
-          </a:p>
-          <a:p>
-            <a:pPr marL="914400" lvl="1" indent="-457200">
-              <a:spcBef>
-                <a:spcPts val="1200"/>
-              </a:spcBef>
-              <a:buAutoNum type="arabicPeriod"/>
-            </a:pPr>
-            <a:endParaRPr lang="en-US" b="1" dirty="0"/>
-          </a:p>
-          <a:p>
-            <a:pPr marL="914400" lvl="1" indent="-457200">
-              <a:buFont typeface="Tahoma" pitchFamily="34" charset="0"/>
-              <a:buAutoNum type="arabicPeriod"/>
-            </a:pPr>
-            <a:endParaRPr lang="en-US" dirty="0"/>
-          </a:p>
-        </p:txBody>
-      </p:sp>
-      <p:sp>
-        <p:nvSpPr>
-          <p:cNvPr id="9" name="Rectangle 8"/>
-          <p:cNvSpPr/>
-          <p:nvPr/>
-        </p:nvSpPr>
-        <p:spPr>
-          <a:xfrm>
-            <a:off x="1981200" y="1289751"/>
-            <a:ext cx="5181600" cy="2431435"/>
-          </a:xfrm>
-          <a:prstGeom prst="rect">
-            <a:avLst/>
-          </a:prstGeom>
-        </p:spPr>
-        <p:txBody>
-          <a:bodyPr wrap="square">
-            <a:spAutoFit/>
-          </a:bodyPr>
-          <a:lstStyle/>
-          <a:p>
-            <a:r>
-              <a:rPr lang="en-US" sz="2400" b="1" u="sng" dirty="0">
-                <a:latin typeface="Abadi" panose="020B0604020104020204" pitchFamily="34" charset="0"/>
-              </a:rPr>
-              <a:t>Maturation</a:t>
-            </a:r>
-            <a:endParaRPr lang="en-US" sz="2400" b="1" dirty="0">
-              <a:latin typeface="Abadi" panose="020B0604020104020204" pitchFamily="34" charset="0"/>
-            </a:endParaRPr>
-          </a:p>
-          <a:p>
-            <a:endParaRPr lang="en-US" sz="1600" dirty="0"/>
-          </a:p>
-          <a:p>
-            <a:r>
-              <a:rPr lang="en-US" sz="1600" dirty="0"/>
-              <a:t>Occurs when growth is expected naturally, such as increase in cognitive ability of children because of natural development independent of program effects.</a:t>
-            </a:r>
-          </a:p>
-          <a:p>
-            <a:endParaRPr lang="en-US" sz="1600" dirty="0"/>
-          </a:p>
-          <a:p>
-            <a:r>
-              <a:rPr lang="en-US" sz="1600" b="1" u="sng" dirty="0"/>
-              <a:t>The Fix:</a:t>
-            </a:r>
-            <a:endParaRPr lang="en-US" sz="1600" b="1" dirty="0"/>
-          </a:p>
-          <a:p>
-            <a:pPr lvl="0"/>
-            <a:endParaRPr lang="en-US" sz="1600" dirty="0"/>
-          </a:p>
-          <a:p>
-            <a:pPr lvl="0"/>
-            <a:r>
-              <a:rPr lang="en-US" sz="1600" dirty="0"/>
-              <a:t>Use a comparison group to remove the trend.</a:t>
-            </a:r>
-          </a:p>
-        </p:txBody>
-      </p:sp>
-      <p:sp>
-        <p:nvSpPr>
-          <p:cNvPr id="6" name="TextBox 5"/>
-          <p:cNvSpPr txBox="1"/>
-          <p:nvPr/>
-        </p:nvSpPr>
-        <p:spPr>
-          <a:xfrm>
-            <a:off x="6705600" y="4800600"/>
-            <a:ext cx="1387496" cy="646331"/>
-          </a:xfrm>
-          <a:prstGeom prst="rect">
-            <a:avLst/>
-          </a:prstGeom>
-          <a:noFill/>
-        </p:spPr>
-        <p:txBody>
-          <a:bodyPr wrap="none" rtlCol="0">
-            <a:spAutoFit/>
-          </a:bodyPr>
-          <a:lstStyle/>
-          <a:p>
-            <a:pPr algn="ctr"/>
-            <a:r>
-              <a:rPr lang="en-US" dirty="0"/>
-              <a:t>Pre-Post </a:t>
-            </a:r>
-            <a:br>
-              <a:rPr lang="en-US" dirty="0"/>
-            </a:br>
-            <a:r>
-              <a:rPr lang="en-US" dirty="0"/>
-              <a:t>With Control</a:t>
+              <a:t>Separating Trend from Effects</a:t>
             </a:r>
           </a:p>
         </p:txBody>
       </p:sp>
       <p:cxnSp>
         <p:nvCxnSpPr>
-          <p:cNvPr id="7" name="Straight Connector 6"/>
+          <p:cNvPr id="52" name="Straight Connector 51"/>
           <p:cNvCxnSpPr/>
           <p:nvPr/>
         </p:nvCxnSpPr>
         <p:spPr>
           <a:xfrm>
-            <a:off x="2667000" y="4461886"/>
-            <a:ext cx="0" cy="1752600"/>
+            <a:off x="2971800" y="2756581"/>
+            <a:ext cx="0" cy="2019300"/>
           </a:xfrm>
           <a:prstGeom prst="line">
             <a:avLst/>
           </a:prstGeom>
+          <a:ln>
+            <a:headEnd type="triangle"/>
+            <a:tailEnd type="none"/>
+          </a:ln>
         </p:spPr>
         <p:style>
           <a:lnRef idx="1">
@@ -7799,14 +8081,14 @@
       </p:cxnSp>
       <p:cxnSp>
         <p:nvCxnSpPr>
-          <p:cNvPr id="10" name="Straight Connector 9"/>
+          <p:cNvPr id="53" name="Straight Connector 52"/>
           <p:cNvCxnSpPr/>
           <p:nvPr/>
         </p:nvCxnSpPr>
         <p:spPr>
-          <a:xfrm>
-            <a:off x="2743200" y="6062086"/>
-            <a:ext cx="2438400" cy="0"/>
+          <a:xfrm flipH="1">
+            <a:off x="2971800" y="4775881"/>
+            <a:ext cx="2590800" cy="0"/>
           </a:xfrm>
           <a:prstGeom prst="line">
             <a:avLst/>
@@ -7827,16 +8109,76 @@
           </a:fontRef>
         </p:style>
       </p:cxnSp>
-      <p:sp>
-        <p:nvSpPr>
-          <p:cNvPr id="11" name="Oval 10"/>
+      <p:cxnSp>
+        <p:nvCxnSpPr>
+          <p:cNvPr id="54" name="Straight Connector 53"/>
+          <p:cNvCxnSpPr/>
+          <p:nvPr/>
+        </p:nvCxnSpPr>
+        <p:spPr>
+          <a:xfrm>
+            <a:off x="3581400" y="4699681"/>
+            <a:ext cx="0" cy="152400"/>
+          </a:xfrm>
+          <a:prstGeom prst="line">
+            <a:avLst/>
+          </a:prstGeom>
+        </p:spPr>
+        <p:style>
+          <a:lnRef idx="1">
+            <a:schemeClr val="accent1"/>
+          </a:lnRef>
+          <a:fillRef idx="0">
+            <a:schemeClr val="accent1"/>
+          </a:fillRef>
+          <a:effectRef idx="0">
+            <a:schemeClr val="accent1"/>
+          </a:effectRef>
+          <a:fontRef idx="minor">
+            <a:schemeClr val="tx1"/>
+          </a:fontRef>
+        </p:style>
+      </p:cxnSp>
+      <p:cxnSp>
+        <p:nvCxnSpPr>
+          <p:cNvPr id="55" name="Straight Connector 54"/>
+          <p:cNvCxnSpPr/>
+          <p:nvPr/>
+        </p:nvCxnSpPr>
+        <p:spPr>
+          <a:xfrm>
+            <a:off x="5029200" y="4716614"/>
+            <a:ext cx="0" cy="152400"/>
+          </a:xfrm>
+          <a:prstGeom prst="line">
+            <a:avLst/>
+          </a:prstGeom>
+        </p:spPr>
+        <p:style>
+          <a:lnRef idx="1">
+            <a:schemeClr val="accent1"/>
+          </a:lnRef>
+          <a:fillRef idx="0">
+            <a:schemeClr val="accent1"/>
+          </a:fillRef>
+          <a:effectRef idx="0">
+            <a:schemeClr val="accent1"/>
+          </a:effectRef>
+          <a:fontRef idx="minor">
+            <a:schemeClr val="tx1"/>
+          </a:fontRef>
+        </p:style>
+      </p:cxnSp>
+      <p:sp>
+        <p:nvSpPr>
+          <p:cNvPr id="56" name="Oval 55"/>
           <p:cNvSpPr/>
           <p:nvPr/>
         </p:nvSpPr>
         <p:spPr>
           <a:xfrm>
-            <a:off x="3429000" y="5528686"/>
-            <a:ext cx="152400" cy="152400"/>
+            <a:off x="4927600" y="3074256"/>
+            <a:ext cx="228600" cy="228600"/>
           </a:xfrm>
           <a:prstGeom prst="ellipse">
             <a:avLst/>
@@ -7863,20 +8205,20 @@
           <a:lstStyle/>
           <a:p>
             <a:pPr algn="ctr"/>
-            <a:endParaRPr lang="en-US"/>
-          </a:p>
-        </p:txBody>
-      </p:sp>
-      <p:sp>
-        <p:nvSpPr>
-          <p:cNvPr id="12" name="Oval 11"/>
+            <a:endParaRPr lang="en-US" dirty="0"/>
+          </a:p>
+        </p:txBody>
+      </p:sp>
+      <p:sp>
+        <p:nvSpPr>
+          <p:cNvPr id="57" name="Oval 56"/>
           <p:cNvSpPr/>
           <p:nvPr/>
         </p:nvSpPr>
         <p:spPr>
           <a:xfrm>
-            <a:off x="4495800" y="5261986"/>
-            <a:ext cx="152400" cy="152400"/>
+            <a:off x="3420533" y="3500619"/>
+            <a:ext cx="228600" cy="228600"/>
           </a:xfrm>
           <a:prstGeom prst="ellipse">
             <a:avLst/>
@@ -7909,14 +8251,14 @@
       </p:sp>
       <p:sp>
         <p:nvSpPr>
-          <p:cNvPr id="13" name="Oval 12"/>
+          <p:cNvPr id="58" name="Oval 57"/>
           <p:cNvSpPr/>
           <p:nvPr/>
         </p:nvSpPr>
         <p:spPr>
           <a:xfrm>
-            <a:off x="3429000" y="5109586"/>
-            <a:ext cx="152400" cy="152400"/>
+            <a:off x="3420536" y="3847293"/>
+            <a:ext cx="228600" cy="228600"/>
           </a:xfrm>
           <a:prstGeom prst="ellipse">
             <a:avLst/>
@@ -7924,13 +8266,6 @@
           <a:solidFill>
             <a:srgbClr val="FF0000"/>
           </a:solidFill>
-          <a:ln>
-            <a:solidFill>
-              <a:schemeClr val="bg1">
-                <a:lumMod val="50000"/>
-              </a:schemeClr>
-            </a:solidFill>
-          </a:ln>
         </p:spPr>
         <p:style>
           <a:lnRef idx="2">
@@ -7959,14 +8294,14 @@
       </p:sp>
       <p:sp>
         <p:nvSpPr>
-          <p:cNvPr id="14" name="Oval 13"/>
+          <p:cNvPr id="59" name="Oval 58"/>
           <p:cNvSpPr/>
           <p:nvPr/>
         </p:nvSpPr>
         <p:spPr>
           <a:xfrm>
-            <a:off x="4495800" y="4538086"/>
-            <a:ext cx="152400" cy="152400"/>
+            <a:off x="4914900" y="2555214"/>
+            <a:ext cx="228600" cy="228600"/>
           </a:xfrm>
           <a:prstGeom prst="ellipse">
             <a:avLst/>
@@ -7974,13 +8309,6 @@
           <a:solidFill>
             <a:srgbClr val="FF0000"/>
           </a:solidFill>
-          <a:ln>
-            <a:solidFill>
-              <a:schemeClr val="bg1">
-                <a:lumMod val="50000"/>
-              </a:schemeClr>
-            </a:solidFill>
-          </a:ln>
         </p:spPr>
         <p:style>
           <a:lnRef idx="2">
@@ -8007,20 +8335,474 @@
           </a:p>
         </p:txBody>
       </p:sp>
+      <p:sp>
+        <p:nvSpPr>
+          <p:cNvPr id="60" name="Right Brace 59"/>
+          <p:cNvSpPr/>
+          <p:nvPr/>
+        </p:nvSpPr>
+        <p:spPr>
+          <a:xfrm flipH="1">
+            <a:off x="7267324" y="3369069"/>
+            <a:ext cx="228600" cy="1012986"/>
+          </a:xfrm>
+          <a:prstGeom prst="rightBrace">
+            <a:avLst/>
+          </a:prstGeom>
+        </p:spPr>
+        <p:style>
+          <a:lnRef idx="1">
+            <a:schemeClr val="accent1"/>
+          </a:lnRef>
+          <a:fillRef idx="0">
+            <a:schemeClr val="accent1"/>
+          </a:fillRef>
+          <a:effectRef idx="0">
+            <a:schemeClr val="accent1"/>
+          </a:effectRef>
+          <a:fontRef idx="minor">
+            <a:schemeClr val="tx1"/>
+          </a:fontRef>
+        </p:style>
+        <p:txBody>
+          <a:bodyPr rtlCol="0" anchor="ctr"/>
+          <a:lstStyle/>
+          <a:p>
+            <a:pPr algn="ctr"/>
+            <a:endParaRPr lang="en-US"/>
+          </a:p>
+        </p:txBody>
+      </p:sp>
+      <p:sp>
+        <p:nvSpPr>
+          <p:cNvPr id="61" name="Right Brace 60"/>
+          <p:cNvSpPr/>
+          <p:nvPr/>
+        </p:nvSpPr>
+        <p:spPr>
+          <a:xfrm>
+            <a:off x="5329946" y="2721167"/>
+            <a:ext cx="228600" cy="467389"/>
+          </a:xfrm>
+          <a:prstGeom prst="rightBrace">
+            <a:avLst/>
+          </a:prstGeom>
+        </p:spPr>
+        <p:style>
+          <a:lnRef idx="1">
+            <a:schemeClr val="accent1"/>
+          </a:lnRef>
+          <a:fillRef idx="0">
+            <a:schemeClr val="accent1"/>
+          </a:fillRef>
+          <a:effectRef idx="0">
+            <a:schemeClr val="accent1"/>
+          </a:effectRef>
+          <a:fontRef idx="minor">
+            <a:schemeClr val="tx1"/>
+          </a:fontRef>
+        </p:style>
+        <p:txBody>
+          <a:bodyPr rtlCol="0" anchor="ctr"/>
+          <a:lstStyle/>
+          <a:p>
+            <a:pPr algn="ctr"/>
+            <a:endParaRPr lang="en-US"/>
+          </a:p>
+        </p:txBody>
+      </p:sp>
+      <p:sp>
+        <p:nvSpPr>
+          <p:cNvPr id="62" name="TextBox 61"/>
+          <p:cNvSpPr txBox="1"/>
+          <p:nvPr/>
+        </p:nvSpPr>
+        <p:spPr>
+          <a:xfrm>
+            <a:off x="7159671" y="2759610"/>
+            <a:ext cx="915122" cy="307777"/>
+          </a:xfrm>
+          <a:prstGeom prst="rect">
+            <a:avLst/>
+          </a:prstGeom>
+          <a:noFill/>
+        </p:spPr>
+        <p:txBody>
+          <a:bodyPr wrap="none" rtlCol="0">
+            <a:spAutoFit/>
+          </a:bodyPr>
+          <a:lstStyle/>
+          <a:p>
+            <a:r>
+              <a:rPr lang="en-US" sz="1400" dirty="0"/>
+              <a:t>Total Gain</a:t>
+            </a:r>
+          </a:p>
+        </p:txBody>
+      </p:sp>
+      <p:sp>
+        <p:nvSpPr>
+          <p:cNvPr id="63" name="TextBox 62"/>
+          <p:cNvSpPr txBox="1"/>
+          <p:nvPr/>
+        </p:nvSpPr>
+        <p:spPr>
+          <a:xfrm>
+            <a:off x="6496024" y="3661663"/>
+            <a:ext cx="771300" cy="461665"/>
+          </a:xfrm>
+          <a:prstGeom prst="rect">
+            <a:avLst/>
+          </a:prstGeom>
+          <a:noFill/>
+        </p:spPr>
+        <p:txBody>
+          <a:bodyPr wrap="none" rtlCol="0">
+            <a:spAutoFit/>
+          </a:bodyPr>
+          <a:lstStyle/>
+          <a:p>
+            <a:pPr algn="ctr"/>
+            <a:r>
+              <a:rPr lang="en-US" sz="1200" dirty="0"/>
+              <a:t>Removed</a:t>
+            </a:r>
+            <a:br>
+              <a:rPr lang="en-US" sz="1200" dirty="0"/>
+            </a:br>
+            <a:r>
+              <a:rPr lang="en-US" sz="1200" dirty="0"/>
+              <a:t>By T2-C2</a:t>
+            </a:r>
+          </a:p>
+        </p:txBody>
+      </p:sp>
+      <p:sp>
+        <p:nvSpPr>
+          <p:cNvPr id="64" name="TextBox 63"/>
+          <p:cNvSpPr txBox="1"/>
+          <p:nvPr/>
+        </p:nvSpPr>
+        <p:spPr>
+          <a:xfrm>
+            <a:off x="3276600" y="4890181"/>
+            <a:ext cx="651140" cy="276999"/>
+          </a:xfrm>
+          <a:prstGeom prst="rect">
+            <a:avLst/>
+          </a:prstGeom>
+          <a:noFill/>
+        </p:spPr>
+        <p:txBody>
+          <a:bodyPr wrap="none" rtlCol="0">
+            <a:spAutoFit/>
+          </a:bodyPr>
+          <a:lstStyle/>
+          <a:p>
+            <a:r>
+              <a:rPr lang="en-US" sz="1200" dirty="0"/>
+              <a:t>Time=1</a:t>
+            </a:r>
+          </a:p>
+        </p:txBody>
+      </p:sp>
+      <p:sp>
+        <p:nvSpPr>
+          <p:cNvPr id="65" name="TextBox 64"/>
+          <p:cNvSpPr txBox="1"/>
+          <p:nvPr/>
+        </p:nvSpPr>
+        <p:spPr>
+          <a:xfrm>
+            <a:off x="4682860" y="4890181"/>
+            <a:ext cx="651140" cy="276999"/>
+          </a:xfrm>
+          <a:prstGeom prst="rect">
+            <a:avLst/>
+          </a:prstGeom>
+          <a:noFill/>
+        </p:spPr>
+        <p:txBody>
+          <a:bodyPr wrap="none" rtlCol="0">
+            <a:spAutoFit/>
+          </a:bodyPr>
+          <a:lstStyle/>
+          <a:p>
+            <a:r>
+              <a:rPr lang="en-US" sz="1200" dirty="0"/>
+              <a:t>Time=2</a:t>
+            </a:r>
+          </a:p>
+        </p:txBody>
+      </p:sp>
+      <p:sp>
+        <p:nvSpPr>
+          <p:cNvPr id="66" name="TextBox 65"/>
+          <p:cNvSpPr txBox="1"/>
+          <p:nvPr/>
+        </p:nvSpPr>
+        <p:spPr>
+          <a:xfrm>
+            <a:off x="3210869" y="4116446"/>
+            <a:ext cx="647934" cy="276999"/>
+          </a:xfrm>
+          <a:prstGeom prst="rect">
+            <a:avLst/>
+          </a:prstGeom>
+          <a:noFill/>
+        </p:spPr>
+        <p:txBody>
+          <a:bodyPr wrap="none" rtlCol="0">
+            <a:spAutoFit/>
+          </a:bodyPr>
+          <a:lstStyle/>
+          <a:p>
+            <a:r>
+              <a:rPr lang="en-US" sz="1200" b="1" dirty="0">
+                <a:solidFill>
+                  <a:schemeClr val="tx2">
+                    <a:lumMod val="60000"/>
+                    <a:lumOff val="40000"/>
+                  </a:schemeClr>
+                </a:solidFill>
+              </a:rPr>
+              <a:t>C1 ≠</a:t>
+            </a:r>
+            <a:r>
+              <a:rPr lang="en-US" sz="1200" b="1" dirty="0">
+                <a:solidFill>
+                  <a:schemeClr val="tx2"/>
+                </a:solidFill>
+              </a:rPr>
+              <a:t> </a:t>
+            </a:r>
+            <a:r>
+              <a:rPr lang="en-US" sz="1200" b="1" dirty="0">
+                <a:solidFill>
+                  <a:srgbClr val="FF0000"/>
+                </a:solidFill>
+              </a:rPr>
+              <a:t>T1</a:t>
+            </a:r>
+          </a:p>
+        </p:txBody>
+      </p:sp>
+      <p:sp>
+        <p:nvSpPr>
+          <p:cNvPr id="67" name="TextBox 66"/>
+          <p:cNvSpPr txBox="1"/>
+          <p:nvPr/>
+        </p:nvSpPr>
+        <p:spPr>
+          <a:xfrm>
+            <a:off x="4858376" y="2527981"/>
+            <a:ext cx="340158" cy="276999"/>
+          </a:xfrm>
+          <a:prstGeom prst="rect">
+            <a:avLst/>
+          </a:prstGeom>
+          <a:noFill/>
+        </p:spPr>
+        <p:txBody>
+          <a:bodyPr wrap="none" rtlCol="0">
+            <a:spAutoFit/>
+          </a:bodyPr>
+          <a:lstStyle/>
+          <a:p>
+            <a:r>
+              <a:rPr lang="en-US" sz="1200" b="1" dirty="0">
+                <a:solidFill>
+                  <a:schemeClr val="bg1"/>
+                </a:solidFill>
+              </a:rPr>
+              <a:t>T2</a:t>
+            </a:r>
+          </a:p>
+        </p:txBody>
+      </p:sp>
+      <p:sp>
+        <p:nvSpPr>
+          <p:cNvPr id="68" name="TextBox 67"/>
+          <p:cNvSpPr txBox="1"/>
+          <p:nvPr/>
+        </p:nvSpPr>
+        <p:spPr>
+          <a:xfrm>
+            <a:off x="4871869" y="3048000"/>
+            <a:ext cx="344966" cy="276999"/>
+          </a:xfrm>
+          <a:prstGeom prst="rect">
+            <a:avLst/>
+          </a:prstGeom>
+          <a:noFill/>
+        </p:spPr>
+        <p:txBody>
+          <a:bodyPr wrap="none" rtlCol="0">
+            <a:spAutoFit/>
+          </a:bodyPr>
+          <a:lstStyle/>
+          <a:p>
+            <a:r>
+              <a:rPr lang="en-US" sz="1200" b="1" dirty="0">
+                <a:solidFill>
+                  <a:schemeClr val="bg1"/>
+                </a:solidFill>
+              </a:rPr>
+              <a:t>C2</a:t>
+            </a:r>
+          </a:p>
+        </p:txBody>
+      </p:sp>
+      <p:sp>
+        <p:nvSpPr>
+          <p:cNvPr id="69" name="TextBox 68"/>
+          <p:cNvSpPr txBox="1"/>
+          <p:nvPr/>
+        </p:nvSpPr>
+        <p:spPr>
+          <a:xfrm>
+            <a:off x="2590800" y="2465739"/>
+            <a:ext cx="857479" cy="307777"/>
+          </a:xfrm>
+          <a:prstGeom prst="rect">
+            <a:avLst/>
+          </a:prstGeom>
+          <a:noFill/>
+        </p:spPr>
+        <p:txBody>
+          <a:bodyPr wrap="none" rtlCol="0">
+            <a:spAutoFit/>
+          </a:bodyPr>
+          <a:lstStyle/>
+          <a:p>
+            <a:r>
+              <a:rPr lang="en-US" sz="1400" dirty="0"/>
+              <a:t>Outcome</a:t>
+            </a:r>
+          </a:p>
+        </p:txBody>
+      </p:sp>
+      <p:sp>
+        <p:nvSpPr>
+          <p:cNvPr id="70" name="Right Brace 69"/>
+          <p:cNvSpPr/>
+          <p:nvPr/>
+        </p:nvSpPr>
+        <p:spPr>
+          <a:xfrm>
+            <a:off x="7701899" y="3763308"/>
+            <a:ext cx="228600" cy="609600"/>
+          </a:xfrm>
+          <a:prstGeom prst="rightBrace">
+            <a:avLst/>
+          </a:prstGeom>
+        </p:spPr>
+        <p:style>
+          <a:lnRef idx="1">
+            <a:schemeClr val="accent1"/>
+          </a:lnRef>
+          <a:fillRef idx="0">
+            <a:schemeClr val="accent1"/>
+          </a:fillRef>
+          <a:effectRef idx="0">
+            <a:schemeClr val="accent1"/>
+          </a:effectRef>
+          <a:fontRef idx="minor">
+            <a:schemeClr val="tx1"/>
+          </a:fontRef>
+        </p:style>
+        <p:txBody>
+          <a:bodyPr rtlCol="0" anchor="ctr"/>
+          <a:lstStyle/>
+          <a:p>
+            <a:pPr algn="ctr"/>
+            <a:endParaRPr lang="en-US"/>
+          </a:p>
+        </p:txBody>
+      </p:sp>
+      <p:sp>
+        <p:nvSpPr>
+          <p:cNvPr id="71" name="TextBox 70"/>
+          <p:cNvSpPr txBox="1"/>
+          <p:nvPr/>
+        </p:nvSpPr>
+        <p:spPr>
+          <a:xfrm>
+            <a:off x="7943560" y="3810682"/>
+            <a:ext cx="615874" cy="461665"/>
+          </a:xfrm>
+          <a:prstGeom prst="rect">
+            <a:avLst/>
+          </a:prstGeom>
+          <a:noFill/>
+        </p:spPr>
+        <p:txBody>
+          <a:bodyPr wrap="none" rtlCol="0">
+            <a:spAutoFit/>
+          </a:bodyPr>
+          <a:lstStyle/>
+          <a:p>
+            <a:pPr algn="ctr"/>
+            <a:r>
+              <a:rPr lang="en-US" sz="1200" dirty="0"/>
+              <a:t>Actual </a:t>
+            </a:r>
+            <a:br>
+              <a:rPr lang="en-US" sz="1200" dirty="0"/>
+            </a:br>
+            <a:r>
+              <a:rPr lang="en-US" sz="1200" dirty="0"/>
+              <a:t>Trend</a:t>
+            </a:r>
+          </a:p>
+        </p:txBody>
+      </p:sp>
+      <p:sp>
+        <p:nvSpPr>
+          <p:cNvPr id="72" name="TextBox 71"/>
+          <p:cNvSpPr txBox="1"/>
+          <p:nvPr/>
+        </p:nvSpPr>
+        <p:spPr>
+          <a:xfrm>
+            <a:off x="2811968" y="1641845"/>
+            <a:ext cx="3098605" cy="369332"/>
+          </a:xfrm>
+          <a:prstGeom prst="rect">
+            <a:avLst/>
+          </a:prstGeom>
+          <a:noFill/>
+        </p:spPr>
+        <p:txBody>
+          <a:bodyPr wrap="none" rtlCol="0">
+            <a:spAutoFit/>
+          </a:bodyPr>
+          <a:lstStyle/>
+          <a:p>
+            <a:r>
+              <a:rPr lang="en-US" dirty="0"/>
+              <a:t>T2-C2 removes too much trend</a:t>
+            </a:r>
+          </a:p>
+        </p:txBody>
+      </p:sp>
       <p:cxnSp>
         <p:nvCxnSpPr>
-          <p:cNvPr id="15" name="Straight Connector 14"/>
+          <p:cNvPr id="73" name="Straight Connector 72"/>
           <p:cNvCxnSpPr/>
           <p:nvPr/>
         </p:nvCxnSpPr>
         <p:spPr>
           <a:xfrm>
-            <a:off x="3505200" y="5985886"/>
-            <a:ext cx="0" cy="152400"/>
+            <a:off x="3716687" y="3964914"/>
+            <a:ext cx="1689459" cy="0"/>
           </a:xfrm>
           <a:prstGeom prst="line">
             <a:avLst/>
           </a:prstGeom>
+          <a:ln>
+            <a:prstDash val="dash"/>
+          </a:ln>
         </p:spPr>
         <p:style>
           <a:lnRef idx="1">
@@ -8039,14 +8821,14 @@
       </p:cxnSp>
       <p:sp>
         <p:nvSpPr>
-          <p:cNvPr id="16" name="TextBox 15"/>
+          <p:cNvPr id="2" name="TextBox 1"/>
           <p:cNvSpPr txBox="1"/>
           <p:nvPr/>
         </p:nvSpPr>
         <p:spPr>
           <a:xfrm>
-            <a:off x="3286952" y="6196730"/>
-            <a:ext cx="453970" cy="307777"/>
+            <a:off x="2284668" y="5708134"/>
+            <a:ext cx="5464445" cy="307777"/>
           </a:xfrm>
           <a:prstGeom prst="rect">
             <a:avLst/>
@@ -8061,25 +8843,26 @@
           <a:p>
             <a:r>
               <a:rPr lang="en-US" sz="1400" dirty="0"/>
-              <a:t>T=1</a:t>
+              <a:t>NOTE, diff-in-diff separates trends even when groups are not equivalent.</a:t>
             </a:r>
           </a:p>
         </p:txBody>
       </p:sp>
       <p:cxnSp>
         <p:nvCxnSpPr>
-          <p:cNvPr id="17" name="Straight Connector 16"/>
+          <p:cNvPr id="4" name="Straight Connector 3"/>
           <p:cNvCxnSpPr/>
           <p:nvPr/>
         </p:nvCxnSpPr>
         <p:spPr>
           <a:xfrm>
-            <a:off x="4597160" y="5985886"/>
-            <a:ext cx="0" cy="152400"/>
+            <a:off x="7617232" y="3078031"/>
+            <a:ext cx="0" cy="1302377"/>
           </a:xfrm>
           <a:prstGeom prst="line">
             <a:avLst/>
           </a:prstGeom>
+          <a:ln w="25400"/>
         </p:spPr>
         <p:style>
           <a:lnRef idx="1">
@@ -8098,377 +8881,29 @@
       </p:cxnSp>
       <p:sp>
         <p:nvSpPr>
-          <p:cNvPr id="18" name="TextBox 17"/>
-          <p:cNvSpPr txBox="1"/>
-          <p:nvPr/>
-        </p:nvSpPr>
-        <p:spPr>
-          <a:xfrm>
-            <a:off x="4378912" y="6196730"/>
-            <a:ext cx="453970" cy="307777"/>
+          <p:cNvPr id="6" name="Rectangle 5"/>
+          <p:cNvSpPr/>
+          <p:nvPr/>
+        </p:nvSpPr>
+        <p:spPr>
+          <a:xfrm>
+            <a:off x="5562600" y="2816361"/>
+            <a:ext cx="545342" cy="276999"/>
           </a:xfrm>
           <a:prstGeom prst="rect">
             <a:avLst/>
           </a:prstGeom>
-          <a:noFill/>
-        </p:spPr>
-        <p:txBody>
-          <a:bodyPr wrap="none" rtlCol="0">
+        </p:spPr>
+        <p:txBody>
+          <a:bodyPr wrap="none">
             <a:spAutoFit/>
           </a:bodyPr>
           <a:lstStyle/>
           <a:p>
-            <a:r>
-              <a:rPr lang="en-US" sz="1400" dirty="0"/>
-              <a:t>T=2</a:t>
-            </a:r>
-          </a:p>
-        </p:txBody>
-      </p:sp>
-      <p:cxnSp>
-        <p:nvCxnSpPr>
-          <p:cNvPr id="19" name="Straight Arrow Connector 18"/>
-          <p:cNvCxnSpPr/>
-          <p:nvPr/>
-        </p:nvCxnSpPr>
-        <p:spPr>
-          <a:xfrm flipV="1">
-            <a:off x="4038600" y="5948156"/>
-            <a:ext cx="0" cy="457200"/>
-          </a:xfrm>
-          <a:prstGeom prst="straightConnector1">
-            <a:avLst/>
-          </a:prstGeom>
-          <a:ln w="25400">
-            <a:solidFill>
-              <a:srgbClr val="FF0000"/>
-            </a:solidFill>
-            <a:tailEnd type="arrow"/>
-          </a:ln>
-        </p:spPr>
-        <p:style>
-          <a:lnRef idx="1">
-            <a:schemeClr val="accent1"/>
-          </a:lnRef>
-          <a:fillRef idx="0">
-            <a:schemeClr val="accent1"/>
-          </a:fillRef>
-          <a:effectRef idx="0">
-            <a:schemeClr val="accent1"/>
-          </a:effectRef>
-          <a:fontRef idx="minor">
-            <a:schemeClr val="tx1"/>
-          </a:fontRef>
-        </p:style>
-      </p:cxnSp>
-      <p:sp>
-        <p:nvSpPr>
-          <p:cNvPr id="20" name="TextBox 19"/>
-          <p:cNvSpPr txBox="1"/>
-          <p:nvPr/>
-        </p:nvSpPr>
-        <p:spPr>
-          <a:xfrm>
-            <a:off x="3674782" y="6428601"/>
-            <a:ext cx="727635" cy="276999"/>
-          </a:xfrm>
-          <a:prstGeom prst="rect">
-            <a:avLst/>
-          </a:prstGeom>
-          <a:noFill/>
-        </p:spPr>
-        <p:txBody>
-          <a:bodyPr wrap="none" rtlCol="0">
-            <a:spAutoFit/>
-          </a:bodyPr>
-          <a:lstStyle/>
-          <a:p>
-            <a:r>
-              <a:rPr lang="en-US" sz="1200" b="1" dirty="0">
-                <a:solidFill>
-                  <a:srgbClr val="FF0000"/>
-                </a:solidFill>
-              </a:rPr>
-              <a:t>Program</a:t>
-            </a:r>
-          </a:p>
-        </p:txBody>
-      </p:sp>
-      <p:cxnSp>
-        <p:nvCxnSpPr>
-          <p:cNvPr id="21" name="Straight Connector 20"/>
-          <p:cNvCxnSpPr/>
-          <p:nvPr/>
-        </p:nvCxnSpPr>
-        <p:spPr>
-          <a:xfrm>
-            <a:off x="3621514" y="5185786"/>
-            <a:ext cx="1049618" cy="0"/>
-          </a:xfrm>
-          <a:prstGeom prst="line">
-            <a:avLst/>
-          </a:prstGeom>
-          <a:ln>
-            <a:solidFill>
-              <a:schemeClr val="tx1">
-                <a:lumMod val="50000"/>
-                <a:lumOff val="50000"/>
-              </a:schemeClr>
-            </a:solidFill>
-            <a:prstDash val="sysDash"/>
-          </a:ln>
-        </p:spPr>
-        <p:style>
-          <a:lnRef idx="1">
-            <a:schemeClr val="accent1"/>
-          </a:lnRef>
-          <a:fillRef idx="0">
-            <a:schemeClr val="accent1"/>
-          </a:fillRef>
-          <a:effectRef idx="0">
-            <a:schemeClr val="accent1"/>
-          </a:effectRef>
-          <a:fontRef idx="minor">
-            <a:schemeClr val="tx1"/>
-          </a:fontRef>
-        </p:style>
-      </p:cxnSp>
-      <p:sp>
-        <p:nvSpPr>
-          <p:cNvPr id="22" name="Right Brace 21"/>
-          <p:cNvSpPr/>
-          <p:nvPr/>
-        </p:nvSpPr>
-        <p:spPr>
-          <a:xfrm>
-            <a:off x="4724400" y="4601706"/>
-            <a:ext cx="228600" cy="571500"/>
-          </a:xfrm>
-          <a:prstGeom prst="rightBrace">
-            <a:avLst/>
-          </a:prstGeom>
-          <a:ln w="25400">
-            <a:solidFill>
-              <a:srgbClr val="00B0F0"/>
-            </a:solidFill>
-          </a:ln>
-        </p:spPr>
-        <p:style>
-          <a:lnRef idx="1">
-            <a:schemeClr val="accent1"/>
-          </a:lnRef>
-          <a:fillRef idx="0">
-            <a:schemeClr val="accent1"/>
-          </a:fillRef>
-          <a:effectRef idx="0">
-            <a:schemeClr val="accent1"/>
-          </a:effectRef>
-          <a:fontRef idx="minor">
-            <a:schemeClr val="tx1"/>
-          </a:fontRef>
-        </p:style>
-        <p:txBody>
-          <a:bodyPr rtlCol="0" anchor="ctr"/>
-          <a:lstStyle/>
-          <a:p>
             <a:pPr algn="ctr"/>
-            <a:endParaRPr lang="en-US"/>
-          </a:p>
-        </p:txBody>
-      </p:sp>
-      <p:sp>
-        <p:nvSpPr>
-          <p:cNvPr id="23" name="TextBox 22"/>
-          <p:cNvSpPr txBox="1"/>
-          <p:nvPr/>
-        </p:nvSpPr>
-        <p:spPr>
-          <a:xfrm>
-            <a:off x="4907465" y="4757834"/>
-            <a:ext cx="277640" cy="276999"/>
-          </a:xfrm>
-          <a:prstGeom prst="rect">
-            <a:avLst/>
-          </a:prstGeom>
-          <a:noFill/>
-        </p:spPr>
-        <p:txBody>
-          <a:bodyPr wrap="none" rtlCol="0">
-            <a:spAutoFit/>
-          </a:bodyPr>
-          <a:lstStyle/>
-          <a:p>
-            <a:r>
-              <a:rPr lang="en-US" sz="1200" b="1" dirty="0">
-                <a:solidFill>
-                  <a:srgbClr val="00B0F0"/>
-                </a:solidFill>
-              </a:rPr>
-              <a:t>A</a:t>
-            </a:r>
-          </a:p>
-        </p:txBody>
-      </p:sp>
-      <p:cxnSp>
-        <p:nvCxnSpPr>
-          <p:cNvPr id="24" name="Straight Connector 23"/>
-          <p:cNvCxnSpPr/>
-          <p:nvPr/>
-        </p:nvCxnSpPr>
-        <p:spPr>
-          <a:xfrm>
-            <a:off x="3622019" y="5604886"/>
-            <a:ext cx="1049618" cy="0"/>
-          </a:xfrm>
-          <a:prstGeom prst="line">
-            <a:avLst/>
-          </a:prstGeom>
-          <a:ln>
-            <a:solidFill>
-              <a:schemeClr val="tx1">
-                <a:lumMod val="50000"/>
-                <a:lumOff val="50000"/>
-              </a:schemeClr>
-            </a:solidFill>
-            <a:prstDash val="sysDash"/>
-          </a:ln>
-        </p:spPr>
-        <p:style>
-          <a:lnRef idx="1">
-            <a:schemeClr val="accent1"/>
-          </a:lnRef>
-          <a:fillRef idx="0">
-            <a:schemeClr val="accent1"/>
-          </a:fillRef>
-          <a:effectRef idx="0">
-            <a:schemeClr val="accent1"/>
-          </a:effectRef>
-          <a:fontRef idx="minor">
-            <a:schemeClr val="tx1"/>
-          </a:fontRef>
-        </p:style>
-      </p:cxnSp>
-      <p:sp>
-        <p:nvSpPr>
-          <p:cNvPr id="25" name="Right Brace 24"/>
-          <p:cNvSpPr/>
-          <p:nvPr/>
-        </p:nvSpPr>
-        <p:spPr>
-          <a:xfrm>
-            <a:off x="4750965" y="5297127"/>
-            <a:ext cx="228600" cy="307759"/>
-          </a:xfrm>
-          <a:prstGeom prst="rightBrace">
-            <a:avLst/>
-          </a:prstGeom>
-          <a:ln w="25400">
-            <a:solidFill>
-              <a:srgbClr val="00B0F0"/>
-            </a:solidFill>
-          </a:ln>
-        </p:spPr>
-        <p:style>
-          <a:lnRef idx="1">
-            <a:schemeClr val="accent1"/>
-          </a:lnRef>
-          <a:fillRef idx="0">
-            <a:schemeClr val="accent1"/>
-          </a:fillRef>
-          <a:effectRef idx="0">
-            <a:schemeClr val="accent1"/>
-          </a:effectRef>
-          <a:fontRef idx="minor">
-            <a:schemeClr val="tx1"/>
-          </a:fontRef>
-        </p:style>
-        <p:txBody>
-          <a:bodyPr rtlCol="0" anchor="ctr"/>
-          <a:lstStyle/>
-          <a:p>
-            <a:pPr algn="ctr"/>
-            <a:endParaRPr lang="en-US"/>
-          </a:p>
-        </p:txBody>
-      </p:sp>
-      <p:sp>
-        <p:nvSpPr>
-          <p:cNvPr id="26" name="TextBox 25"/>
-          <p:cNvSpPr txBox="1"/>
-          <p:nvPr/>
-        </p:nvSpPr>
-        <p:spPr>
-          <a:xfrm>
-            <a:off x="4917419" y="5310131"/>
-            <a:ext cx="271228" cy="276999"/>
-          </a:xfrm>
-          <a:prstGeom prst="rect">
-            <a:avLst/>
-          </a:prstGeom>
-          <a:noFill/>
-        </p:spPr>
-        <p:txBody>
-          <a:bodyPr wrap="none" rtlCol="0">
-            <a:spAutoFit/>
-          </a:bodyPr>
-          <a:lstStyle/>
-          <a:p>
-            <a:r>
-              <a:rPr lang="en-US" sz="1200" b="1" dirty="0">
-                <a:solidFill>
-                  <a:srgbClr val="00B0F0"/>
-                </a:solidFill>
-              </a:rPr>
-              <a:t>B</a:t>
-            </a:r>
-          </a:p>
-        </p:txBody>
-      </p:sp>
-      <p:sp>
-        <p:nvSpPr>
-          <p:cNvPr id="27" name="TextBox 26"/>
-          <p:cNvSpPr txBox="1"/>
-          <p:nvPr/>
-        </p:nvSpPr>
-        <p:spPr>
-          <a:xfrm>
-            <a:off x="7010400" y="5715000"/>
-            <a:ext cx="654410" cy="523220"/>
-          </a:xfrm>
-          <a:prstGeom prst="rect">
-            <a:avLst/>
-          </a:prstGeom>
-          <a:noFill/>
-        </p:spPr>
-        <p:txBody>
-          <a:bodyPr wrap="none" rtlCol="0">
-            <a:spAutoFit/>
-          </a:bodyPr>
-          <a:lstStyle/>
-          <a:p>
-            <a:pPr algn="ctr"/>
-            <a:r>
-              <a:rPr lang="en-US" sz="1400" b="1" dirty="0">
-                <a:solidFill>
-                  <a:srgbClr val="00B0F0"/>
-                </a:solidFill>
-              </a:rPr>
-              <a:t>Effect:</a:t>
-            </a:r>
-            <a:br>
-              <a:rPr lang="en-US" sz="1400" b="1" dirty="0">
-                <a:solidFill>
-                  <a:srgbClr val="00B0F0"/>
-                </a:solidFill>
-              </a:rPr>
-            </a:br>
-            <a:r>
-              <a:rPr lang="en-US" sz="1400" b="1" dirty="0">
-                <a:solidFill>
-                  <a:srgbClr val="00B0F0"/>
-                </a:solidFill>
-              </a:rPr>
-              <a:t>A-B</a:t>
+            <a:r>
+              <a:rPr lang="en-US" sz="1200" dirty="0"/>
+              <a:t>T2-C2</a:t>
             </a:r>
           </a:p>
         </p:txBody>
@@ -8476,7 +8911,7 @@
     </p:spTree>
     <p:extLst>
       <p:ext uri="{BB962C8B-B14F-4D97-AF65-F5344CB8AC3E}">
-        <p14:creationId xmlns:p14="http://schemas.microsoft.com/office/powerpoint/2010/main" val="3745841995"/>
+        <p14:creationId xmlns:p14="http://schemas.microsoft.com/office/powerpoint/2010/main" val="1517303924"/>
       </p:ext>
     </p:extLst>
   </p:cSld>
@@ -8537,7 +8972,7 @@
               <a:rPr lang="en-US" sz="3600" dirty="0">
                 <a:latin typeface="Tahoma" pitchFamily="34" charset="0"/>
               </a:rPr>
-              <a:t>Competing Hypothesis #4</a:t>
+              <a:t>Competing Hypothesis #3</a:t>
             </a:r>
           </a:p>
         </p:txBody>
@@ -8615,7 +9050,7 @@
         </p:nvSpPr>
         <p:spPr>
           <a:xfrm>
-            <a:off x="1905000" y="1332517"/>
+            <a:off x="1981200" y="1289751"/>
             <a:ext cx="5181600" cy="2431435"/>
           </a:xfrm>
           <a:prstGeom prst="rect">
@@ -8632,7 +9067,7 @@
               <a:rPr lang="en-US" sz="2400" b="1" u="sng" dirty="0">
                 <a:latin typeface="Abadi" panose="020B0604020104020204" pitchFamily="34" charset="0"/>
               </a:rPr>
-              <a:t>Secular Trends</a:t>
+              <a:t>Maturation</a:t>
             </a:r>
             <a:endParaRPr lang="en-US" sz="2400" b="1" dirty="0">
               <a:latin typeface="Abadi" panose="020B0604020104020204" pitchFamily="34" charset="0"/>
@@ -8644,7 +9079,7 @@
           <a:p>
             <a:r>
               <a:rPr lang="en-US" sz="1600" dirty="0"/>
-              <a:t>Very similar to maturation, except the trend in the data is caused by a global process outside of individuals, such as economic or cultural trends.</a:t>
+              <a:t>Occurs when growth is expected naturally, such as increase in cognitive ability of children because of natural development independent of program effects.</a:t>
             </a:r>
           </a:p>
           <a:p>
@@ -9416,7 +9851,7 @@
     </p:spTree>
     <p:extLst>
       <p:ext uri="{BB962C8B-B14F-4D97-AF65-F5344CB8AC3E}">
-        <p14:creationId xmlns:p14="http://schemas.microsoft.com/office/powerpoint/2010/main" val="1019189688"/>
+        <p14:creationId xmlns:p14="http://schemas.microsoft.com/office/powerpoint/2010/main" val="3745841995"/>
       </p:ext>
     </p:extLst>
   </p:cSld>
@@ -9477,8 +9912,73 @@
               <a:rPr lang="en-US" sz="3600" dirty="0">
                 <a:latin typeface="Tahoma" pitchFamily="34" charset="0"/>
               </a:rPr>
-              <a:t>Competing Hypothesis #5</a:t>
-            </a:r>
+              <a:t>Competing Hypothesis #4</a:t>
+            </a:r>
+          </a:p>
+        </p:txBody>
+      </p:sp>
+      <p:sp>
+        <p:nvSpPr>
+          <p:cNvPr id="8" name="TextBox 4"/>
+          <p:cNvSpPr txBox="1">
+            <a:spLocks noChangeArrowheads="1"/>
+          </p:cNvSpPr>
+          <p:nvPr/>
+        </p:nvSpPr>
+        <p:spPr bwMode="auto">
+          <a:xfrm>
+            <a:off x="1676400" y="1219200"/>
+            <a:ext cx="7239000" cy="1508105"/>
+          </a:xfrm>
+          <a:prstGeom prst="rect">
+            <a:avLst/>
+          </a:prstGeom>
+          <a:noFill/>
+          <a:ln w="9525">
+            <a:noFill/>
+            <a:miter lim="800000"/>
+            <a:headEnd/>
+            <a:tailEnd/>
+          </a:ln>
+        </p:spPr>
+        <p:txBody>
+          <a:bodyPr>
+            <a:spAutoFit/>
+          </a:bodyPr>
+          <a:lstStyle/>
+          <a:p>
+            <a:pPr marL="914400" lvl="1" indent="-457200">
+              <a:spcBef>
+                <a:spcPts val="1200"/>
+              </a:spcBef>
+              <a:buAutoNum type="arabicPeriod"/>
+            </a:pPr>
+            <a:endParaRPr lang="en-US" b="1" dirty="0"/>
+          </a:p>
+          <a:p>
+            <a:pPr marL="914400" lvl="1" indent="-457200">
+              <a:spcBef>
+                <a:spcPts val="1200"/>
+              </a:spcBef>
+              <a:buAutoNum type="arabicPeriod"/>
+            </a:pPr>
+            <a:endParaRPr lang="en-US" dirty="0"/>
+          </a:p>
+          <a:p>
+            <a:pPr marL="914400" lvl="1" indent="-457200">
+              <a:spcBef>
+                <a:spcPts val="1200"/>
+              </a:spcBef>
+              <a:buAutoNum type="arabicPeriod"/>
+            </a:pPr>
+            <a:endParaRPr lang="en-US" b="1" dirty="0"/>
+          </a:p>
+          <a:p>
+            <a:pPr marL="914400" lvl="1" indent="-457200">
+              <a:buFont typeface="Tahoma" pitchFamily="34" charset="0"/>
+              <a:buAutoNum type="arabicPeriod"/>
+            </a:pPr>
+            <a:endParaRPr lang="en-US" dirty="0"/>
           </a:p>
         </p:txBody>
       </p:sp>
@@ -9490,8 +9990,8 @@
         </p:nvSpPr>
         <p:spPr>
           <a:xfrm>
-            <a:off x="1905000" y="1286362"/>
-            <a:ext cx="5181600" cy="2492990"/>
+            <a:off x="1905000" y="1332517"/>
+            <a:ext cx="5181600" cy="2431435"/>
           </a:xfrm>
           <a:prstGeom prst="rect">
             <a:avLst/>
@@ -9507,7 +10007,7 @@
               <a:rPr lang="en-US" sz="2400" b="1" u="sng" dirty="0">
                 <a:latin typeface="Abadi" panose="020B0604020104020204" pitchFamily="34" charset="0"/>
               </a:rPr>
-              <a:t>Seasonality</a:t>
+              <a:t>Secular Trends</a:t>
             </a:r>
             <a:endParaRPr lang="en-US" sz="2400" b="1" dirty="0">
               <a:latin typeface="Abadi" panose="020B0604020104020204" pitchFamily="34" charset="0"/>
@@ -9519,7 +10019,7 @@
           <a:p>
             <a:r>
               <a:rPr lang="en-US" sz="1600" dirty="0"/>
-              <a:t>Data with seasonal trends or other cycles will have natural highs and lows. </a:t>
+              <a:t>Very similar to maturation, except the trend in the data is caused by a global process outside of individuals, such as economic or cultural trends.</a:t>
             </a:r>
           </a:p>
           <a:p>
@@ -9540,87 +10040,21 @@
             <a:pPr lvl="0"/>
             <a:r>
               <a:rPr lang="en-US" sz="1600" dirty="0"/>
-              <a:t>Only compare observations from the same time period, or average observations over an entire year (or cycle period).  </a:t>
-            </a:r>
-          </a:p>
-        </p:txBody>
-      </p:sp>
-      <p:pic>
-        <p:nvPicPr>
-          <p:cNvPr id="6" name="Picture 5"/>
-          <p:cNvPicPr/>
-          <p:nvPr/>
-        </p:nvPicPr>
-        <p:blipFill>
-          <a:blip r:embed="rId2" cstate="print">
-            <a:extLst>
-              <a:ext uri="{28A0092B-C50C-407E-A947-70E740481C1C}">
-                <a14:useLocalDpi xmlns:a14="http://schemas.microsoft.com/office/drawing/2010/main" val="0"/>
-              </a:ext>
-            </a:extLst>
-          </a:blip>
-          <a:srcRect/>
-          <a:stretch>
-            <a:fillRect/>
-          </a:stretch>
-        </p:blipFill>
-        <p:spPr bwMode="auto">
-          <a:xfrm>
-            <a:off x="4828182" y="4572000"/>
-            <a:ext cx="3810000" cy="2214563"/>
-          </a:xfrm>
-          <a:prstGeom prst="rect">
-            <a:avLst/>
-          </a:prstGeom>
-          <a:noFill/>
-          <a:ln>
-            <a:noFill/>
-          </a:ln>
-        </p:spPr>
-      </p:pic>
-      <p:pic>
-        <p:nvPicPr>
-          <p:cNvPr id="7" name="Picture 6" descr="Afghanistan violence"/>
-          <p:cNvPicPr/>
-          <p:nvPr/>
-        </p:nvPicPr>
-        <p:blipFill>
-          <a:blip r:embed="rId3" cstate="print">
-            <a:extLst>
-              <a:ext uri="{28A0092B-C50C-407E-A947-70E740481C1C}">
-                <a14:useLocalDpi xmlns:a14="http://schemas.microsoft.com/office/drawing/2010/main" val="0"/>
-              </a:ext>
-            </a:extLst>
-          </a:blip>
-          <a:srcRect/>
-          <a:stretch>
-            <a:fillRect/>
-          </a:stretch>
-        </p:blipFill>
-        <p:spPr bwMode="auto">
-          <a:xfrm>
-            <a:off x="533400" y="4476981"/>
-            <a:ext cx="3709415" cy="2209800"/>
-          </a:xfrm>
-          <a:prstGeom prst="rect">
-            <a:avLst/>
-          </a:prstGeom>
-          <a:noFill/>
-          <a:ln>
-            <a:noFill/>
-          </a:ln>
-        </p:spPr>
-      </p:pic>
-      <p:sp>
-        <p:nvSpPr>
-          <p:cNvPr id="2" name="TextBox 1"/>
+              <a:t>Use a comparison group to remove the trend.</a:t>
+            </a:r>
+          </a:p>
+        </p:txBody>
+      </p:sp>
+      <p:sp>
+        <p:nvSpPr>
+          <p:cNvPr id="6" name="TextBox 5"/>
           <p:cNvSpPr txBox="1"/>
           <p:nvPr/>
         </p:nvSpPr>
         <p:spPr>
           <a:xfrm>
-            <a:off x="5839856" y="4343400"/>
-            <a:ext cx="846577" cy="954107"/>
+            <a:off x="6705600" y="4800600"/>
+            <a:ext cx="1387496" cy="646331"/>
           </a:xfrm>
           <a:prstGeom prst="rect">
             <a:avLst/>
@@ -9635,53 +10069,721 @@
           <a:p>
             <a:pPr algn="ctr"/>
             <a:r>
-              <a:rPr lang="en-US" sz="1400" dirty="0">
+              <a:rPr lang="en-US" dirty="0"/>
+              <a:t>Pre-Post </a:t>
+            </a:r>
+            <a:br>
+              <a:rPr lang="en-US" dirty="0"/>
+            </a:br>
+            <a:r>
+              <a:rPr lang="en-US" dirty="0"/>
+              <a:t>With Control</a:t>
+            </a:r>
+          </a:p>
+        </p:txBody>
+      </p:sp>
+      <p:cxnSp>
+        <p:nvCxnSpPr>
+          <p:cNvPr id="7" name="Straight Connector 6"/>
+          <p:cNvCxnSpPr/>
+          <p:nvPr/>
+        </p:nvCxnSpPr>
+        <p:spPr>
+          <a:xfrm>
+            <a:off x="2667000" y="4461886"/>
+            <a:ext cx="0" cy="1752600"/>
+          </a:xfrm>
+          <a:prstGeom prst="line">
+            <a:avLst/>
+          </a:prstGeom>
+        </p:spPr>
+        <p:style>
+          <a:lnRef idx="1">
+            <a:schemeClr val="accent1"/>
+          </a:lnRef>
+          <a:fillRef idx="0">
+            <a:schemeClr val="accent1"/>
+          </a:fillRef>
+          <a:effectRef idx="0">
+            <a:schemeClr val="accent1"/>
+          </a:effectRef>
+          <a:fontRef idx="minor">
+            <a:schemeClr val="tx1"/>
+          </a:fontRef>
+        </p:style>
+      </p:cxnSp>
+      <p:cxnSp>
+        <p:nvCxnSpPr>
+          <p:cNvPr id="10" name="Straight Connector 9"/>
+          <p:cNvCxnSpPr/>
+          <p:nvPr/>
+        </p:nvCxnSpPr>
+        <p:spPr>
+          <a:xfrm>
+            <a:off x="2743200" y="6062086"/>
+            <a:ext cx="2438400" cy="0"/>
+          </a:xfrm>
+          <a:prstGeom prst="line">
+            <a:avLst/>
+          </a:prstGeom>
+        </p:spPr>
+        <p:style>
+          <a:lnRef idx="1">
+            <a:schemeClr val="accent1"/>
+          </a:lnRef>
+          <a:fillRef idx="0">
+            <a:schemeClr val="accent1"/>
+          </a:fillRef>
+          <a:effectRef idx="0">
+            <a:schemeClr val="accent1"/>
+          </a:effectRef>
+          <a:fontRef idx="minor">
+            <a:schemeClr val="tx1"/>
+          </a:fontRef>
+        </p:style>
+      </p:cxnSp>
+      <p:sp>
+        <p:nvSpPr>
+          <p:cNvPr id="11" name="Oval 10"/>
+          <p:cNvSpPr/>
+          <p:nvPr/>
+        </p:nvSpPr>
+        <p:spPr>
+          <a:xfrm>
+            <a:off x="3429000" y="5528686"/>
+            <a:ext cx="152400" cy="152400"/>
+          </a:xfrm>
+          <a:prstGeom prst="ellipse">
+            <a:avLst/>
+          </a:prstGeom>
+        </p:spPr>
+        <p:style>
+          <a:lnRef idx="2">
+            <a:schemeClr val="accent1">
+              <a:shade val="50000"/>
+            </a:schemeClr>
+          </a:lnRef>
+          <a:fillRef idx="1">
+            <a:schemeClr val="accent1"/>
+          </a:fillRef>
+          <a:effectRef idx="0">
+            <a:schemeClr val="accent1"/>
+          </a:effectRef>
+          <a:fontRef idx="minor">
+            <a:schemeClr val="lt1"/>
+          </a:fontRef>
+        </p:style>
+        <p:txBody>
+          <a:bodyPr rtlCol="0" anchor="ctr"/>
+          <a:lstStyle/>
+          <a:p>
+            <a:pPr algn="ctr"/>
+            <a:endParaRPr lang="en-US"/>
+          </a:p>
+        </p:txBody>
+      </p:sp>
+      <p:sp>
+        <p:nvSpPr>
+          <p:cNvPr id="12" name="Oval 11"/>
+          <p:cNvSpPr/>
+          <p:nvPr/>
+        </p:nvSpPr>
+        <p:spPr>
+          <a:xfrm>
+            <a:off x="4495800" y="5261986"/>
+            <a:ext cx="152400" cy="152400"/>
+          </a:xfrm>
+          <a:prstGeom prst="ellipse">
+            <a:avLst/>
+          </a:prstGeom>
+        </p:spPr>
+        <p:style>
+          <a:lnRef idx="2">
+            <a:schemeClr val="accent1">
+              <a:shade val="50000"/>
+            </a:schemeClr>
+          </a:lnRef>
+          <a:fillRef idx="1">
+            <a:schemeClr val="accent1"/>
+          </a:fillRef>
+          <a:effectRef idx="0">
+            <a:schemeClr val="accent1"/>
+          </a:effectRef>
+          <a:fontRef idx="minor">
+            <a:schemeClr val="lt1"/>
+          </a:fontRef>
+        </p:style>
+        <p:txBody>
+          <a:bodyPr rtlCol="0" anchor="ctr"/>
+          <a:lstStyle/>
+          <a:p>
+            <a:pPr algn="ctr"/>
+            <a:endParaRPr lang="en-US"/>
+          </a:p>
+        </p:txBody>
+      </p:sp>
+      <p:sp>
+        <p:nvSpPr>
+          <p:cNvPr id="13" name="Oval 12"/>
+          <p:cNvSpPr/>
+          <p:nvPr/>
+        </p:nvSpPr>
+        <p:spPr>
+          <a:xfrm>
+            <a:off x="3429000" y="5109586"/>
+            <a:ext cx="152400" cy="152400"/>
+          </a:xfrm>
+          <a:prstGeom prst="ellipse">
+            <a:avLst/>
+          </a:prstGeom>
+          <a:solidFill>
+            <a:srgbClr val="FF0000"/>
+          </a:solidFill>
+          <a:ln>
+            <a:solidFill>
+              <a:schemeClr val="bg1">
+                <a:lumMod val="50000"/>
+              </a:schemeClr>
+            </a:solidFill>
+          </a:ln>
+        </p:spPr>
+        <p:style>
+          <a:lnRef idx="2">
+            <a:schemeClr val="accent1">
+              <a:shade val="50000"/>
+            </a:schemeClr>
+          </a:lnRef>
+          <a:fillRef idx="1">
+            <a:schemeClr val="accent1"/>
+          </a:fillRef>
+          <a:effectRef idx="0">
+            <a:schemeClr val="accent1"/>
+          </a:effectRef>
+          <a:fontRef idx="minor">
+            <a:schemeClr val="lt1"/>
+          </a:fontRef>
+        </p:style>
+        <p:txBody>
+          <a:bodyPr rtlCol="0" anchor="ctr"/>
+          <a:lstStyle/>
+          <a:p>
+            <a:pPr algn="ctr"/>
+            <a:endParaRPr lang="en-US"/>
+          </a:p>
+        </p:txBody>
+      </p:sp>
+      <p:sp>
+        <p:nvSpPr>
+          <p:cNvPr id="14" name="Oval 13"/>
+          <p:cNvSpPr/>
+          <p:nvPr/>
+        </p:nvSpPr>
+        <p:spPr>
+          <a:xfrm>
+            <a:off x="4495800" y="4538086"/>
+            <a:ext cx="152400" cy="152400"/>
+          </a:xfrm>
+          <a:prstGeom prst="ellipse">
+            <a:avLst/>
+          </a:prstGeom>
+          <a:solidFill>
+            <a:srgbClr val="FF0000"/>
+          </a:solidFill>
+          <a:ln>
+            <a:solidFill>
+              <a:schemeClr val="bg1">
+                <a:lumMod val="50000"/>
+              </a:schemeClr>
+            </a:solidFill>
+          </a:ln>
+        </p:spPr>
+        <p:style>
+          <a:lnRef idx="2">
+            <a:schemeClr val="accent1">
+              <a:shade val="50000"/>
+            </a:schemeClr>
+          </a:lnRef>
+          <a:fillRef idx="1">
+            <a:schemeClr val="accent1"/>
+          </a:fillRef>
+          <a:effectRef idx="0">
+            <a:schemeClr val="accent1"/>
+          </a:effectRef>
+          <a:fontRef idx="minor">
+            <a:schemeClr val="lt1"/>
+          </a:fontRef>
+        </p:style>
+        <p:txBody>
+          <a:bodyPr rtlCol="0" anchor="ctr"/>
+          <a:lstStyle/>
+          <a:p>
+            <a:pPr algn="ctr"/>
+            <a:endParaRPr lang="en-US"/>
+          </a:p>
+        </p:txBody>
+      </p:sp>
+      <p:cxnSp>
+        <p:nvCxnSpPr>
+          <p:cNvPr id="15" name="Straight Connector 14"/>
+          <p:cNvCxnSpPr/>
+          <p:nvPr/>
+        </p:nvCxnSpPr>
+        <p:spPr>
+          <a:xfrm>
+            <a:off x="3505200" y="5985886"/>
+            <a:ext cx="0" cy="152400"/>
+          </a:xfrm>
+          <a:prstGeom prst="line">
+            <a:avLst/>
+          </a:prstGeom>
+        </p:spPr>
+        <p:style>
+          <a:lnRef idx="1">
+            <a:schemeClr val="accent1"/>
+          </a:lnRef>
+          <a:fillRef idx="0">
+            <a:schemeClr val="accent1"/>
+          </a:fillRef>
+          <a:effectRef idx="0">
+            <a:schemeClr val="accent1"/>
+          </a:effectRef>
+          <a:fontRef idx="minor">
+            <a:schemeClr val="tx1"/>
+          </a:fontRef>
+        </p:style>
+      </p:cxnSp>
+      <p:sp>
+        <p:nvSpPr>
+          <p:cNvPr id="16" name="TextBox 15"/>
+          <p:cNvSpPr txBox="1"/>
+          <p:nvPr/>
+        </p:nvSpPr>
+        <p:spPr>
+          <a:xfrm>
+            <a:off x="3286952" y="6196730"/>
+            <a:ext cx="453970" cy="307777"/>
+          </a:xfrm>
+          <a:prstGeom prst="rect">
+            <a:avLst/>
+          </a:prstGeom>
+          <a:noFill/>
+        </p:spPr>
+        <p:txBody>
+          <a:bodyPr wrap="none" rtlCol="0">
+            <a:spAutoFit/>
+          </a:bodyPr>
+          <a:lstStyle/>
+          <a:p>
+            <a:r>
+              <a:rPr lang="en-US" sz="1400" dirty="0"/>
+              <a:t>T=1</a:t>
+            </a:r>
+          </a:p>
+        </p:txBody>
+      </p:sp>
+      <p:cxnSp>
+        <p:nvCxnSpPr>
+          <p:cNvPr id="17" name="Straight Connector 16"/>
+          <p:cNvCxnSpPr/>
+          <p:nvPr/>
+        </p:nvCxnSpPr>
+        <p:spPr>
+          <a:xfrm>
+            <a:off x="4597160" y="5985886"/>
+            <a:ext cx="0" cy="152400"/>
+          </a:xfrm>
+          <a:prstGeom prst="line">
+            <a:avLst/>
+          </a:prstGeom>
+        </p:spPr>
+        <p:style>
+          <a:lnRef idx="1">
+            <a:schemeClr val="accent1"/>
+          </a:lnRef>
+          <a:fillRef idx="0">
+            <a:schemeClr val="accent1"/>
+          </a:fillRef>
+          <a:effectRef idx="0">
+            <a:schemeClr val="accent1"/>
+          </a:effectRef>
+          <a:fontRef idx="minor">
+            <a:schemeClr val="tx1"/>
+          </a:fontRef>
+        </p:style>
+      </p:cxnSp>
+      <p:sp>
+        <p:nvSpPr>
+          <p:cNvPr id="18" name="TextBox 17"/>
+          <p:cNvSpPr txBox="1"/>
+          <p:nvPr/>
+        </p:nvSpPr>
+        <p:spPr>
+          <a:xfrm>
+            <a:off x="4378912" y="6196730"/>
+            <a:ext cx="453970" cy="307777"/>
+          </a:xfrm>
+          <a:prstGeom prst="rect">
+            <a:avLst/>
+          </a:prstGeom>
+          <a:noFill/>
+        </p:spPr>
+        <p:txBody>
+          <a:bodyPr wrap="none" rtlCol="0">
+            <a:spAutoFit/>
+          </a:bodyPr>
+          <a:lstStyle/>
+          <a:p>
+            <a:r>
+              <a:rPr lang="en-US" sz="1400" dirty="0"/>
+              <a:t>T=2</a:t>
+            </a:r>
+          </a:p>
+        </p:txBody>
+      </p:sp>
+      <p:cxnSp>
+        <p:nvCxnSpPr>
+          <p:cNvPr id="19" name="Straight Arrow Connector 18"/>
+          <p:cNvCxnSpPr/>
+          <p:nvPr/>
+        </p:nvCxnSpPr>
+        <p:spPr>
+          <a:xfrm flipV="1">
+            <a:off x="4038600" y="5948156"/>
+            <a:ext cx="0" cy="457200"/>
+          </a:xfrm>
+          <a:prstGeom prst="straightConnector1">
+            <a:avLst/>
+          </a:prstGeom>
+          <a:ln w="25400">
+            <a:solidFill>
+              <a:srgbClr val="FF0000"/>
+            </a:solidFill>
+            <a:tailEnd type="arrow"/>
+          </a:ln>
+        </p:spPr>
+        <p:style>
+          <a:lnRef idx="1">
+            <a:schemeClr val="accent1"/>
+          </a:lnRef>
+          <a:fillRef idx="0">
+            <a:schemeClr val="accent1"/>
+          </a:fillRef>
+          <a:effectRef idx="0">
+            <a:schemeClr val="accent1"/>
+          </a:effectRef>
+          <a:fontRef idx="minor">
+            <a:schemeClr val="tx1"/>
+          </a:fontRef>
+        </p:style>
+      </p:cxnSp>
+      <p:sp>
+        <p:nvSpPr>
+          <p:cNvPr id="20" name="TextBox 19"/>
+          <p:cNvSpPr txBox="1"/>
+          <p:nvPr/>
+        </p:nvSpPr>
+        <p:spPr>
+          <a:xfrm>
+            <a:off x="3674782" y="6428601"/>
+            <a:ext cx="727635" cy="276999"/>
+          </a:xfrm>
+          <a:prstGeom prst="rect">
+            <a:avLst/>
+          </a:prstGeom>
+          <a:noFill/>
+        </p:spPr>
+        <p:txBody>
+          <a:bodyPr wrap="none" rtlCol="0">
+            <a:spAutoFit/>
+          </a:bodyPr>
+          <a:lstStyle/>
+          <a:p>
+            <a:r>
+              <a:rPr lang="en-US" sz="1200" b="1" dirty="0">
                 <a:solidFill>
-                  <a:srgbClr val="C00000"/>
+                  <a:srgbClr val="FF0000"/>
                 </a:solidFill>
               </a:rPr>
-              <a:t>Invalid </a:t>
-            </a:r>
-          </a:p>
+              <a:t>Program</a:t>
+            </a:r>
+          </a:p>
+        </p:txBody>
+      </p:sp>
+      <p:cxnSp>
+        <p:nvCxnSpPr>
+          <p:cNvPr id="21" name="Straight Connector 20"/>
+          <p:cNvCxnSpPr/>
+          <p:nvPr/>
+        </p:nvCxnSpPr>
+        <p:spPr>
+          <a:xfrm>
+            <a:off x="3621514" y="5185786"/>
+            <a:ext cx="1049618" cy="0"/>
+          </a:xfrm>
+          <a:prstGeom prst="line">
+            <a:avLst/>
+          </a:prstGeom>
+          <a:ln>
+            <a:solidFill>
+              <a:schemeClr val="tx1">
+                <a:lumMod val="50000"/>
+                <a:lumOff val="50000"/>
+              </a:schemeClr>
+            </a:solidFill>
+            <a:prstDash val="sysDash"/>
+          </a:ln>
+        </p:spPr>
+        <p:style>
+          <a:lnRef idx="1">
+            <a:schemeClr val="accent1"/>
+          </a:lnRef>
+          <a:fillRef idx="0">
+            <a:schemeClr val="accent1"/>
+          </a:fillRef>
+          <a:effectRef idx="0">
+            <a:schemeClr val="accent1"/>
+          </a:effectRef>
+          <a:fontRef idx="minor">
+            <a:schemeClr val="tx1"/>
+          </a:fontRef>
+        </p:style>
+      </p:cxnSp>
+      <p:sp>
+        <p:nvSpPr>
+          <p:cNvPr id="22" name="Right Brace 21"/>
+          <p:cNvSpPr/>
+          <p:nvPr/>
+        </p:nvSpPr>
+        <p:spPr>
+          <a:xfrm>
+            <a:off x="4724400" y="4601706"/>
+            <a:ext cx="228600" cy="571500"/>
+          </a:xfrm>
+          <a:prstGeom prst="rightBrace">
+            <a:avLst/>
+          </a:prstGeom>
+          <a:ln w="25400">
+            <a:solidFill>
+              <a:srgbClr val="00B0F0"/>
+            </a:solidFill>
+          </a:ln>
+        </p:spPr>
+        <p:style>
+          <a:lnRef idx="1">
+            <a:schemeClr val="accent1"/>
+          </a:lnRef>
+          <a:fillRef idx="0">
+            <a:schemeClr val="accent1"/>
+          </a:fillRef>
+          <a:effectRef idx="0">
+            <a:schemeClr val="accent1"/>
+          </a:effectRef>
+          <a:fontRef idx="minor">
+            <a:schemeClr val="tx1"/>
+          </a:fontRef>
+        </p:style>
+        <p:txBody>
+          <a:bodyPr rtlCol="0" anchor="ctr"/>
+          <a:lstStyle/>
           <a:p>
             <a:pPr algn="ctr"/>
-            <a:r>
-              <a:rPr lang="en-US" sz="1400" dirty="0">
+            <a:endParaRPr lang="en-US"/>
+          </a:p>
+        </p:txBody>
+      </p:sp>
+      <p:sp>
+        <p:nvSpPr>
+          <p:cNvPr id="23" name="TextBox 22"/>
+          <p:cNvSpPr txBox="1"/>
+          <p:nvPr/>
+        </p:nvSpPr>
+        <p:spPr>
+          <a:xfrm>
+            <a:off x="4907465" y="4757834"/>
+            <a:ext cx="277640" cy="276999"/>
+          </a:xfrm>
+          <a:prstGeom prst="rect">
+            <a:avLst/>
+          </a:prstGeom>
+          <a:noFill/>
+        </p:spPr>
+        <p:txBody>
+          <a:bodyPr wrap="none" rtlCol="0">
+            <a:spAutoFit/>
+          </a:bodyPr>
+          <a:lstStyle/>
+          <a:p>
+            <a:r>
+              <a:rPr lang="en-US" sz="1200" b="1" dirty="0">
                 <a:solidFill>
-                  <a:srgbClr val="C00000"/>
+                  <a:srgbClr val="00B0F0"/>
                 </a:solidFill>
               </a:rPr>
-              <a:t>program </a:t>
+              <a:t>A</a:t>
+            </a:r>
+          </a:p>
+        </p:txBody>
+      </p:sp>
+      <p:cxnSp>
+        <p:nvCxnSpPr>
+          <p:cNvPr id="24" name="Straight Connector 23"/>
+          <p:cNvCxnSpPr/>
+          <p:nvPr/>
+        </p:nvCxnSpPr>
+        <p:spPr>
+          <a:xfrm>
+            <a:off x="3622019" y="5604886"/>
+            <a:ext cx="1049618" cy="0"/>
+          </a:xfrm>
+          <a:prstGeom prst="line">
+            <a:avLst/>
+          </a:prstGeom>
+          <a:ln>
+            <a:solidFill>
+              <a:schemeClr val="tx1">
+                <a:lumMod val="50000"/>
+                <a:lumOff val="50000"/>
+              </a:schemeClr>
+            </a:solidFill>
+            <a:prstDash val="sysDash"/>
+          </a:ln>
+        </p:spPr>
+        <p:style>
+          <a:lnRef idx="1">
+            <a:schemeClr val="accent1"/>
+          </a:lnRef>
+          <a:fillRef idx="0">
+            <a:schemeClr val="accent1"/>
+          </a:fillRef>
+          <a:effectRef idx="0">
+            <a:schemeClr val="accent1"/>
+          </a:effectRef>
+          <a:fontRef idx="minor">
+            <a:schemeClr val="tx1"/>
+          </a:fontRef>
+        </p:style>
+      </p:cxnSp>
+      <p:sp>
+        <p:nvSpPr>
+          <p:cNvPr id="25" name="Right Brace 24"/>
+          <p:cNvSpPr/>
+          <p:nvPr/>
+        </p:nvSpPr>
+        <p:spPr>
+          <a:xfrm>
+            <a:off x="4750965" y="5297127"/>
+            <a:ext cx="228600" cy="307759"/>
+          </a:xfrm>
+          <a:prstGeom prst="rightBrace">
+            <a:avLst/>
+          </a:prstGeom>
+          <a:ln w="25400">
+            <a:solidFill>
+              <a:srgbClr val="00B0F0"/>
+            </a:solidFill>
+          </a:ln>
+        </p:spPr>
+        <p:style>
+          <a:lnRef idx="1">
+            <a:schemeClr val="accent1"/>
+          </a:lnRef>
+          <a:fillRef idx="0">
+            <a:schemeClr val="accent1"/>
+          </a:fillRef>
+          <a:effectRef idx="0">
+            <a:schemeClr val="accent1"/>
+          </a:effectRef>
+          <a:fontRef idx="minor">
+            <a:schemeClr val="tx1"/>
+          </a:fontRef>
+        </p:style>
+        <p:txBody>
+          <a:bodyPr rtlCol="0" anchor="ctr"/>
+          <a:lstStyle/>
+          <a:p>
+            <a:pPr algn="ctr"/>
+            <a:endParaRPr lang="en-US"/>
+          </a:p>
+        </p:txBody>
+      </p:sp>
+      <p:sp>
+        <p:nvSpPr>
+          <p:cNvPr id="26" name="TextBox 25"/>
+          <p:cNvSpPr txBox="1"/>
+          <p:nvPr/>
+        </p:nvSpPr>
+        <p:spPr>
+          <a:xfrm>
+            <a:off x="4917419" y="5310131"/>
+            <a:ext cx="271228" cy="276999"/>
+          </a:xfrm>
+          <a:prstGeom prst="rect">
+            <a:avLst/>
+          </a:prstGeom>
+          <a:noFill/>
+        </p:spPr>
+        <p:txBody>
+          <a:bodyPr wrap="none" rtlCol="0">
+            <a:spAutoFit/>
+          </a:bodyPr>
+          <a:lstStyle/>
+          <a:p>
+            <a:r>
+              <a:rPr lang="en-US" sz="1200" b="1" dirty="0">
+                <a:solidFill>
+                  <a:srgbClr val="00B0F0"/>
+                </a:solidFill>
+              </a:rPr>
+              <a:t>B</a:t>
+            </a:r>
+          </a:p>
+        </p:txBody>
+      </p:sp>
+      <p:sp>
+        <p:nvSpPr>
+          <p:cNvPr id="27" name="TextBox 26"/>
+          <p:cNvSpPr txBox="1"/>
+          <p:nvPr/>
+        </p:nvSpPr>
+        <p:spPr>
+          <a:xfrm>
+            <a:off x="7010400" y="5715000"/>
+            <a:ext cx="654410" cy="523220"/>
+          </a:xfrm>
+          <a:prstGeom prst="rect">
+            <a:avLst/>
+          </a:prstGeom>
+          <a:noFill/>
+        </p:spPr>
+        <p:txBody>
+          <a:bodyPr wrap="none" rtlCol="0">
+            <a:spAutoFit/>
+          </a:bodyPr>
+          <a:lstStyle/>
+          <a:p>
+            <a:pPr algn="ctr"/>
+            <a:r>
+              <a:rPr lang="en-US" sz="1400" b="1" dirty="0">
+                <a:solidFill>
+                  <a:srgbClr val="00B0F0"/>
+                </a:solidFill>
+              </a:rPr>
+              <a:t>Effect:</a:t>
             </a:r>
             <a:br>
-              <a:rPr lang="en-US" sz="1400" dirty="0">
+              <a:rPr lang="en-US" sz="1400" b="1" dirty="0">
                 <a:solidFill>
-                  <a:srgbClr val="C00000"/>
+                  <a:srgbClr val="00B0F0"/>
                 </a:solidFill>
               </a:rPr>
             </a:br>
             <a:r>
-              <a:rPr lang="en-US" sz="1400" dirty="0">
+              <a:rPr lang="en-US" sz="1400" b="1" dirty="0">
                 <a:solidFill>
-                  <a:srgbClr val="C00000"/>
+                  <a:srgbClr val="00B0F0"/>
                 </a:solidFill>
               </a:rPr>
-              <a:t>impact</a:t>
-            </a:r>
-            <a:br>
-              <a:rPr lang="en-US" sz="1400" dirty="0">
-                <a:solidFill>
-                  <a:srgbClr val="C00000"/>
-                </a:solidFill>
-              </a:rPr>
-            </a:br>
-            <a:r>
-              <a:rPr lang="en-US" sz="1400" dirty="0">
-                <a:solidFill>
-                  <a:srgbClr val="C00000"/>
-                </a:solidFill>
-              </a:rPr>
-              <a:t>claim</a:t>
+              <a:t>A-B</a:t>
             </a:r>
           </a:p>
         </p:txBody>
@@ -9689,7 +10791,7 @@
     </p:spTree>
     <p:extLst>
       <p:ext uri="{BB962C8B-B14F-4D97-AF65-F5344CB8AC3E}">
-        <p14:creationId xmlns:p14="http://schemas.microsoft.com/office/powerpoint/2010/main" val="899254539"/>
+        <p14:creationId xmlns:p14="http://schemas.microsoft.com/office/powerpoint/2010/main" val="1019189688"/>
       </p:ext>
     </p:extLst>
   </p:cSld>
@@ -9750,73 +10852,8 @@
               <a:rPr lang="en-US" sz="3600" dirty="0">
                 <a:latin typeface="Tahoma" pitchFamily="34" charset="0"/>
               </a:rPr>
-              <a:t>Competing Hypothesis #6</a:t>
-            </a:r>
-          </a:p>
-        </p:txBody>
-      </p:sp>
-      <p:sp>
-        <p:nvSpPr>
-          <p:cNvPr id="8" name="TextBox 4"/>
-          <p:cNvSpPr txBox="1">
-            <a:spLocks noChangeArrowheads="1"/>
-          </p:cNvSpPr>
-          <p:nvPr/>
-        </p:nvSpPr>
-        <p:spPr bwMode="auto">
-          <a:xfrm>
-            <a:off x="1676400" y="1219200"/>
-            <a:ext cx="7239000" cy="1508105"/>
-          </a:xfrm>
-          <a:prstGeom prst="rect">
-            <a:avLst/>
-          </a:prstGeom>
-          <a:noFill/>
-          <a:ln w="9525">
-            <a:noFill/>
-            <a:miter lim="800000"/>
-            <a:headEnd/>
-            <a:tailEnd/>
-          </a:ln>
-        </p:spPr>
-        <p:txBody>
-          <a:bodyPr>
-            <a:spAutoFit/>
-          </a:bodyPr>
-          <a:lstStyle/>
-          <a:p>
-            <a:pPr marL="914400" lvl="1" indent="-457200">
-              <a:spcBef>
-                <a:spcPts val="1200"/>
-              </a:spcBef>
-              <a:buAutoNum type="arabicPeriod"/>
-            </a:pPr>
-            <a:endParaRPr lang="en-US" b="1" dirty="0"/>
-          </a:p>
-          <a:p>
-            <a:pPr marL="914400" lvl="1" indent="-457200">
-              <a:spcBef>
-                <a:spcPts val="1200"/>
-              </a:spcBef>
-              <a:buAutoNum type="arabicPeriod"/>
-            </a:pPr>
-            <a:endParaRPr lang="en-US" dirty="0"/>
-          </a:p>
-          <a:p>
-            <a:pPr marL="914400" lvl="1" indent="-457200">
-              <a:spcBef>
-                <a:spcPts val="1200"/>
-              </a:spcBef>
-              <a:buAutoNum type="arabicPeriod"/>
-            </a:pPr>
-            <a:endParaRPr lang="en-US" b="1" dirty="0"/>
-          </a:p>
-          <a:p>
-            <a:pPr marL="914400" lvl="1" indent="-457200">
-              <a:buFont typeface="Tahoma" pitchFamily="34" charset="0"/>
-              <a:buAutoNum type="arabicPeriod"/>
-            </a:pPr>
-            <a:endParaRPr lang="en-US" dirty="0"/>
+              <a:t>Competing Hypothesis #5</a:t>
+            </a:r>
           </a:p>
         </p:txBody>
       </p:sp>
@@ -9828,8 +10865,8 @@
         </p:nvSpPr>
         <p:spPr>
           <a:xfrm>
-            <a:off x="1801052" y="1304590"/>
-            <a:ext cx="5257800" cy="2923877"/>
+            <a:off x="1905000" y="1286362"/>
+            <a:ext cx="5181600" cy="2492990"/>
           </a:xfrm>
           <a:prstGeom prst="rect">
             <a:avLst/>
@@ -9845,7 +10882,7 @@
               <a:rPr lang="en-US" sz="2400" b="1" u="sng" dirty="0">
                 <a:latin typeface="Abadi" panose="020B0604020104020204" pitchFamily="34" charset="0"/>
               </a:rPr>
-              <a:t>Testing</a:t>
+              <a:t>Seasonality</a:t>
             </a:r>
             <a:endParaRPr lang="en-US" sz="2400" b="1" dirty="0">
               <a:latin typeface="Abadi" panose="020B0604020104020204" pitchFamily="34" charset="0"/>
@@ -9857,7 +10894,7 @@
           <a:p>
             <a:r>
               <a:rPr lang="en-US" sz="1600" dirty="0"/>
-              <a:t>When the same group is exposed repeatedly to the same set of questions or tasks they can improve independent of any training.</a:t>
+              <a:t>Data with seasonal trends or other cycles will have natural highs and lows. </a:t>
             </a:r>
           </a:p>
           <a:p>
@@ -9878,21 +10915,87 @@
             <a:pPr lvl="0"/>
             <a:r>
               <a:rPr lang="en-US" sz="1600" dirty="0"/>
-              <a:t>This problem only applies to a small set of programs.  Change tests, use post-test only designs, or use a control group that receives the test.</a:t>
-            </a:r>
-          </a:p>
-        </p:txBody>
-      </p:sp>
-      <p:sp>
-        <p:nvSpPr>
-          <p:cNvPr id="6" name="TextBox 5"/>
+              <a:t>Only compare observations from the same time period, or average observations over an entire year (or cycle period).  </a:t>
+            </a:r>
+          </a:p>
+        </p:txBody>
+      </p:sp>
+      <p:pic>
+        <p:nvPicPr>
+          <p:cNvPr id="6" name="Picture 5"/>
+          <p:cNvPicPr/>
+          <p:nvPr/>
+        </p:nvPicPr>
+        <p:blipFill>
+          <a:blip r:embed="rId2" cstate="print">
+            <a:extLst>
+              <a:ext uri="{28A0092B-C50C-407E-A947-70E740481C1C}">
+                <a14:useLocalDpi xmlns:a14="http://schemas.microsoft.com/office/drawing/2010/main" val="0"/>
+              </a:ext>
+            </a:extLst>
+          </a:blip>
+          <a:srcRect/>
+          <a:stretch>
+            <a:fillRect/>
+          </a:stretch>
+        </p:blipFill>
+        <p:spPr bwMode="auto">
+          <a:xfrm>
+            <a:off x="4828182" y="4572000"/>
+            <a:ext cx="3810000" cy="2214563"/>
+          </a:xfrm>
+          <a:prstGeom prst="rect">
+            <a:avLst/>
+          </a:prstGeom>
+          <a:noFill/>
+          <a:ln>
+            <a:noFill/>
+          </a:ln>
+        </p:spPr>
+      </p:pic>
+      <p:pic>
+        <p:nvPicPr>
+          <p:cNvPr id="7" name="Picture 6" descr="Afghanistan violence"/>
+          <p:cNvPicPr/>
+          <p:nvPr/>
+        </p:nvPicPr>
+        <p:blipFill>
+          <a:blip r:embed="rId3" cstate="print">
+            <a:extLst>
+              <a:ext uri="{28A0092B-C50C-407E-A947-70E740481C1C}">
+                <a14:useLocalDpi xmlns:a14="http://schemas.microsoft.com/office/drawing/2010/main" val="0"/>
+              </a:ext>
+            </a:extLst>
+          </a:blip>
+          <a:srcRect/>
+          <a:stretch>
+            <a:fillRect/>
+          </a:stretch>
+        </p:blipFill>
+        <p:spPr bwMode="auto">
+          <a:xfrm>
+            <a:off x="533400" y="4476981"/>
+            <a:ext cx="3709415" cy="2209800"/>
+          </a:xfrm>
+          <a:prstGeom prst="rect">
+            <a:avLst/>
+          </a:prstGeom>
+          <a:noFill/>
+          <a:ln>
+            <a:noFill/>
+          </a:ln>
+        </p:spPr>
+      </p:pic>
+      <p:sp>
+        <p:nvSpPr>
+          <p:cNvPr id="2" name="TextBox 1"/>
           <p:cNvSpPr txBox="1"/>
           <p:nvPr/>
         </p:nvSpPr>
         <p:spPr>
           <a:xfrm>
-            <a:off x="6705600" y="4910714"/>
-            <a:ext cx="1387496" cy="646331"/>
+            <a:off x="5839856" y="4343400"/>
+            <a:ext cx="846577" cy="954107"/>
           </a:xfrm>
           <a:prstGeom prst="rect">
             <a:avLst/>
@@ -9907,721 +11010,53 @@
           <a:p>
             <a:pPr algn="ctr"/>
             <a:r>
-              <a:rPr lang="en-US" dirty="0"/>
-              <a:t>Pre-Post </a:t>
-            </a:r>
-            <a:br>
-              <a:rPr lang="en-US" dirty="0"/>
-            </a:br>
-            <a:r>
-              <a:rPr lang="en-US" dirty="0"/>
-              <a:t>With Control</a:t>
-            </a:r>
-          </a:p>
-        </p:txBody>
-      </p:sp>
-      <p:cxnSp>
-        <p:nvCxnSpPr>
-          <p:cNvPr id="7" name="Straight Connector 6"/>
-          <p:cNvCxnSpPr/>
-          <p:nvPr/>
-        </p:nvCxnSpPr>
-        <p:spPr>
-          <a:xfrm>
-            <a:off x="3810000" y="4572000"/>
-            <a:ext cx="0" cy="1752600"/>
-          </a:xfrm>
-          <a:prstGeom prst="line">
-            <a:avLst/>
-          </a:prstGeom>
-        </p:spPr>
-        <p:style>
-          <a:lnRef idx="1">
-            <a:schemeClr val="accent1"/>
-          </a:lnRef>
-          <a:fillRef idx="0">
-            <a:schemeClr val="accent1"/>
-          </a:fillRef>
-          <a:effectRef idx="0">
-            <a:schemeClr val="accent1"/>
-          </a:effectRef>
-          <a:fontRef idx="minor">
-            <a:schemeClr val="tx1"/>
-          </a:fontRef>
-        </p:style>
-      </p:cxnSp>
-      <p:cxnSp>
-        <p:nvCxnSpPr>
-          <p:cNvPr id="10" name="Straight Connector 9"/>
-          <p:cNvCxnSpPr/>
-          <p:nvPr/>
-        </p:nvCxnSpPr>
-        <p:spPr>
-          <a:xfrm>
-            <a:off x="3886200" y="6172200"/>
-            <a:ext cx="2438400" cy="0"/>
-          </a:xfrm>
-          <a:prstGeom prst="line">
-            <a:avLst/>
-          </a:prstGeom>
-        </p:spPr>
-        <p:style>
-          <a:lnRef idx="1">
-            <a:schemeClr val="accent1"/>
-          </a:lnRef>
-          <a:fillRef idx="0">
-            <a:schemeClr val="accent1"/>
-          </a:fillRef>
-          <a:effectRef idx="0">
-            <a:schemeClr val="accent1"/>
-          </a:effectRef>
-          <a:fontRef idx="minor">
-            <a:schemeClr val="tx1"/>
-          </a:fontRef>
-        </p:style>
-      </p:cxnSp>
-      <p:sp>
-        <p:nvSpPr>
-          <p:cNvPr id="11" name="Oval 10"/>
-          <p:cNvSpPr/>
-          <p:nvPr/>
-        </p:nvSpPr>
-        <p:spPr>
-          <a:xfrm>
-            <a:off x="4572000" y="5638800"/>
-            <a:ext cx="152400" cy="152400"/>
-          </a:xfrm>
-          <a:prstGeom prst="ellipse">
-            <a:avLst/>
-          </a:prstGeom>
-        </p:spPr>
-        <p:style>
-          <a:lnRef idx="2">
-            <a:schemeClr val="accent1">
-              <a:shade val="50000"/>
-            </a:schemeClr>
-          </a:lnRef>
-          <a:fillRef idx="1">
-            <a:schemeClr val="accent1"/>
-          </a:fillRef>
-          <a:effectRef idx="0">
-            <a:schemeClr val="accent1"/>
-          </a:effectRef>
-          <a:fontRef idx="minor">
-            <a:schemeClr val="lt1"/>
-          </a:fontRef>
-        </p:style>
-        <p:txBody>
-          <a:bodyPr rtlCol="0" anchor="ctr"/>
-          <a:lstStyle/>
-          <a:p>
-            <a:pPr algn="ctr"/>
-            <a:endParaRPr lang="en-US"/>
-          </a:p>
-        </p:txBody>
-      </p:sp>
-      <p:sp>
-        <p:nvSpPr>
-          <p:cNvPr id="12" name="Oval 11"/>
-          <p:cNvSpPr/>
-          <p:nvPr/>
-        </p:nvSpPr>
-        <p:spPr>
-          <a:xfrm>
-            <a:off x="5638800" y="5372100"/>
-            <a:ext cx="152400" cy="152400"/>
-          </a:xfrm>
-          <a:prstGeom prst="ellipse">
-            <a:avLst/>
-          </a:prstGeom>
-        </p:spPr>
-        <p:style>
-          <a:lnRef idx="2">
-            <a:schemeClr val="accent1">
-              <a:shade val="50000"/>
-            </a:schemeClr>
-          </a:lnRef>
-          <a:fillRef idx="1">
-            <a:schemeClr val="accent1"/>
-          </a:fillRef>
-          <a:effectRef idx="0">
-            <a:schemeClr val="accent1"/>
-          </a:effectRef>
-          <a:fontRef idx="minor">
-            <a:schemeClr val="lt1"/>
-          </a:fontRef>
-        </p:style>
-        <p:txBody>
-          <a:bodyPr rtlCol="0" anchor="ctr"/>
-          <a:lstStyle/>
-          <a:p>
-            <a:pPr algn="ctr"/>
-            <a:endParaRPr lang="en-US"/>
-          </a:p>
-        </p:txBody>
-      </p:sp>
-      <p:sp>
-        <p:nvSpPr>
-          <p:cNvPr id="13" name="Oval 12"/>
-          <p:cNvSpPr/>
-          <p:nvPr/>
-        </p:nvSpPr>
-        <p:spPr>
-          <a:xfrm>
-            <a:off x="4572000" y="5219700"/>
-            <a:ext cx="152400" cy="152400"/>
-          </a:xfrm>
-          <a:prstGeom prst="ellipse">
-            <a:avLst/>
-          </a:prstGeom>
-          <a:solidFill>
-            <a:srgbClr val="FF0000"/>
-          </a:solidFill>
-          <a:ln>
-            <a:solidFill>
-              <a:schemeClr val="bg1">
-                <a:lumMod val="50000"/>
-              </a:schemeClr>
-            </a:solidFill>
-          </a:ln>
-        </p:spPr>
-        <p:style>
-          <a:lnRef idx="2">
-            <a:schemeClr val="accent1">
-              <a:shade val="50000"/>
-            </a:schemeClr>
-          </a:lnRef>
-          <a:fillRef idx="1">
-            <a:schemeClr val="accent1"/>
-          </a:fillRef>
-          <a:effectRef idx="0">
-            <a:schemeClr val="accent1"/>
-          </a:effectRef>
-          <a:fontRef idx="minor">
-            <a:schemeClr val="lt1"/>
-          </a:fontRef>
-        </p:style>
-        <p:txBody>
-          <a:bodyPr rtlCol="0" anchor="ctr"/>
-          <a:lstStyle/>
-          <a:p>
-            <a:pPr algn="ctr"/>
-            <a:endParaRPr lang="en-US"/>
-          </a:p>
-        </p:txBody>
-      </p:sp>
-      <p:sp>
-        <p:nvSpPr>
-          <p:cNvPr id="14" name="Oval 13"/>
-          <p:cNvSpPr/>
-          <p:nvPr/>
-        </p:nvSpPr>
-        <p:spPr>
-          <a:xfrm>
-            <a:off x="5638800" y="4648200"/>
-            <a:ext cx="152400" cy="152400"/>
-          </a:xfrm>
-          <a:prstGeom prst="ellipse">
-            <a:avLst/>
-          </a:prstGeom>
-          <a:solidFill>
-            <a:srgbClr val="FF0000"/>
-          </a:solidFill>
-          <a:ln>
-            <a:solidFill>
-              <a:schemeClr val="bg1">
-                <a:lumMod val="50000"/>
-              </a:schemeClr>
-            </a:solidFill>
-          </a:ln>
-        </p:spPr>
-        <p:style>
-          <a:lnRef idx="2">
-            <a:schemeClr val="accent1">
-              <a:shade val="50000"/>
-            </a:schemeClr>
-          </a:lnRef>
-          <a:fillRef idx="1">
-            <a:schemeClr val="accent1"/>
-          </a:fillRef>
-          <a:effectRef idx="0">
-            <a:schemeClr val="accent1"/>
-          </a:effectRef>
-          <a:fontRef idx="minor">
-            <a:schemeClr val="lt1"/>
-          </a:fontRef>
-        </p:style>
-        <p:txBody>
-          <a:bodyPr rtlCol="0" anchor="ctr"/>
-          <a:lstStyle/>
-          <a:p>
-            <a:pPr algn="ctr"/>
-            <a:endParaRPr lang="en-US"/>
-          </a:p>
-        </p:txBody>
-      </p:sp>
-      <p:cxnSp>
-        <p:nvCxnSpPr>
-          <p:cNvPr id="15" name="Straight Connector 14"/>
-          <p:cNvCxnSpPr/>
-          <p:nvPr/>
-        </p:nvCxnSpPr>
-        <p:spPr>
-          <a:xfrm>
-            <a:off x="4648200" y="6096000"/>
-            <a:ext cx="0" cy="152400"/>
-          </a:xfrm>
-          <a:prstGeom prst="line">
-            <a:avLst/>
-          </a:prstGeom>
-        </p:spPr>
-        <p:style>
-          <a:lnRef idx="1">
-            <a:schemeClr val="accent1"/>
-          </a:lnRef>
-          <a:fillRef idx="0">
-            <a:schemeClr val="accent1"/>
-          </a:fillRef>
-          <a:effectRef idx="0">
-            <a:schemeClr val="accent1"/>
-          </a:effectRef>
-          <a:fontRef idx="minor">
-            <a:schemeClr val="tx1"/>
-          </a:fontRef>
-        </p:style>
-      </p:cxnSp>
-      <p:sp>
-        <p:nvSpPr>
-          <p:cNvPr id="16" name="TextBox 15"/>
-          <p:cNvSpPr txBox="1"/>
-          <p:nvPr/>
-        </p:nvSpPr>
-        <p:spPr>
-          <a:xfrm>
-            <a:off x="4429952" y="6306844"/>
-            <a:ext cx="453970" cy="307777"/>
-          </a:xfrm>
-          <a:prstGeom prst="rect">
-            <a:avLst/>
-          </a:prstGeom>
-          <a:noFill/>
-        </p:spPr>
-        <p:txBody>
-          <a:bodyPr wrap="none" rtlCol="0">
-            <a:spAutoFit/>
-          </a:bodyPr>
-          <a:lstStyle/>
-          <a:p>
-            <a:r>
-              <a:rPr lang="en-US" sz="1400" dirty="0"/>
-              <a:t>T=1</a:t>
-            </a:r>
-          </a:p>
-        </p:txBody>
-      </p:sp>
-      <p:cxnSp>
-        <p:nvCxnSpPr>
-          <p:cNvPr id="17" name="Straight Connector 16"/>
-          <p:cNvCxnSpPr/>
-          <p:nvPr/>
-        </p:nvCxnSpPr>
-        <p:spPr>
-          <a:xfrm>
-            <a:off x="5740160" y="6096000"/>
-            <a:ext cx="0" cy="152400"/>
-          </a:xfrm>
-          <a:prstGeom prst="line">
-            <a:avLst/>
-          </a:prstGeom>
-        </p:spPr>
-        <p:style>
-          <a:lnRef idx="1">
-            <a:schemeClr val="accent1"/>
-          </a:lnRef>
-          <a:fillRef idx="0">
-            <a:schemeClr val="accent1"/>
-          </a:fillRef>
-          <a:effectRef idx="0">
-            <a:schemeClr val="accent1"/>
-          </a:effectRef>
-          <a:fontRef idx="minor">
-            <a:schemeClr val="tx1"/>
-          </a:fontRef>
-        </p:style>
-      </p:cxnSp>
-      <p:sp>
-        <p:nvSpPr>
-          <p:cNvPr id="18" name="TextBox 17"/>
-          <p:cNvSpPr txBox="1"/>
-          <p:nvPr/>
-        </p:nvSpPr>
-        <p:spPr>
-          <a:xfrm>
-            <a:off x="5521912" y="6306844"/>
-            <a:ext cx="453970" cy="307777"/>
-          </a:xfrm>
-          <a:prstGeom prst="rect">
-            <a:avLst/>
-          </a:prstGeom>
-          <a:noFill/>
-        </p:spPr>
-        <p:txBody>
-          <a:bodyPr wrap="none" rtlCol="0">
-            <a:spAutoFit/>
-          </a:bodyPr>
-          <a:lstStyle/>
-          <a:p>
-            <a:r>
-              <a:rPr lang="en-US" sz="1400" dirty="0"/>
-              <a:t>T=2</a:t>
-            </a:r>
-          </a:p>
-        </p:txBody>
-      </p:sp>
-      <p:cxnSp>
-        <p:nvCxnSpPr>
-          <p:cNvPr id="19" name="Straight Arrow Connector 18"/>
-          <p:cNvCxnSpPr/>
-          <p:nvPr/>
-        </p:nvCxnSpPr>
-        <p:spPr>
-          <a:xfrm flipV="1">
-            <a:off x="5181600" y="6058270"/>
-            <a:ext cx="0" cy="457200"/>
-          </a:xfrm>
-          <a:prstGeom prst="straightConnector1">
-            <a:avLst/>
-          </a:prstGeom>
-          <a:ln w="25400">
-            <a:solidFill>
-              <a:srgbClr val="FF0000"/>
-            </a:solidFill>
-            <a:tailEnd type="arrow"/>
-          </a:ln>
-        </p:spPr>
-        <p:style>
-          <a:lnRef idx="1">
-            <a:schemeClr val="accent1"/>
-          </a:lnRef>
-          <a:fillRef idx="0">
-            <a:schemeClr val="accent1"/>
-          </a:fillRef>
-          <a:effectRef idx="0">
-            <a:schemeClr val="accent1"/>
-          </a:effectRef>
-          <a:fontRef idx="minor">
-            <a:schemeClr val="tx1"/>
-          </a:fontRef>
-        </p:style>
-      </p:cxnSp>
-      <p:sp>
-        <p:nvSpPr>
-          <p:cNvPr id="20" name="TextBox 19"/>
-          <p:cNvSpPr txBox="1"/>
-          <p:nvPr/>
-        </p:nvSpPr>
-        <p:spPr>
-          <a:xfrm>
-            <a:off x="4817782" y="6538715"/>
-            <a:ext cx="727635" cy="276999"/>
-          </a:xfrm>
-          <a:prstGeom prst="rect">
-            <a:avLst/>
-          </a:prstGeom>
-          <a:noFill/>
-        </p:spPr>
-        <p:txBody>
-          <a:bodyPr wrap="none" rtlCol="0">
-            <a:spAutoFit/>
-          </a:bodyPr>
-          <a:lstStyle/>
-          <a:p>
-            <a:r>
-              <a:rPr lang="en-US" sz="1200" b="1" dirty="0">
+              <a:rPr lang="en-US" sz="1400" dirty="0">
                 <a:solidFill>
-                  <a:srgbClr val="FF0000"/>
+                  <a:srgbClr val="C00000"/>
                 </a:solidFill>
               </a:rPr>
-              <a:t>Program</a:t>
-            </a:r>
-          </a:p>
-        </p:txBody>
-      </p:sp>
-      <p:cxnSp>
-        <p:nvCxnSpPr>
-          <p:cNvPr id="21" name="Straight Connector 20"/>
-          <p:cNvCxnSpPr/>
-          <p:nvPr/>
-        </p:nvCxnSpPr>
-        <p:spPr>
-          <a:xfrm>
-            <a:off x="4764514" y="5295900"/>
-            <a:ext cx="1049618" cy="0"/>
-          </a:xfrm>
-          <a:prstGeom prst="line">
-            <a:avLst/>
-          </a:prstGeom>
-          <a:ln>
-            <a:solidFill>
-              <a:schemeClr val="tx1">
-                <a:lumMod val="50000"/>
-                <a:lumOff val="50000"/>
-              </a:schemeClr>
-            </a:solidFill>
-            <a:prstDash val="sysDash"/>
-          </a:ln>
-        </p:spPr>
-        <p:style>
-          <a:lnRef idx="1">
-            <a:schemeClr val="accent1"/>
-          </a:lnRef>
-          <a:fillRef idx="0">
-            <a:schemeClr val="accent1"/>
-          </a:fillRef>
-          <a:effectRef idx="0">
-            <a:schemeClr val="accent1"/>
-          </a:effectRef>
-          <a:fontRef idx="minor">
-            <a:schemeClr val="tx1"/>
-          </a:fontRef>
-        </p:style>
-      </p:cxnSp>
-      <p:sp>
-        <p:nvSpPr>
-          <p:cNvPr id="22" name="Right Brace 21"/>
-          <p:cNvSpPr/>
-          <p:nvPr/>
-        </p:nvSpPr>
-        <p:spPr>
-          <a:xfrm>
-            <a:off x="5867400" y="4711820"/>
-            <a:ext cx="228600" cy="571500"/>
-          </a:xfrm>
-          <a:prstGeom prst="rightBrace">
-            <a:avLst/>
-          </a:prstGeom>
-          <a:ln w="25400">
-            <a:solidFill>
-              <a:srgbClr val="00B0F0"/>
-            </a:solidFill>
-          </a:ln>
-        </p:spPr>
-        <p:style>
-          <a:lnRef idx="1">
-            <a:schemeClr val="accent1"/>
-          </a:lnRef>
-          <a:fillRef idx="0">
-            <a:schemeClr val="accent1"/>
-          </a:fillRef>
-          <a:effectRef idx="0">
-            <a:schemeClr val="accent1"/>
-          </a:effectRef>
-          <a:fontRef idx="minor">
-            <a:schemeClr val="tx1"/>
-          </a:fontRef>
-        </p:style>
-        <p:txBody>
-          <a:bodyPr rtlCol="0" anchor="ctr"/>
-          <a:lstStyle/>
+              <a:t>Invalid </a:t>
+            </a:r>
+          </a:p>
           <a:p>
             <a:pPr algn="ctr"/>
-            <a:endParaRPr lang="en-US"/>
-          </a:p>
-        </p:txBody>
-      </p:sp>
-      <p:sp>
-        <p:nvSpPr>
-          <p:cNvPr id="23" name="TextBox 22"/>
-          <p:cNvSpPr txBox="1"/>
-          <p:nvPr/>
-        </p:nvSpPr>
-        <p:spPr>
-          <a:xfrm>
-            <a:off x="6050465" y="4867948"/>
-            <a:ext cx="277640" cy="276999"/>
-          </a:xfrm>
-          <a:prstGeom prst="rect">
-            <a:avLst/>
-          </a:prstGeom>
-          <a:noFill/>
-        </p:spPr>
-        <p:txBody>
-          <a:bodyPr wrap="none" rtlCol="0">
-            <a:spAutoFit/>
-          </a:bodyPr>
-          <a:lstStyle/>
-          <a:p>
-            <a:r>
-              <a:rPr lang="en-US" sz="1200" b="1" dirty="0">
+            <a:r>
+              <a:rPr lang="en-US" sz="1400" dirty="0">
                 <a:solidFill>
-                  <a:srgbClr val="00B0F0"/>
+                  <a:srgbClr val="C00000"/>
                 </a:solidFill>
               </a:rPr>
-              <a:t>A</a:t>
-            </a:r>
-          </a:p>
-        </p:txBody>
-      </p:sp>
-      <p:cxnSp>
-        <p:nvCxnSpPr>
-          <p:cNvPr id="24" name="Straight Connector 23"/>
-          <p:cNvCxnSpPr/>
-          <p:nvPr/>
-        </p:nvCxnSpPr>
-        <p:spPr>
-          <a:xfrm>
-            <a:off x="4765019" y="5715000"/>
-            <a:ext cx="1049618" cy="0"/>
-          </a:xfrm>
-          <a:prstGeom prst="line">
-            <a:avLst/>
-          </a:prstGeom>
-          <a:ln>
-            <a:solidFill>
-              <a:schemeClr val="tx1">
-                <a:lumMod val="50000"/>
-                <a:lumOff val="50000"/>
-              </a:schemeClr>
-            </a:solidFill>
-            <a:prstDash val="sysDash"/>
-          </a:ln>
-        </p:spPr>
-        <p:style>
-          <a:lnRef idx="1">
-            <a:schemeClr val="accent1"/>
-          </a:lnRef>
-          <a:fillRef idx="0">
-            <a:schemeClr val="accent1"/>
-          </a:fillRef>
-          <a:effectRef idx="0">
-            <a:schemeClr val="accent1"/>
-          </a:effectRef>
-          <a:fontRef idx="minor">
-            <a:schemeClr val="tx1"/>
-          </a:fontRef>
-        </p:style>
-      </p:cxnSp>
-      <p:sp>
-        <p:nvSpPr>
-          <p:cNvPr id="25" name="Right Brace 24"/>
-          <p:cNvSpPr/>
-          <p:nvPr/>
-        </p:nvSpPr>
-        <p:spPr>
-          <a:xfrm>
-            <a:off x="5893965" y="5407241"/>
-            <a:ext cx="228600" cy="307759"/>
-          </a:xfrm>
-          <a:prstGeom prst="rightBrace">
-            <a:avLst/>
-          </a:prstGeom>
-          <a:ln w="25400">
-            <a:solidFill>
-              <a:srgbClr val="00B0F0"/>
-            </a:solidFill>
-          </a:ln>
-        </p:spPr>
-        <p:style>
-          <a:lnRef idx="1">
-            <a:schemeClr val="accent1"/>
-          </a:lnRef>
-          <a:fillRef idx="0">
-            <a:schemeClr val="accent1"/>
-          </a:fillRef>
-          <a:effectRef idx="0">
-            <a:schemeClr val="accent1"/>
-          </a:effectRef>
-          <a:fontRef idx="minor">
-            <a:schemeClr val="tx1"/>
-          </a:fontRef>
-        </p:style>
-        <p:txBody>
-          <a:bodyPr rtlCol="0" anchor="ctr"/>
-          <a:lstStyle/>
-          <a:p>
-            <a:pPr algn="ctr"/>
-            <a:endParaRPr lang="en-US"/>
-          </a:p>
-        </p:txBody>
-      </p:sp>
-      <p:sp>
-        <p:nvSpPr>
-          <p:cNvPr id="26" name="TextBox 25"/>
-          <p:cNvSpPr txBox="1"/>
-          <p:nvPr/>
-        </p:nvSpPr>
-        <p:spPr>
-          <a:xfrm>
-            <a:off x="6060419" y="5420245"/>
-            <a:ext cx="271228" cy="276999"/>
-          </a:xfrm>
-          <a:prstGeom prst="rect">
-            <a:avLst/>
-          </a:prstGeom>
-          <a:noFill/>
-        </p:spPr>
-        <p:txBody>
-          <a:bodyPr wrap="none" rtlCol="0">
-            <a:spAutoFit/>
-          </a:bodyPr>
-          <a:lstStyle/>
-          <a:p>
-            <a:r>
-              <a:rPr lang="en-US" sz="1200" b="1" dirty="0">
+              <a:t>program </a:t>
+            </a:r>
+            <a:br>
+              <a:rPr lang="en-US" sz="1400" dirty="0">
                 <a:solidFill>
-                  <a:srgbClr val="00B0F0"/>
-                </a:solidFill>
-              </a:rPr>
-              <a:t>B</a:t>
-            </a:r>
-          </a:p>
-        </p:txBody>
-      </p:sp>
-      <p:sp>
-        <p:nvSpPr>
-          <p:cNvPr id="27" name="TextBox 26"/>
-          <p:cNvSpPr txBox="1"/>
-          <p:nvPr/>
-        </p:nvSpPr>
-        <p:spPr>
-          <a:xfrm>
-            <a:off x="7010400" y="5825114"/>
-            <a:ext cx="654410" cy="523220"/>
-          </a:xfrm>
-          <a:prstGeom prst="rect">
-            <a:avLst/>
-          </a:prstGeom>
-          <a:noFill/>
-        </p:spPr>
-        <p:txBody>
-          <a:bodyPr wrap="none" rtlCol="0">
-            <a:spAutoFit/>
-          </a:bodyPr>
-          <a:lstStyle/>
-          <a:p>
-            <a:pPr algn="ctr"/>
-            <a:r>
-              <a:rPr lang="en-US" sz="1400" b="1" dirty="0">
-                <a:solidFill>
-                  <a:srgbClr val="00B0F0"/>
-                </a:solidFill>
-              </a:rPr>
-              <a:t>Effect:</a:t>
-            </a:r>
-            <a:br>
-              <a:rPr lang="en-US" sz="1400" b="1" dirty="0">
-                <a:solidFill>
-                  <a:srgbClr val="00B0F0"/>
+                  <a:srgbClr val="C00000"/>
                 </a:solidFill>
               </a:rPr>
             </a:br>
             <a:r>
-              <a:rPr lang="en-US" sz="1400" b="1" dirty="0">
+              <a:rPr lang="en-US" sz="1400" dirty="0">
                 <a:solidFill>
-                  <a:srgbClr val="00B0F0"/>
+                  <a:srgbClr val="C00000"/>
                 </a:solidFill>
               </a:rPr>
-              <a:t>A-B</a:t>
+              <a:t>impact</a:t>
+            </a:r>
+            <a:br>
+              <a:rPr lang="en-US" sz="1400" dirty="0">
+                <a:solidFill>
+                  <a:srgbClr val="C00000"/>
+                </a:solidFill>
+              </a:rPr>
+            </a:br>
+            <a:r>
+              <a:rPr lang="en-US" sz="1400" dirty="0">
+                <a:solidFill>
+                  <a:srgbClr val="C00000"/>
+                </a:solidFill>
+              </a:rPr>
+              <a:t>claim</a:t>
             </a:r>
           </a:p>
         </p:txBody>
@@ -10629,7 +11064,7 @@
     </p:spTree>
     <p:extLst>
       <p:ext uri="{BB962C8B-B14F-4D97-AF65-F5344CB8AC3E}">
-        <p14:creationId xmlns:p14="http://schemas.microsoft.com/office/powerpoint/2010/main" val="2348310228"/>
+        <p14:creationId xmlns:p14="http://schemas.microsoft.com/office/powerpoint/2010/main" val="899254539"/>
       </p:ext>
     </p:extLst>
   </p:cSld>
@@ -10690,8 +11125,73 @@
               <a:rPr lang="en-US" sz="3600" dirty="0">
                 <a:latin typeface="Tahoma" pitchFamily="34" charset="0"/>
               </a:rPr>
-              <a:t>Competing Hypothesis #7</a:t>
-            </a:r>
+              <a:t>Competing Hypothesis #6</a:t>
+            </a:r>
+          </a:p>
+        </p:txBody>
+      </p:sp>
+      <p:sp>
+        <p:nvSpPr>
+          <p:cNvPr id="8" name="TextBox 4"/>
+          <p:cNvSpPr txBox="1">
+            <a:spLocks noChangeArrowheads="1"/>
+          </p:cNvSpPr>
+          <p:nvPr/>
+        </p:nvSpPr>
+        <p:spPr bwMode="auto">
+          <a:xfrm>
+            <a:off x="1676400" y="1219200"/>
+            <a:ext cx="7239000" cy="1508105"/>
+          </a:xfrm>
+          <a:prstGeom prst="rect">
+            <a:avLst/>
+          </a:prstGeom>
+          <a:noFill/>
+          <a:ln w="9525">
+            <a:noFill/>
+            <a:miter lim="800000"/>
+            <a:headEnd/>
+            <a:tailEnd/>
+          </a:ln>
+        </p:spPr>
+        <p:txBody>
+          <a:bodyPr>
+            <a:spAutoFit/>
+          </a:bodyPr>
+          <a:lstStyle/>
+          <a:p>
+            <a:pPr marL="914400" lvl="1" indent="-457200">
+              <a:spcBef>
+                <a:spcPts val="1200"/>
+              </a:spcBef>
+              <a:buAutoNum type="arabicPeriod"/>
+            </a:pPr>
+            <a:endParaRPr lang="en-US" b="1" dirty="0"/>
+          </a:p>
+          <a:p>
+            <a:pPr marL="914400" lvl="1" indent="-457200">
+              <a:spcBef>
+                <a:spcPts val="1200"/>
+              </a:spcBef>
+              <a:buAutoNum type="arabicPeriod"/>
+            </a:pPr>
+            <a:endParaRPr lang="en-US" dirty="0"/>
+          </a:p>
+          <a:p>
+            <a:pPr marL="914400" lvl="1" indent="-457200">
+              <a:spcBef>
+                <a:spcPts val="1200"/>
+              </a:spcBef>
+              <a:buAutoNum type="arabicPeriod"/>
+            </a:pPr>
+            <a:endParaRPr lang="en-US" b="1" dirty="0"/>
+          </a:p>
+          <a:p>
+            <a:pPr marL="914400" lvl="1" indent="-457200">
+              <a:buFont typeface="Tahoma" pitchFamily="34" charset="0"/>
+              <a:buAutoNum type="arabicPeriod"/>
+            </a:pPr>
+            <a:endParaRPr lang="en-US" dirty="0"/>
           </a:p>
         </p:txBody>
       </p:sp>
@@ -10703,8 +11203,8 @@
         </p:nvSpPr>
         <p:spPr>
           <a:xfrm>
-            <a:off x="1905000" y="1447800"/>
-            <a:ext cx="5181600" cy="3662541"/>
+            <a:off x="1801052" y="1304590"/>
+            <a:ext cx="5257800" cy="2923877"/>
           </a:xfrm>
           <a:prstGeom prst="rect">
             <a:avLst/>
@@ -10720,7 +11220,7 @@
               <a:rPr lang="en-US" sz="2400" b="1" u="sng" dirty="0">
                 <a:latin typeface="Abadi" panose="020B0604020104020204" pitchFamily="34" charset="0"/>
               </a:rPr>
-              <a:t>Regression to the Mean</a:t>
+              <a:t>Testing</a:t>
             </a:r>
             <a:endParaRPr lang="en-US" sz="2400" b="1" dirty="0">
               <a:latin typeface="Abadi" panose="020B0604020104020204" pitchFamily="34" charset="0"/>
@@ -10732,7 +11232,7 @@
           <a:p>
             <a:r>
               <a:rPr lang="en-US" sz="1600" dirty="0"/>
-              <a:t>Every time period that you observe an outcome, during the next time period the outcome naturally has a higher probability of being closer to the mean than it does of staying the same or being more extreme.  As a result, quality improvement programs for low-performing units often have a built-in improvement bias regardless of program effects.</a:t>
+              <a:t>When the same group is exposed repeatedly to the same set of questions or tasks they can improve independent of any training.</a:t>
             </a:r>
           </a:p>
           <a:p>
@@ -10753,7 +11253,750 @@
             <a:pPr lvl="0"/>
             <a:r>
               <a:rPr lang="en-US" sz="1600" dirty="0"/>
-              <a:t>Take care not to select a study group from the top or bottom of the distribution in a single time period (only high or low performers).</a:t>
+              <a:t>This problem only applies to a small set of programs.  Change tests, use post-test only designs, or use a control group that receives the test.</a:t>
+            </a:r>
+          </a:p>
+        </p:txBody>
+      </p:sp>
+      <p:sp>
+        <p:nvSpPr>
+          <p:cNvPr id="6" name="TextBox 5"/>
+          <p:cNvSpPr txBox="1"/>
+          <p:nvPr/>
+        </p:nvSpPr>
+        <p:spPr>
+          <a:xfrm>
+            <a:off x="6705600" y="4910714"/>
+            <a:ext cx="1387496" cy="646331"/>
+          </a:xfrm>
+          <a:prstGeom prst="rect">
+            <a:avLst/>
+          </a:prstGeom>
+          <a:noFill/>
+        </p:spPr>
+        <p:txBody>
+          <a:bodyPr wrap="none" rtlCol="0">
+            <a:spAutoFit/>
+          </a:bodyPr>
+          <a:lstStyle/>
+          <a:p>
+            <a:pPr algn="ctr"/>
+            <a:r>
+              <a:rPr lang="en-US" dirty="0"/>
+              <a:t>Pre-Post </a:t>
+            </a:r>
+            <a:br>
+              <a:rPr lang="en-US" dirty="0"/>
+            </a:br>
+            <a:r>
+              <a:rPr lang="en-US" dirty="0"/>
+              <a:t>With Control</a:t>
+            </a:r>
+          </a:p>
+        </p:txBody>
+      </p:sp>
+      <p:cxnSp>
+        <p:nvCxnSpPr>
+          <p:cNvPr id="7" name="Straight Connector 6"/>
+          <p:cNvCxnSpPr/>
+          <p:nvPr/>
+        </p:nvCxnSpPr>
+        <p:spPr>
+          <a:xfrm>
+            <a:off x="3810000" y="4572000"/>
+            <a:ext cx="0" cy="1752600"/>
+          </a:xfrm>
+          <a:prstGeom prst="line">
+            <a:avLst/>
+          </a:prstGeom>
+        </p:spPr>
+        <p:style>
+          <a:lnRef idx="1">
+            <a:schemeClr val="accent1"/>
+          </a:lnRef>
+          <a:fillRef idx="0">
+            <a:schemeClr val="accent1"/>
+          </a:fillRef>
+          <a:effectRef idx="0">
+            <a:schemeClr val="accent1"/>
+          </a:effectRef>
+          <a:fontRef idx="minor">
+            <a:schemeClr val="tx1"/>
+          </a:fontRef>
+        </p:style>
+      </p:cxnSp>
+      <p:cxnSp>
+        <p:nvCxnSpPr>
+          <p:cNvPr id="10" name="Straight Connector 9"/>
+          <p:cNvCxnSpPr/>
+          <p:nvPr/>
+        </p:nvCxnSpPr>
+        <p:spPr>
+          <a:xfrm>
+            <a:off x="3886200" y="6172200"/>
+            <a:ext cx="2438400" cy="0"/>
+          </a:xfrm>
+          <a:prstGeom prst="line">
+            <a:avLst/>
+          </a:prstGeom>
+        </p:spPr>
+        <p:style>
+          <a:lnRef idx="1">
+            <a:schemeClr val="accent1"/>
+          </a:lnRef>
+          <a:fillRef idx="0">
+            <a:schemeClr val="accent1"/>
+          </a:fillRef>
+          <a:effectRef idx="0">
+            <a:schemeClr val="accent1"/>
+          </a:effectRef>
+          <a:fontRef idx="minor">
+            <a:schemeClr val="tx1"/>
+          </a:fontRef>
+        </p:style>
+      </p:cxnSp>
+      <p:sp>
+        <p:nvSpPr>
+          <p:cNvPr id="11" name="Oval 10"/>
+          <p:cNvSpPr/>
+          <p:nvPr/>
+        </p:nvSpPr>
+        <p:spPr>
+          <a:xfrm>
+            <a:off x="4572000" y="5638800"/>
+            <a:ext cx="152400" cy="152400"/>
+          </a:xfrm>
+          <a:prstGeom prst="ellipse">
+            <a:avLst/>
+          </a:prstGeom>
+        </p:spPr>
+        <p:style>
+          <a:lnRef idx="2">
+            <a:schemeClr val="accent1">
+              <a:shade val="50000"/>
+            </a:schemeClr>
+          </a:lnRef>
+          <a:fillRef idx="1">
+            <a:schemeClr val="accent1"/>
+          </a:fillRef>
+          <a:effectRef idx="0">
+            <a:schemeClr val="accent1"/>
+          </a:effectRef>
+          <a:fontRef idx="minor">
+            <a:schemeClr val="lt1"/>
+          </a:fontRef>
+        </p:style>
+        <p:txBody>
+          <a:bodyPr rtlCol="0" anchor="ctr"/>
+          <a:lstStyle/>
+          <a:p>
+            <a:pPr algn="ctr"/>
+            <a:endParaRPr lang="en-US"/>
+          </a:p>
+        </p:txBody>
+      </p:sp>
+      <p:sp>
+        <p:nvSpPr>
+          <p:cNvPr id="12" name="Oval 11"/>
+          <p:cNvSpPr/>
+          <p:nvPr/>
+        </p:nvSpPr>
+        <p:spPr>
+          <a:xfrm>
+            <a:off x="5638800" y="5372100"/>
+            <a:ext cx="152400" cy="152400"/>
+          </a:xfrm>
+          <a:prstGeom prst="ellipse">
+            <a:avLst/>
+          </a:prstGeom>
+        </p:spPr>
+        <p:style>
+          <a:lnRef idx="2">
+            <a:schemeClr val="accent1">
+              <a:shade val="50000"/>
+            </a:schemeClr>
+          </a:lnRef>
+          <a:fillRef idx="1">
+            <a:schemeClr val="accent1"/>
+          </a:fillRef>
+          <a:effectRef idx="0">
+            <a:schemeClr val="accent1"/>
+          </a:effectRef>
+          <a:fontRef idx="minor">
+            <a:schemeClr val="lt1"/>
+          </a:fontRef>
+        </p:style>
+        <p:txBody>
+          <a:bodyPr rtlCol="0" anchor="ctr"/>
+          <a:lstStyle/>
+          <a:p>
+            <a:pPr algn="ctr"/>
+            <a:endParaRPr lang="en-US"/>
+          </a:p>
+        </p:txBody>
+      </p:sp>
+      <p:sp>
+        <p:nvSpPr>
+          <p:cNvPr id="13" name="Oval 12"/>
+          <p:cNvSpPr/>
+          <p:nvPr/>
+        </p:nvSpPr>
+        <p:spPr>
+          <a:xfrm>
+            <a:off x="4572000" y="5219700"/>
+            <a:ext cx="152400" cy="152400"/>
+          </a:xfrm>
+          <a:prstGeom prst="ellipse">
+            <a:avLst/>
+          </a:prstGeom>
+          <a:solidFill>
+            <a:srgbClr val="FF0000"/>
+          </a:solidFill>
+          <a:ln>
+            <a:solidFill>
+              <a:schemeClr val="bg1">
+                <a:lumMod val="50000"/>
+              </a:schemeClr>
+            </a:solidFill>
+          </a:ln>
+        </p:spPr>
+        <p:style>
+          <a:lnRef idx="2">
+            <a:schemeClr val="accent1">
+              <a:shade val="50000"/>
+            </a:schemeClr>
+          </a:lnRef>
+          <a:fillRef idx="1">
+            <a:schemeClr val="accent1"/>
+          </a:fillRef>
+          <a:effectRef idx="0">
+            <a:schemeClr val="accent1"/>
+          </a:effectRef>
+          <a:fontRef idx="minor">
+            <a:schemeClr val="lt1"/>
+          </a:fontRef>
+        </p:style>
+        <p:txBody>
+          <a:bodyPr rtlCol="0" anchor="ctr"/>
+          <a:lstStyle/>
+          <a:p>
+            <a:pPr algn="ctr"/>
+            <a:endParaRPr lang="en-US"/>
+          </a:p>
+        </p:txBody>
+      </p:sp>
+      <p:sp>
+        <p:nvSpPr>
+          <p:cNvPr id="14" name="Oval 13"/>
+          <p:cNvSpPr/>
+          <p:nvPr/>
+        </p:nvSpPr>
+        <p:spPr>
+          <a:xfrm>
+            <a:off x="5638800" y="4648200"/>
+            <a:ext cx="152400" cy="152400"/>
+          </a:xfrm>
+          <a:prstGeom prst="ellipse">
+            <a:avLst/>
+          </a:prstGeom>
+          <a:solidFill>
+            <a:srgbClr val="FF0000"/>
+          </a:solidFill>
+          <a:ln>
+            <a:solidFill>
+              <a:schemeClr val="bg1">
+                <a:lumMod val="50000"/>
+              </a:schemeClr>
+            </a:solidFill>
+          </a:ln>
+        </p:spPr>
+        <p:style>
+          <a:lnRef idx="2">
+            <a:schemeClr val="accent1">
+              <a:shade val="50000"/>
+            </a:schemeClr>
+          </a:lnRef>
+          <a:fillRef idx="1">
+            <a:schemeClr val="accent1"/>
+          </a:fillRef>
+          <a:effectRef idx="0">
+            <a:schemeClr val="accent1"/>
+          </a:effectRef>
+          <a:fontRef idx="minor">
+            <a:schemeClr val="lt1"/>
+          </a:fontRef>
+        </p:style>
+        <p:txBody>
+          <a:bodyPr rtlCol="0" anchor="ctr"/>
+          <a:lstStyle/>
+          <a:p>
+            <a:pPr algn="ctr"/>
+            <a:endParaRPr lang="en-US"/>
+          </a:p>
+        </p:txBody>
+      </p:sp>
+      <p:cxnSp>
+        <p:nvCxnSpPr>
+          <p:cNvPr id="15" name="Straight Connector 14"/>
+          <p:cNvCxnSpPr/>
+          <p:nvPr/>
+        </p:nvCxnSpPr>
+        <p:spPr>
+          <a:xfrm>
+            <a:off x="4648200" y="6096000"/>
+            <a:ext cx="0" cy="152400"/>
+          </a:xfrm>
+          <a:prstGeom prst="line">
+            <a:avLst/>
+          </a:prstGeom>
+        </p:spPr>
+        <p:style>
+          <a:lnRef idx="1">
+            <a:schemeClr val="accent1"/>
+          </a:lnRef>
+          <a:fillRef idx="0">
+            <a:schemeClr val="accent1"/>
+          </a:fillRef>
+          <a:effectRef idx="0">
+            <a:schemeClr val="accent1"/>
+          </a:effectRef>
+          <a:fontRef idx="minor">
+            <a:schemeClr val="tx1"/>
+          </a:fontRef>
+        </p:style>
+      </p:cxnSp>
+      <p:sp>
+        <p:nvSpPr>
+          <p:cNvPr id="16" name="TextBox 15"/>
+          <p:cNvSpPr txBox="1"/>
+          <p:nvPr/>
+        </p:nvSpPr>
+        <p:spPr>
+          <a:xfrm>
+            <a:off x="4429952" y="6306844"/>
+            <a:ext cx="453970" cy="307777"/>
+          </a:xfrm>
+          <a:prstGeom prst="rect">
+            <a:avLst/>
+          </a:prstGeom>
+          <a:noFill/>
+        </p:spPr>
+        <p:txBody>
+          <a:bodyPr wrap="none" rtlCol="0">
+            <a:spAutoFit/>
+          </a:bodyPr>
+          <a:lstStyle/>
+          <a:p>
+            <a:r>
+              <a:rPr lang="en-US" sz="1400" dirty="0"/>
+              <a:t>T=1</a:t>
+            </a:r>
+          </a:p>
+        </p:txBody>
+      </p:sp>
+      <p:cxnSp>
+        <p:nvCxnSpPr>
+          <p:cNvPr id="17" name="Straight Connector 16"/>
+          <p:cNvCxnSpPr/>
+          <p:nvPr/>
+        </p:nvCxnSpPr>
+        <p:spPr>
+          <a:xfrm>
+            <a:off x="5740160" y="6096000"/>
+            <a:ext cx="0" cy="152400"/>
+          </a:xfrm>
+          <a:prstGeom prst="line">
+            <a:avLst/>
+          </a:prstGeom>
+        </p:spPr>
+        <p:style>
+          <a:lnRef idx="1">
+            <a:schemeClr val="accent1"/>
+          </a:lnRef>
+          <a:fillRef idx="0">
+            <a:schemeClr val="accent1"/>
+          </a:fillRef>
+          <a:effectRef idx="0">
+            <a:schemeClr val="accent1"/>
+          </a:effectRef>
+          <a:fontRef idx="minor">
+            <a:schemeClr val="tx1"/>
+          </a:fontRef>
+        </p:style>
+      </p:cxnSp>
+      <p:sp>
+        <p:nvSpPr>
+          <p:cNvPr id="18" name="TextBox 17"/>
+          <p:cNvSpPr txBox="1"/>
+          <p:nvPr/>
+        </p:nvSpPr>
+        <p:spPr>
+          <a:xfrm>
+            <a:off x="5521912" y="6306844"/>
+            <a:ext cx="453970" cy="307777"/>
+          </a:xfrm>
+          <a:prstGeom prst="rect">
+            <a:avLst/>
+          </a:prstGeom>
+          <a:noFill/>
+        </p:spPr>
+        <p:txBody>
+          <a:bodyPr wrap="none" rtlCol="0">
+            <a:spAutoFit/>
+          </a:bodyPr>
+          <a:lstStyle/>
+          <a:p>
+            <a:r>
+              <a:rPr lang="en-US" sz="1400" dirty="0"/>
+              <a:t>T=2</a:t>
+            </a:r>
+          </a:p>
+        </p:txBody>
+      </p:sp>
+      <p:cxnSp>
+        <p:nvCxnSpPr>
+          <p:cNvPr id="19" name="Straight Arrow Connector 18"/>
+          <p:cNvCxnSpPr/>
+          <p:nvPr/>
+        </p:nvCxnSpPr>
+        <p:spPr>
+          <a:xfrm flipV="1">
+            <a:off x="5181600" y="6058270"/>
+            <a:ext cx="0" cy="457200"/>
+          </a:xfrm>
+          <a:prstGeom prst="straightConnector1">
+            <a:avLst/>
+          </a:prstGeom>
+          <a:ln w="25400">
+            <a:solidFill>
+              <a:srgbClr val="FF0000"/>
+            </a:solidFill>
+            <a:tailEnd type="arrow"/>
+          </a:ln>
+        </p:spPr>
+        <p:style>
+          <a:lnRef idx="1">
+            <a:schemeClr val="accent1"/>
+          </a:lnRef>
+          <a:fillRef idx="0">
+            <a:schemeClr val="accent1"/>
+          </a:fillRef>
+          <a:effectRef idx="0">
+            <a:schemeClr val="accent1"/>
+          </a:effectRef>
+          <a:fontRef idx="minor">
+            <a:schemeClr val="tx1"/>
+          </a:fontRef>
+        </p:style>
+      </p:cxnSp>
+      <p:sp>
+        <p:nvSpPr>
+          <p:cNvPr id="20" name="TextBox 19"/>
+          <p:cNvSpPr txBox="1"/>
+          <p:nvPr/>
+        </p:nvSpPr>
+        <p:spPr>
+          <a:xfrm>
+            <a:off x="4817782" y="6538715"/>
+            <a:ext cx="727635" cy="276999"/>
+          </a:xfrm>
+          <a:prstGeom prst="rect">
+            <a:avLst/>
+          </a:prstGeom>
+          <a:noFill/>
+        </p:spPr>
+        <p:txBody>
+          <a:bodyPr wrap="none" rtlCol="0">
+            <a:spAutoFit/>
+          </a:bodyPr>
+          <a:lstStyle/>
+          <a:p>
+            <a:r>
+              <a:rPr lang="en-US" sz="1200" b="1" dirty="0">
+                <a:solidFill>
+                  <a:srgbClr val="FF0000"/>
+                </a:solidFill>
+              </a:rPr>
+              <a:t>Program</a:t>
+            </a:r>
+          </a:p>
+        </p:txBody>
+      </p:sp>
+      <p:cxnSp>
+        <p:nvCxnSpPr>
+          <p:cNvPr id="21" name="Straight Connector 20"/>
+          <p:cNvCxnSpPr/>
+          <p:nvPr/>
+        </p:nvCxnSpPr>
+        <p:spPr>
+          <a:xfrm>
+            <a:off x="4764514" y="5295900"/>
+            <a:ext cx="1049618" cy="0"/>
+          </a:xfrm>
+          <a:prstGeom prst="line">
+            <a:avLst/>
+          </a:prstGeom>
+          <a:ln>
+            <a:solidFill>
+              <a:schemeClr val="tx1">
+                <a:lumMod val="50000"/>
+                <a:lumOff val="50000"/>
+              </a:schemeClr>
+            </a:solidFill>
+            <a:prstDash val="sysDash"/>
+          </a:ln>
+        </p:spPr>
+        <p:style>
+          <a:lnRef idx="1">
+            <a:schemeClr val="accent1"/>
+          </a:lnRef>
+          <a:fillRef idx="0">
+            <a:schemeClr val="accent1"/>
+          </a:fillRef>
+          <a:effectRef idx="0">
+            <a:schemeClr val="accent1"/>
+          </a:effectRef>
+          <a:fontRef idx="minor">
+            <a:schemeClr val="tx1"/>
+          </a:fontRef>
+        </p:style>
+      </p:cxnSp>
+      <p:sp>
+        <p:nvSpPr>
+          <p:cNvPr id="22" name="Right Brace 21"/>
+          <p:cNvSpPr/>
+          <p:nvPr/>
+        </p:nvSpPr>
+        <p:spPr>
+          <a:xfrm>
+            <a:off x="5867400" y="4711820"/>
+            <a:ext cx="228600" cy="571500"/>
+          </a:xfrm>
+          <a:prstGeom prst="rightBrace">
+            <a:avLst/>
+          </a:prstGeom>
+          <a:ln w="25400">
+            <a:solidFill>
+              <a:srgbClr val="00B0F0"/>
+            </a:solidFill>
+          </a:ln>
+        </p:spPr>
+        <p:style>
+          <a:lnRef idx="1">
+            <a:schemeClr val="accent1"/>
+          </a:lnRef>
+          <a:fillRef idx="0">
+            <a:schemeClr val="accent1"/>
+          </a:fillRef>
+          <a:effectRef idx="0">
+            <a:schemeClr val="accent1"/>
+          </a:effectRef>
+          <a:fontRef idx="minor">
+            <a:schemeClr val="tx1"/>
+          </a:fontRef>
+        </p:style>
+        <p:txBody>
+          <a:bodyPr rtlCol="0" anchor="ctr"/>
+          <a:lstStyle/>
+          <a:p>
+            <a:pPr algn="ctr"/>
+            <a:endParaRPr lang="en-US"/>
+          </a:p>
+        </p:txBody>
+      </p:sp>
+      <p:sp>
+        <p:nvSpPr>
+          <p:cNvPr id="23" name="TextBox 22"/>
+          <p:cNvSpPr txBox="1"/>
+          <p:nvPr/>
+        </p:nvSpPr>
+        <p:spPr>
+          <a:xfrm>
+            <a:off x="6050465" y="4867948"/>
+            <a:ext cx="277640" cy="276999"/>
+          </a:xfrm>
+          <a:prstGeom prst="rect">
+            <a:avLst/>
+          </a:prstGeom>
+          <a:noFill/>
+        </p:spPr>
+        <p:txBody>
+          <a:bodyPr wrap="none" rtlCol="0">
+            <a:spAutoFit/>
+          </a:bodyPr>
+          <a:lstStyle/>
+          <a:p>
+            <a:r>
+              <a:rPr lang="en-US" sz="1200" b="1" dirty="0">
+                <a:solidFill>
+                  <a:srgbClr val="00B0F0"/>
+                </a:solidFill>
+              </a:rPr>
+              <a:t>A</a:t>
+            </a:r>
+          </a:p>
+        </p:txBody>
+      </p:sp>
+      <p:cxnSp>
+        <p:nvCxnSpPr>
+          <p:cNvPr id="24" name="Straight Connector 23"/>
+          <p:cNvCxnSpPr/>
+          <p:nvPr/>
+        </p:nvCxnSpPr>
+        <p:spPr>
+          <a:xfrm>
+            <a:off x="4765019" y="5715000"/>
+            <a:ext cx="1049618" cy="0"/>
+          </a:xfrm>
+          <a:prstGeom prst="line">
+            <a:avLst/>
+          </a:prstGeom>
+          <a:ln>
+            <a:solidFill>
+              <a:schemeClr val="tx1">
+                <a:lumMod val="50000"/>
+                <a:lumOff val="50000"/>
+              </a:schemeClr>
+            </a:solidFill>
+            <a:prstDash val="sysDash"/>
+          </a:ln>
+        </p:spPr>
+        <p:style>
+          <a:lnRef idx="1">
+            <a:schemeClr val="accent1"/>
+          </a:lnRef>
+          <a:fillRef idx="0">
+            <a:schemeClr val="accent1"/>
+          </a:fillRef>
+          <a:effectRef idx="0">
+            <a:schemeClr val="accent1"/>
+          </a:effectRef>
+          <a:fontRef idx="minor">
+            <a:schemeClr val="tx1"/>
+          </a:fontRef>
+        </p:style>
+      </p:cxnSp>
+      <p:sp>
+        <p:nvSpPr>
+          <p:cNvPr id="25" name="Right Brace 24"/>
+          <p:cNvSpPr/>
+          <p:nvPr/>
+        </p:nvSpPr>
+        <p:spPr>
+          <a:xfrm>
+            <a:off x="5893965" y="5407241"/>
+            <a:ext cx="228600" cy="307759"/>
+          </a:xfrm>
+          <a:prstGeom prst="rightBrace">
+            <a:avLst/>
+          </a:prstGeom>
+          <a:ln w="25400">
+            <a:solidFill>
+              <a:srgbClr val="00B0F0"/>
+            </a:solidFill>
+          </a:ln>
+        </p:spPr>
+        <p:style>
+          <a:lnRef idx="1">
+            <a:schemeClr val="accent1"/>
+          </a:lnRef>
+          <a:fillRef idx="0">
+            <a:schemeClr val="accent1"/>
+          </a:fillRef>
+          <a:effectRef idx="0">
+            <a:schemeClr val="accent1"/>
+          </a:effectRef>
+          <a:fontRef idx="minor">
+            <a:schemeClr val="tx1"/>
+          </a:fontRef>
+        </p:style>
+        <p:txBody>
+          <a:bodyPr rtlCol="0" anchor="ctr"/>
+          <a:lstStyle/>
+          <a:p>
+            <a:pPr algn="ctr"/>
+            <a:endParaRPr lang="en-US"/>
+          </a:p>
+        </p:txBody>
+      </p:sp>
+      <p:sp>
+        <p:nvSpPr>
+          <p:cNvPr id="26" name="TextBox 25"/>
+          <p:cNvSpPr txBox="1"/>
+          <p:nvPr/>
+        </p:nvSpPr>
+        <p:spPr>
+          <a:xfrm>
+            <a:off x="6060419" y="5420245"/>
+            <a:ext cx="271228" cy="276999"/>
+          </a:xfrm>
+          <a:prstGeom prst="rect">
+            <a:avLst/>
+          </a:prstGeom>
+          <a:noFill/>
+        </p:spPr>
+        <p:txBody>
+          <a:bodyPr wrap="none" rtlCol="0">
+            <a:spAutoFit/>
+          </a:bodyPr>
+          <a:lstStyle/>
+          <a:p>
+            <a:r>
+              <a:rPr lang="en-US" sz="1200" b="1" dirty="0">
+                <a:solidFill>
+                  <a:srgbClr val="00B0F0"/>
+                </a:solidFill>
+              </a:rPr>
+              <a:t>B</a:t>
+            </a:r>
+          </a:p>
+        </p:txBody>
+      </p:sp>
+      <p:sp>
+        <p:nvSpPr>
+          <p:cNvPr id="27" name="TextBox 26"/>
+          <p:cNvSpPr txBox="1"/>
+          <p:nvPr/>
+        </p:nvSpPr>
+        <p:spPr>
+          <a:xfrm>
+            <a:off x="7010400" y="5825114"/>
+            <a:ext cx="654410" cy="523220"/>
+          </a:xfrm>
+          <a:prstGeom prst="rect">
+            <a:avLst/>
+          </a:prstGeom>
+          <a:noFill/>
+        </p:spPr>
+        <p:txBody>
+          <a:bodyPr wrap="none" rtlCol="0">
+            <a:spAutoFit/>
+          </a:bodyPr>
+          <a:lstStyle/>
+          <a:p>
+            <a:pPr algn="ctr"/>
+            <a:r>
+              <a:rPr lang="en-US" sz="1400" b="1" dirty="0">
+                <a:solidFill>
+                  <a:srgbClr val="00B0F0"/>
+                </a:solidFill>
+              </a:rPr>
+              <a:t>Effect:</a:t>
+            </a:r>
+            <a:br>
+              <a:rPr lang="en-US" sz="1400" b="1" dirty="0">
+                <a:solidFill>
+                  <a:srgbClr val="00B0F0"/>
+                </a:solidFill>
+              </a:rPr>
+            </a:br>
+            <a:r>
+              <a:rPr lang="en-US" sz="1400" b="1" dirty="0">
+                <a:solidFill>
+                  <a:srgbClr val="00B0F0"/>
+                </a:solidFill>
+              </a:rPr>
+              <a:t>A-B</a:t>
             </a:r>
           </a:p>
         </p:txBody>
@@ -10761,7 +12004,7 @@
     </p:spTree>
     <p:extLst>
       <p:ext uri="{BB962C8B-B14F-4D97-AF65-F5344CB8AC3E}">
-        <p14:creationId xmlns:p14="http://schemas.microsoft.com/office/powerpoint/2010/main" val="1798096025"/>
+        <p14:creationId xmlns:p14="http://schemas.microsoft.com/office/powerpoint/2010/main" val="2348310228"/>
       </p:ext>
     </p:extLst>
   </p:cSld>
@@ -10996,6 +12239,138 @@
 </file>
 
 <file path=ppt/slides/slide20.xml><?xml version="1.0" encoding="utf-8"?>
+<p:sld xmlns:a="http://schemas.openxmlformats.org/drawingml/2006/main" xmlns:r="http://schemas.openxmlformats.org/officeDocument/2006/relationships" xmlns:p="http://schemas.openxmlformats.org/presentationml/2006/main">
+  <p:cSld>
+    <p:spTree>
+      <p:nvGrpSpPr>
+        <p:cNvPr id="1" name=""/>
+        <p:cNvGrpSpPr/>
+        <p:nvPr/>
+      </p:nvGrpSpPr>
+      <p:grpSpPr>
+        <a:xfrm>
+          <a:off x="0" y="0"/>
+          <a:ext cx="0" cy="0"/>
+          <a:chOff x="0" y="0"/>
+          <a:chExt cx="0" cy="0"/>
+        </a:xfrm>
+      </p:grpSpPr>
+      <p:sp>
+        <p:nvSpPr>
+          <p:cNvPr id="3075" name="TextBox 3"/>
+          <p:cNvSpPr txBox="1">
+            <a:spLocks noChangeArrowheads="1"/>
+          </p:cNvSpPr>
+          <p:nvPr/>
+        </p:nvSpPr>
+        <p:spPr bwMode="auto">
+          <a:xfrm>
+            <a:off x="1600200" y="304800"/>
+            <a:ext cx="7010400" cy="646113"/>
+          </a:xfrm>
+          <a:prstGeom prst="rect">
+            <a:avLst/>
+          </a:prstGeom>
+          <a:noFill/>
+          <a:ln w="9525">
+            <a:noFill/>
+            <a:miter lim="800000"/>
+            <a:headEnd/>
+            <a:tailEnd/>
+          </a:ln>
+        </p:spPr>
+        <p:txBody>
+          <a:bodyPr>
+            <a:spAutoFit/>
+          </a:bodyPr>
+          <a:lstStyle/>
+          <a:p>
+            <a:r>
+              <a:rPr lang="en-US" sz="3600" dirty="0">
+                <a:latin typeface="Tahoma" pitchFamily="34" charset="0"/>
+              </a:rPr>
+              <a:t>Competing Hypothesis #7</a:t>
+            </a:r>
+          </a:p>
+        </p:txBody>
+      </p:sp>
+      <p:sp>
+        <p:nvSpPr>
+          <p:cNvPr id="9" name="Rectangle 8"/>
+          <p:cNvSpPr/>
+          <p:nvPr/>
+        </p:nvSpPr>
+        <p:spPr>
+          <a:xfrm>
+            <a:off x="1905000" y="1447800"/>
+            <a:ext cx="5181600" cy="3662541"/>
+          </a:xfrm>
+          <a:prstGeom prst="rect">
+            <a:avLst/>
+          </a:prstGeom>
+        </p:spPr>
+        <p:txBody>
+          <a:bodyPr wrap="square">
+            <a:spAutoFit/>
+          </a:bodyPr>
+          <a:lstStyle/>
+          <a:p>
+            <a:r>
+              <a:rPr lang="en-US" sz="2400" b="1" u="sng" dirty="0">
+                <a:latin typeface="Abadi" panose="020B0604020104020204" pitchFamily="34" charset="0"/>
+              </a:rPr>
+              <a:t>Regression to the Mean</a:t>
+            </a:r>
+            <a:endParaRPr lang="en-US" sz="2400" b="1" dirty="0">
+              <a:latin typeface="Abadi" panose="020B0604020104020204" pitchFamily="34" charset="0"/>
+            </a:endParaRPr>
+          </a:p>
+          <a:p>
+            <a:endParaRPr lang="en-US" sz="1600" dirty="0"/>
+          </a:p>
+          <a:p>
+            <a:r>
+              <a:rPr lang="en-US" sz="1600" dirty="0"/>
+              <a:t>Every time period that you observe an outcome, during the next time period the outcome naturally has a higher probability of being closer to the mean than it does of staying the same or being more extreme.  As a result, quality improvement programs for low-performing units often have a built-in improvement bias regardless of program effects.</a:t>
+            </a:r>
+          </a:p>
+          <a:p>
+            <a:endParaRPr lang="en-US" sz="1600" dirty="0"/>
+          </a:p>
+          <a:p>
+            <a:r>
+              <a:rPr lang="en-US" sz="1600" b="1" u="sng" dirty="0"/>
+              <a:t>The Fix:</a:t>
+            </a:r>
+            <a:endParaRPr lang="en-US" sz="1600" b="1" dirty="0"/>
+          </a:p>
+          <a:p>
+            <a:pPr lvl="0"/>
+            <a:endParaRPr lang="en-US" sz="1600" dirty="0"/>
+          </a:p>
+          <a:p>
+            <a:pPr lvl="0"/>
+            <a:r>
+              <a:rPr lang="en-US" sz="1600" dirty="0"/>
+              <a:t>Take care not to select a study group from the top or bottom of the distribution in a single time period (only high or low performers).</a:t>
+            </a:r>
+          </a:p>
+        </p:txBody>
+      </p:sp>
+    </p:spTree>
+    <p:extLst>
+      <p:ext uri="{BB962C8B-B14F-4D97-AF65-F5344CB8AC3E}">
+        <p14:creationId xmlns:p14="http://schemas.microsoft.com/office/powerpoint/2010/main" val="1798096025"/>
+      </p:ext>
+    </p:extLst>
+  </p:cSld>
+  <p:clrMapOvr>
+    <a:masterClrMapping/>
+  </p:clrMapOvr>
+</p:sld>
+</file>
+
+<file path=ppt/slides/slide21.xml><?xml version="1.0" encoding="utf-8"?>
 <p:sld xmlns:a="http://schemas.openxmlformats.org/drawingml/2006/main" xmlns:r="http://schemas.openxmlformats.org/officeDocument/2006/relationships" xmlns:p="http://schemas.openxmlformats.org/presentationml/2006/main">
   <p:cSld>
     <p:spTree>
@@ -11476,260 +12851,6 @@
 </p:sld>
 </file>
 
-<file path=ppt/slides/slide21.xml><?xml version="1.0" encoding="utf-8"?>
-<p:sld xmlns:a="http://schemas.openxmlformats.org/drawingml/2006/main" xmlns:r="http://schemas.openxmlformats.org/officeDocument/2006/relationships" xmlns:p="http://schemas.openxmlformats.org/presentationml/2006/main">
-  <p:cSld>
-    <p:spTree>
-      <p:nvGrpSpPr>
-        <p:cNvPr id="1" name=""/>
-        <p:cNvGrpSpPr/>
-        <p:nvPr/>
-      </p:nvGrpSpPr>
-      <p:grpSpPr>
-        <a:xfrm>
-          <a:off x="0" y="0"/>
-          <a:ext cx="0" cy="0"/>
-          <a:chOff x="0" y="0"/>
-          <a:chExt cx="0" cy="0"/>
-        </a:xfrm>
-      </p:grpSpPr>
-      <p:sp>
-        <p:nvSpPr>
-          <p:cNvPr id="2" name="Rectangle 1">
-            <a:extLst>
-              <a:ext uri="{FF2B5EF4-FFF2-40B4-BE49-F238E27FC236}">
-                <a16:creationId xmlns:a16="http://schemas.microsoft.com/office/drawing/2014/main" id="{802C01EC-059A-4EA7-B150-821AAF6911F0}"/>
-              </a:ext>
-            </a:extLst>
-          </p:cNvPr>
-          <p:cNvSpPr/>
-          <p:nvPr/>
-        </p:nvSpPr>
-        <p:spPr>
-          <a:xfrm>
-            <a:off x="762000" y="1371600"/>
-            <a:ext cx="7391400" cy="3970318"/>
-          </a:xfrm>
-          <a:prstGeom prst="rect">
-            <a:avLst/>
-          </a:prstGeom>
-        </p:spPr>
-        <p:txBody>
-          <a:bodyPr wrap="square">
-            <a:spAutoFit/>
-          </a:bodyPr>
-          <a:lstStyle/>
-          <a:p>
-            <a:r>
-              <a:rPr lang="en-US" dirty="0">
-                <a:solidFill>
-                  <a:srgbClr val="282828"/>
-                </a:solidFill>
-                <a:latin typeface="Merriweather"/>
-              </a:rPr>
-              <a:t>Weirdly enough, surgery’s invasiveness may explain some of its potency. Studies have shown that </a:t>
-            </a:r>
-            <a:r>
-              <a:rPr lang="en-US" dirty="0">
-                <a:solidFill>
-                  <a:srgbClr val="27AAE1"/>
-                </a:solidFill>
-                <a:latin typeface="Merriweather"/>
-                <a:hlinkClick r:id="rId2"/>
-              </a:rPr>
-              <a:t>invasive procedures produce a stronger placebo effect than non-invasive ones</a:t>
-            </a:r>
-            <a:r>
-              <a:rPr lang="en-US" dirty="0">
-                <a:solidFill>
-                  <a:srgbClr val="282828"/>
-                </a:solidFill>
-                <a:latin typeface="Merriweather"/>
-              </a:rPr>
-              <a:t>, said researcher </a:t>
-            </a:r>
-            <a:r>
-              <a:rPr lang="en-US" dirty="0">
-                <a:solidFill>
-                  <a:srgbClr val="27AAE1"/>
-                </a:solidFill>
-                <a:latin typeface="Merriweather"/>
-                <a:hlinkClick r:id="rId3"/>
-              </a:rPr>
-              <a:t>Jonas Bloch </a:t>
-            </a:r>
-            <a:r>
-              <a:rPr lang="en-US" dirty="0" err="1">
-                <a:solidFill>
-                  <a:srgbClr val="27AAE1"/>
-                </a:solidFill>
-                <a:latin typeface="Merriweather"/>
-                <a:hlinkClick r:id="rId3"/>
-              </a:rPr>
-              <a:t>Thorlund</a:t>
-            </a:r>
-            <a:r>
-              <a:rPr lang="en-US" dirty="0">
-                <a:solidFill>
-                  <a:srgbClr val="282828"/>
-                </a:solidFill>
-                <a:latin typeface="Merriweather"/>
-              </a:rPr>
-              <a:t> of the University of Southern Denmark. A pill can provoke a placebo effect, but an injection produces an even stronger one. Cutting into someone appears to be more powerful still.</a:t>
-            </a:r>
-          </a:p>
-          <a:p>
-            <a:endParaRPr lang="en-US" dirty="0">
-              <a:solidFill>
-                <a:srgbClr val="282828"/>
-              </a:solidFill>
-              <a:latin typeface="Merriweather"/>
-            </a:endParaRPr>
-          </a:p>
-          <a:p>
-            <a:r>
-              <a:rPr lang="en-US" dirty="0">
-                <a:solidFill>
-                  <a:srgbClr val="282828"/>
-                </a:solidFill>
-                <a:latin typeface="Merriweather"/>
-              </a:rPr>
-              <a:t>Even without a robust placebo effect, an ineffective surgery may </a:t>
-            </a:r>
-            <a:r>
-              <a:rPr lang="en-US" i="1" dirty="0">
-                <a:solidFill>
-                  <a:srgbClr val="282828"/>
-                </a:solidFill>
-                <a:latin typeface="Merriweather"/>
-              </a:rPr>
-              <a:t>seem</a:t>
-            </a:r>
-            <a:r>
-              <a:rPr lang="en-US" dirty="0">
-                <a:solidFill>
-                  <a:srgbClr val="282828"/>
-                </a:solidFill>
-                <a:latin typeface="Merriweather"/>
-              </a:rPr>
-              <a:t> helpful. Chronic pain often peaks and wanes, which means that if a patient sought treatment when the pain was at its worst, the improvement of symptoms after surgery could be the result of a condition’s natural course, rather than the treatment. That softening of symptoms from an extreme measure of pain is an example of the statistical concept of </a:t>
-            </a:r>
-            <a:r>
-              <a:rPr lang="en-US" dirty="0">
-                <a:solidFill>
-                  <a:srgbClr val="27AAE1"/>
-                </a:solidFill>
-                <a:latin typeface="Merriweather"/>
-                <a:hlinkClick r:id="rId4"/>
-              </a:rPr>
-              <a:t>regression to the mean</a:t>
-            </a:r>
-            <a:r>
-              <a:rPr lang="en-US" dirty="0">
-                <a:solidFill>
-                  <a:srgbClr val="282828"/>
-                </a:solidFill>
-                <a:latin typeface="Merriweather"/>
-              </a:rPr>
-              <a:t>.</a:t>
-            </a:r>
-            <a:endParaRPr lang="en-US" b="0" i="0" dirty="0">
-              <a:solidFill>
-                <a:srgbClr val="282828"/>
-              </a:solidFill>
-              <a:effectLst/>
-              <a:latin typeface="Merriweather"/>
-            </a:endParaRPr>
-          </a:p>
-        </p:txBody>
-      </p:sp>
-      <p:sp>
-        <p:nvSpPr>
-          <p:cNvPr id="3" name="Rectangle 2">
-            <a:extLst>
-              <a:ext uri="{FF2B5EF4-FFF2-40B4-BE49-F238E27FC236}">
-                <a16:creationId xmlns:a16="http://schemas.microsoft.com/office/drawing/2014/main" id="{7C953B00-B7AF-4406-9455-D29CB6297F77}"/>
-              </a:ext>
-            </a:extLst>
-          </p:cNvPr>
-          <p:cNvSpPr/>
-          <p:nvPr/>
-        </p:nvSpPr>
-        <p:spPr>
-          <a:xfrm>
-            <a:off x="780789" y="5867400"/>
-            <a:ext cx="7924800" cy="369332"/>
-          </a:xfrm>
-          <a:prstGeom prst="rect">
-            <a:avLst/>
-          </a:prstGeom>
-        </p:spPr>
-        <p:txBody>
-          <a:bodyPr wrap="square">
-            <a:spAutoFit/>
-          </a:bodyPr>
-          <a:lstStyle/>
-          <a:p>
-            <a:r>
-              <a:rPr lang="en-US" dirty="0"/>
-              <a:t>https://fivethirtyeight.com/features/surgery-is-one-hell-of-a-placebo</a:t>
-            </a:r>
-          </a:p>
-        </p:txBody>
-      </p:sp>
-      <p:sp>
-        <p:nvSpPr>
-          <p:cNvPr id="4" name="Rectangle 3">
-            <a:extLst>
-              <a:ext uri="{FF2B5EF4-FFF2-40B4-BE49-F238E27FC236}">
-                <a16:creationId xmlns:a16="http://schemas.microsoft.com/office/drawing/2014/main" id="{FF75EFA4-9C7C-432B-844B-7E83A677C3AB}"/>
-              </a:ext>
-            </a:extLst>
-          </p:cNvPr>
-          <p:cNvSpPr/>
-          <p:nvPr/>
-        </p:nvSpPr>
-        <p:spPr>
-          <a:xfrm>
-            <a:off x="736948" y="661452"/>
-            <a:ext cx="3796680" cy="369332"/>
-          </a:xfrm>
-          <a:prstGeom prst="rect">
-            <a:avLst/>
-          </a:prstGeom>
-        </p:spPr>
-        <p:txBody>
-          <a:bodyPr wrap="none">
-            <a:spAutoFit/>
-          </a:bodyPr>
-          <a:lstStyle/>
-          <a:p>
-            <a:r>
-              <a:rPr lang="en-US" b="1" dirty="0">
-                <a:solidFill>
-                  <a:srgbClr val="282828"/>
-                </a:solidFill>
-                <a:latin typeface="Source Sans Pro Bold"/>
-              </a:rPr>
-              <a:t>Surgery Is One Hell Of A Placebo</a:t>
-            </a:r>
-            <a:endParaRPr lang="en-US" dirty="0"/>
-          </a:p>
-        </p:txBody>
-      </p:sp>
-    </p:spTree>
-    <p:extLst>
-      <p:ext uri="{BB962C8B-B14F-4D97-AF65-F5344CB8AC3E}">
-        <p14:creationId xmlns:p14="http://schemas.microsoft.com/office/powerpoint/2010/main" val="1556163481"/>
-      </p:ext>
-    </p:extLst>
-  </p:cSld>
-  <p:clrMapOvr>
-    <a:masterClrMapping/>
-  </p:clrMapOvr>
-</p:sld>
-</file>
-
 <file path=ppt/slides/slide22.xml><?xml version="1.0" encoding="utf-8"?>
 <p:sld xmlns:a="http://schemas.openxmlformats.org/drawingml/2006/main" xmlns:r="http://schemas.openxmlformats.org/officeDocument/2006/relationships" xmlns:p="http://schemas.openxmlformats.org/presentationml/2006/main">
   <p:cSld>
@@ -11749,118 +12870,20 @@
       </p:grpSpPr>
       <p:sp>
         <p:nvSpPr>
-          <p:cNvPr id="3075" name="TextBox 3"/>
-          <p:cNvSpPr txBox="1">
-            <a:spLocks noChangeArrowheads="1"/>
-          </p:cNvSpPr>
-          <p:nvPr/>
-        </p:nvSpPr>
-        <p:spPr bwMode="auto">
-          <a:xfrm>
-            <a:off x="1600200" y="304800"/>
-            <a:ext cx="7010400" cy="646113"/>
-          </a:xfrm>
-          <a:prstGeom prst="rect">
-            <a:avLst/>
-          </a:prstGeom>
-          <a:noFill/>
-          <a:ln w="9525">
-            <a:noFill/>
-            <a:miter lim="800000"/>
-            <a:headEnd/>
-            <a:tailEnd/>
-          </a:ln>
-        </p:spPr>
-        <p:txBody>
-          <a:bodyPr>
-            <a:spAutoFit/>
-          </a:bodyPr>
-          <a:lstStyle/>
-          <a:p>
-            <a:r>
-              <a:rPr lang="en-US" sz="3600" dirty="0">
-                <a:latin typeface="Tahoma" pitchFamily="34" charset="0"/>
-              </a:rPr>
-              <a:t>Competing Hypothesis #8</a:t>
-            </a:r>
-          </a:p>
-        </p:txBody>
-      </p:sp>
-      <p:sp>
-        <p:nvSpPr>
-          <p:cNvPr id="8" name="TextBox 4"/>
-          <p:cNvSpPr txBox="1">
-            <a:spLocks noChangeArrowheads="1"/>
-          </p:cNvSpPr>
-          <p:nvPr/>
-        </p:nvSpPr>
-        <p:spPr bwMode="auto">
-          <a:xfrm>
-            <a:off x="1676400" y="1219200"/>
-            <a:ext cx="7239000" cy="1508105"/>
-          </a:xfrm>
-          <a:prstGeom prst="rect">
-            <a:avLst/>
-          </a:prstGeom>
-          <a:noFill/>
-          <a:ln w="9525">
-            <a:noFill/>
-            <a:miter lim="800000"/>
-            <a:headEnd/>
-            <a:tailEnd/>
-          </a:ln>
-        </p:spPr>
-        <p:txBody>
-          <a:bodyPr>
-            <a:spAutoFit/>
-          </a:bodyPr>
-          <a:lstStyle/>
-          <a:p>
-            <a:pPr marL="914400" lvl="1" indent="-457200">
-              <a:spcBef>
-                <a:spcPts val="1200"/>
-              </a:spcBef>
-              <a:buAutoNum type="arabicPeriod"/>
-            </a:pPr>
-            <a:endParaRPr lang="en-US" b="1" dirty="0"/>
-          </a:p>
-          <a:p>
-            <a:pPr marL="914400" lvl="1" indent="-457200">
-              <a:spcBef>
-                <a:spcPts val="1200"/>
-              </a:spcBef>
-              <a:buAutoNum type="arabicPeriod"/>
-            </a:pPr>
-            <a:endParaRPr lang="en-US" dirty="0"/>
-          </a:p>
-          <a:p>
-            <a:pPr marL="914400" lvl="1" indent="-457200">
-              <a:spcBef>
-                <a:spcPts val="1200"/>
-              </a:spcBef>
-              <a:buAutoNum type="arabicPeriod"/>
-            </a:pPr>
-            <a:endParaRPr lang="en-US" b="1" dirty="0"/>
-          </a:p>
-          <a:p>
-            <a:pPr marL="914400" lvl="1" indent="-457200">
-              <a:buFont typeface="Tahoma" pitchFamily="34" charset="0"/>
-              <a:buAutoNum type="arabicPeriod"/>
-            </a:pPr>
-            <a:endParaRPr lang="en-US" dirty="0"/>
-          </a:p>
-        </p:txBody>
-      </p:sp>
-      <p:sp>
-        <p:nvSpPr>
-          <p:cNvPr id="9" name="Rectangle 8"/>
+          <p:cNvPr id="2" name="Rectangle 1">
+            <a:extLst>
+              <a:ext uri="{FF2B5EF4-FFF2-40B4-BE49-F238E27FC236}">
+                <a16:creationId xmlns:a16="http://schemas.microsoft.com/office/drawing/2014/main" id="{802C01EC-059A-4EA7-B150-821AAF6911F0}"/>
+              </a:ext>
+            </a:extLst>
+          </p:cNvPr>
           <p:cNvSpPr/>
           <p:nvPr/>
         </p:nvSpPr>
         <p:spPr>
           <a:xfrm>
-            <a:off x="1905000" y="1600200"/>
-            <a:ext cx="5181600" cy="2431435"/>
+            <a:off x="762000" y="1371600"/>
+            <a:ext cx="7391400" cy="3970318"/>
           </a:xfrm>
           <a:prstGeom prst="rect">
             <a:avLst/>
@@ -11873,59 +12896,206 @@
           <a:lstStyle/>
           <a:p>
             <a:r>
-              <a:rPr lang="en-US" sz="2400" b="1" u="sng" dirty="0">
-                <a:latin typeface="Abadi" panose="020B0604020104020204" pitchFamily="34" charset="0"/>
+              <a:rPr lang="en-US" dirty="0">
+                <a:solidFill>
+                  <a:srgbClr val="282828"/>
+                </a:solidFill>
+                <a:latin typeface="Merriweather"/>
               </a:rPr>
-              <a:t>Measurement Error</a:t>
-            </a:r>
-            <a:endParaRPr lang="en-US" sz="2400" b="1" dirty="0">
-              <a:latin typeface="Abadi" panose="020B0604020104020204" pitchFamily="34" charset="0"/>
+              <a:t>Weirdly enough, surgery’s invasiveness may explain some of its potency. Studies have shown that </a:t>
+            </a:r>
+            <a:r>
+              <a:rPr lang="en-US" dirty="0">
+                <a:solidFill>
+                  <a:srgbClr val="27AAE1"/>
+                </a:solidFill>
+                <a:latin typeface="Merriweather"/>
+                <a:hlinkClick r:id="rId2"/>
+              </a:rPr>
+              <a:t>invasive procedures produce a stronger placebo effect than non-invasive ones</a:t>
+            </a:r>
+            <a:r>
+              <a:rPr lang="en-US" dirty="0">
+                <a:solidFill>
+                  <a:srgbClr val="282828"/>
+                </a:solidFill>
+                <a:latin typeface="Merriweather"/>
+              </a:rPr>
+              <a:t>, said researcher </a:t>
+            </a:r>
+            <a:r>
+              <a:rPr lang="en-US" dirty="0">
+                <a:solidFill>
+                  <a:srgbClr val="27AAE1"/>
+                </a:solidFill>
+                <a:latin typeface="Merriweather"/>
+                <a:hlinkClick r:id="rId3"/>
+              </a:rPr>
+              <a:t>Jonas Bloch </a:t>
+            </a:r>
+            <a:r>
+              <a:rPr lang="en-US" dirty="0" err="1">
+                <a:solidFill>
+                  <a:srgbClr val="27AAE1"/>
+                </a:solidFill>
+                <a:latin typeface="Merriweather"/>
+                <a:hlinkClick r:id="rId3"/>
+              </a:rPr>
+              <a:t>Thorlund</a:t>
+            </a:r>
+            <a:r>
+              <a:rPr lang="en-US" dirty="0">
+                <a:solidFill>
+                  <a:srgbClr val="282828"/>
+                </a:solidFill>
+                <a:latin typeface="Merriweather"/>
+              </a:rPr>
+              <a:t> of the University of Southern Denmark. A pill can provoke a placebo effect, but an injection produces an even stronger one. Cutting into someone appears to be more powerful still.</a:t>
+            </a:r>
+          </a:p>
+          <a:p>
+            <a:endParaRPr lang="en-US" dirty="0">
+              <a:solidFill>
+                <a:srgbClr val="282828"/>
+              </a:solidFill>
+              <a:latin typeface="Merriweather"/>
             </a:endParaRPr>
           </a:p>
           <a:p>
-            <a:endParaRPr lang="en-US" sz="1600" dirty="0"/>
-          </a:p>
-          <a:p>
-            <a:r>
-              <a:rPr lang="en-US" sz="1600" dirty="0"/>
-              <a:t>If there is significant measurement error in the </a:t>
-            </a:r>
-            <a:r>
-              <a:rPr lang="en-US" sz="1600" u="sng" dirty="0"/>
-              <a:t>dependent</a:t>
-            </a:r>
-            <a:r>
-              <a:rPr lang="en-US" sz="1600" dirty="0"/>
-              <a:t> variables, it will bias the effects towards zero and make programs look less effective.</a:t>
-            </a:r>
-          </a:p>
-          <a:p>
-            <a:endParaRPr lang="en-US" sz="1600" dirty="0"/>
-          </a:p>
-          <a:p>
-            <a:r>
-              <a:rPr lang="en-US" sz="1600" b="1" u="sng" dirty="0"/>
-              <a:t>The Fix:</a:t>
-            </a:r>
-            <a:endParaRPr lang="en-US" sz="1600" b="1" dirty="0"/>
-          </a:p>
-          <a:p>
-            <a:pPr lvl="0"/>
-            <a:endParaRPr lang="en-US" sz="1600" dirty="0"/>
-          </a:p>
-          <a:p>
-            <a:pPr lvl="0"/>
-            <a:r>
-              <a:rPr lang="en-US" sz="1600" dirty="0"/>
-              <a:t>Use better measures of dependent variables. </a:t>
-            </a:r>
+            <a:r>
+              <a:rPr lang="en-US" dirty="0">
+                <a:solidFill>
+                  <a:srgbClr val="282828"/>
+                </a:solidFill>
+                <a:latin typeface="Merriweather"/>
+              </a:rPr>
+              <a:t>Even without a robust placebo effect, an ineffective surgery may </a:t>
+            </a:r>
+            <a:r>
+              <a:rPr lang="en-US" i="1" dirty="0">
+                <a:solidFill>
+                  <a:srgbClr val="282828"/>
+                </a:solidFill>
+                <a:latin typeface="Merriweather"/>
+              </a:rPr>
+              <a:t>seem</a:t>
+            </a:r>
+            <a:r>
+              <a:rPr lang="en-US" dirty="0">
+                <a:solidFill>
+                  <a:srgbClr val="282828"/>
+                </a:solidFill>
+                <a:latin typeface="Merriweather"/>
+              </a:rPr>
+              <a:t> helpful. Chronic pain often peaks and wanes, which means that if a patient sought treatment when the pain was at its worst, the improvement of symptoms after surgery could be the result of a condition’s natural course, rather than the treatment. That softening of symptoms from an extreme measure of pain is an example of the statistical concept of </a:t>
+            </a:r>
+            <a:r>
+              <a:rPr lang="en-US" dirty="0">
+                <a:solidFill>
+                  <a:srgbClr val="27AAE1"/>
+                </a:solidFill>
+                <a:latin typeface="Merriweather"/>
+                <a:hlinkClick r:id="rId4"/>
+              </a:rPr>
+              <a:t>regression to the mean</a:t>
+            </a:r>
+            <a:r>
+              <a:rPr lang="en-US" dirty="0">
+                <a:solidFill>
+                  <a:srgbClr val="282828"/>
+                </a:solidFill>
+                <a:latin typeface="Merriweather"/>
+              </a:rPr>
+              <a:t>.</a:t>
+            </a:r>
+            <a:endParaRPr lang="en-US" b="0" i="0" dirty="0">
+              <a:solidFill>
+                <a:srgbClr val="282828"/>
+              </a:solidFill>
+              <a:effectLst/>
+              <a:latin typeface="Merriweather"/>
+            </a:endParaRPr>
+          </a:p>
+        </p:txBody>
+      </p:sp>
+      <p:sp>
+        <p:nvSpPr>
+          <p:cNvPr id="3" name="Rectangle 2">
+            <a:extLst>
+              <a:ext uri="{FF2B5EF4-FFF2-40B4-BE49-F238E27FC236}">
+                <a16:creationId xmlns:a16="http://schemas.microsoft.com/office/drawing/2014/main" id="{7C953B00-B7AF-4406-9455-D29CB6297F77}"/>
+              </a:ext>
+            </a:extLst>
+          </p:cNvPr>
+          <p:cNvSpPr/>
+          <p:nvPr/>
+        </p:nvSpPr>
+        <p:spPr>
+          <a:xfrm>
+            <a:off x="780789" y="5867400"/>
+            <a:ext cx="7924800" cy="369332"/>
+          </a:xfrm>
+          <a:prstGeom prst="rect">
+            <a:avLst/>
+          </a:prstGeom>
+        </p:spPr>
+        <p:txBody>
+          <a:bodyPr wrap="square">
+            <a:spAutoFit/>
+          </a:bodyPr>
+          <a:lstStyle/>
+          <a:p>
+            <a:r>
+              <a:rPr lang="en-US" dirty="0"/>
+              <a:t>https://fivethirtyeight.com/features/surgery-is-one-hell-of-a-placebo</a:t>
+            </a:r>
+          </a:p>
+        </p:txBody>
+      </p:sp>
+      <p:sp>
+        <p:nvSpPr>
+          <p:cNvPr id="4" name="Rectangle 3">
+            <a:extLst>
+              <a:ext uri="{FF2B5EF4-FFF2-40B4-BE49-F238E27FC236}">
+                <a16:creationId xmlns:a16="http://schemas.microsoft.com/office/drawing/2014/main" id="{FF75EFA4-9C7C-432B-844B-7E83A677C3AB}"/>
+              </a:ext>
+            </a:extLst>
+          </p:cNvPr>
+          <p:cNvSpPr/>
+          <p:nvPr/>
+        </p:nvSpPr>
+        <p:spPr>
+          <a:xfrm>
+            <a:off x="736948" y="661452"/>
+            <a:ext cx="3796680" cy="369332"/>
+          </a:xfrm>
+          <a:prstGeom prst="rect">
+            <a:avLst/>
+          </a:prstGeom>
+        </p:spPr>
+        <p:txBody>
+          <a:bodyPr wrap="none">
+            <a:spAutoFit/>
+          </a:bodyPr>
+          <a:lstStyle/>
+          <a:p>
+            <a:r>
+              <a:rPr lang="en-US" b="1" dirty="0">
+                <a:solidFill>
+                  <a:srgbClr val="282828"/>
+                </a:solidFill>
+                <a:latin typeface="Source Sans Pro Bold"/>
+              </a:rPr>
+              <a:t>Surgery Is One Hell Of A Placebo</a:t>
+            </a:r>
+            <a:endParaRPr lang="en-US" dirty="0"/>
           </a:p>
         </p:txBody>
       </p:sp>
     </p:spTree>
     <p:extLst>
       <p:ext uri="{BB962C8B-B14F-4D97-AF65-F5344CB8AC3E}">
-        <p14:creationId xmlns:p14="http://schemas.microsoft.com/office/powerpoint/2010/main" val="4066517351"/>
+        <p14:creationId xmlns:p14="http://schemas.microsoft.com/office/powerpoint/2010/main" val="1556163481"/>
       </p:ext>
     </p:extLst>
   </p:cSld>
@@ -11986,7 +13156,7 @@
               <a:rPr lang="en-US" sz="3600" dirty="0">
                 <a:latin typeface="Tahoma" pitchFamily="34" charset="0"/>
               </a:rPr>
-              <a:t>Competing Hypothesis #9</a:t>
+              <a:t>Competing Hypothesis #8</a:t>
             </a:r>
           </a:p>
         </p:txBody>
@@ -12065,7 +13235,7 @@
         <p:spPr>
           <a:xfrm>
             <a:off x="1905000" y="1600200"/>
-            <a:ext cx="5181600" cy="4154984"/>
+            <a:ext cx="5181600" cy="2431435"/>
           </a:xfrm>
           <a:prstGeom prst="rect">
             <a:avLst/>
@@ -12081,7 +13251,7 @@
               <a:rPr lang="en-US" sz="2400" b="1" u="sng" dirty="0">
                 <a:latin typeface="Abadi" panose="020B0604020104020204" pitchFamily="34" charset="0"/>
               </a:rPr>
-              <a:t>Study Time-Frame</a:t>
+              <a:t>Measurement Error</a:t>
             </a:r>
             <a:endParaRPr lang="en-US" sz="2400" b="1" dirty="0">
               <a:latin typeface="Abadi" panose="020B0604020104020204" pitchFamily="34" charset="0"/>
@@ -12093,7 +13263,15 @@
           <a:p>
             <a:r>
               <a:rPr lang="en-US" sz="1600" dirty="0"/>
-              <a:t>If the study is not long enough it make look like the program had no impact when in fact it did.  If the study is too long then attrition becomes a problem. </a:t>
+              <a:t>If there is significant measurement error in the </a:t>
+            </a:r>
+            <a:r>
+              <a:rPr lang="en-US" sz="1600" u="sng" dirty="0"/>
+              <a:t>dependent</a:t>
+            </a:r>
+            <a:r>
+              <a:rPr lang="en-US" sz="1600" dirty="0"/>
+              <a:t> variables, it will bias the effects towards zero and make programs look less effective.</a:t>
             </a:r>
           </a:p>
           <a:p>
@@ -12114,54 +13292,15 @@
             <a:pPr lvl="0"/>
             <a:r>
               <a:rPr lang="en-US" sz="1600" dirty="0"/>
-              <a:t>Use prior knowledge or research from the study domain to pick an appropriate study period.</a:t>
-            </a:r>
-          </a:p>
-          <a:p>
-            <a:pPr lvl="0"/>
-            <a:endParaRPr lang="en-US" sz="1600" dirty="0"/>
-          </a:p>
-          <a:p>
-            <a:pPr lvl="0"/>
-            <a:r>
-              <a:rPr lang="en-US" sz="1600" b="1" u="sng" dirty="0"/>
-              <a:t>Examples:</a:t>
-            </a:r>
-          </a:p>
-          <a:p>
-            <a:pPr lvl="0"/>
-            <a:endParaRPr lang="en-US" sz="1600" dirty="0"/>
-          </a:p>
-          <a:p>
-            <a:pPr marL="285750" lvl="0" indent="-285750">
-              <a:buFont typeface="Arial" pitchFamily="34" charset="0"/>
-              <a:buChar char="•"/>
-            </a:pPr>
-            <a:r>
-              <a:rPr lang="en-US" sz="1600" dirty="0"/>
-              <a:t>Michigan Affirmative Action Study</a:t>
-            </a:r>
-          </a:p>
-          <a:p>
-            <a:pPr marL="285750" indent="-285750">
-              <a:buFont typeface="Arial" pitchFamily="34" charset="0"/>
-              <a:buChar char="•"/>
-            </a:pPr>
-            <a:r>
-              <a:rPr lang="en-US" sz="1600" dirty="0"/>
-              <a:t>Iowa liquor law change</a:t>
-            </a:r>
-          </a:p>
-          <a:p>
-            <a:pPr lvl="0"/>
-            <a:endParaRPr lang="en-US" sz="1600" dirty="0"/>
+              <a:t>Use better measures of dependent variables. </a:t>
+            </a:r>
           </a:p>
         </p:txBody>
       </p:sp>
     </p:spTree>
     <p:extLst>
       <p:ext uri="{BB962C8B-B14F-4D97-AF65-F5344CB8AC3E}">
-        <p14:creationId xmlns:p14="http://schemas.microsoft.com/office/powerpoint/2010/main" val="3738942480"/>
+        <p14:creationId xmlns:p14="http://schemas.microsoft.com/office/powerpoint/2010/main" val="4066517351"/>
       </p:ext>
     </p:extLst>
   </p:cSld>
@@ -12188,25 +13327,18 @@
           <a:chExt cx="0" cy="0"/>
         </a:xfrm>
       </p:grpSpPr>
-      <p:pic>
-        <p:nvPicPr>
-          <p:cNvPr id="2" name="Picture 2"/>
-          <p:cNvPicPr>
-            <a:picLocks noChangeAspect="1" noChangeArrowheads="1"/>
-          </p:cNvPicPr>
-          <p:nvPr/>
-        </p:nvPicPr>
-        <p:blipFill>
-          <a:blip r:embed="rId2" cstate="print"/>
-          <a:srcRect/>
-          <a:stretch>
-            <a:fillRect/>
-          </a:stretch>
-        </p:blipFill>
+      <p:sp>
+        <p:nvSpPr>
+          <p:cNvPr id="3075" name="TextBox 3"/>
+          <p:cNvSpPr txBox="1">
+            <a:spLocks noChangeArrowheads="1"/>
+          </p:cNvSpPr>
+          <p:nvPr/>
+        </p:nvSpPr>
         <p:spPr bwMode="auto">
-          <a:xfrm rot="60000">
-            <a:off x="112490" y="870559"/>
-            <a:ext cx="8162402" cy="5086064"/>
+          <a:xfrm>
+            <a:off x="1600200" y="304800"/>
+            <a:ext cx="7010400" cy="646113"/>
           </a:xfrm>
           <a:prstGeom prst="rect">
             <a:avLst/>
@@ -12219,173 +13351,192 @@
             <a:tailEnd/>
           </a:ln>
         </p:spPr>
-      </p:pic>
-      <p:sp>
-        <p:nvSpPr>
-          <p:cNvPr id="7" name="TextBox 6">
-            <a:extLst>
-              <a:ext uri="{FF2B5EF4-FFF2-40B4-BE49-F238E27FC236}">
-                <a16:creationId xmlns:a16="http://schemas.microsoft.com/office/drawing/2014/main" id="{58152DF8-217A-435E-B61C-1135CCCAB639}"/>
-              </a:ext>
-            </a:extLst>
-          </p:cNvPr>
-          <p:cNvSpPr txBox="1"/>
-          <p:nvPr/>
-        </p:nvSpPr>
-        <p:spPr>
-          <a:xfrm>
-            <a:off x="762000" y="269315"/>
-            <a:ext cx="7287380" cy="369332"/>
-          </a:xfrm>
-          <a:prstGeom prst="rect">
-            <a:avLst/>
-          </a:prstGeom>
-          <a:noFill/>
-        </p:spPr>
-        <p:txBody>
-          <a:bodyPr wrap="none" rtlCol="0">
+        <p:txBody>
+          <a:bodyPr>
             <a:spAutoFit/>
           </a:bodyPr>
           <a:lstStyle/>
           <a:p>
             <a:r>
-              <a:rPr lang="en-US" dirty="0">
-                <a:solidFill>
-                  <a:srgbClr val="0070C0"/>
-                </a:solidFill>
+              <a:rPr lang="en-US" sz="3600" dirty="0">
+                <a:latin typeface="Tahoma" pitchFamily="34" charset="0"/>
               </a:rPr>
-              <a:t>Time frame: one-year post policy change: conclusion is POLICY CHANGE BAD</a:t>
-            </a:r>
-          </a:p>
-        </p:txBody>
-      </p:sp>
-      <p:cxnSp>
-        <p:nvCxnSpPr>
-          <p:cNvPr id="9" name="Straight Connector 8">
-            <a:extLst>
-              <a:ext uri="{FF2B5EF4-FFF2-40B4-BE49-F238E27FC236}">
-                <a16:creationId xmlns:a16="http://schemas.microsoft.com/office/drawing/2014/main" id="{264E242A-57BC-4D49-A0C3-D877DCB5BB57}"/>
-              </a:ext>
-            </a:extLst>
-          </p:cNvPr>
-          <p:cNvCxnSpPr/>
-          <p:nvPr/>
-        </p:nvCxnSpPr>
-        <p:spPr>
-          <a:xfrm>
-            <a:off x="3429000" y="2895600"/>
-            <a:ext cx="685800" cy="0"/>
-          </a:xfrm>
-          <a:prstGeom prst="line">
-            <a:avLst/>
-          </a:prstGeom>
-          <a:ln w="41275"/>
-        </p:spPr>
-        <p:style>
-          <a:lnRef idx="1">
-            <a:schemeClr val="accent1"/>
-          </a:lnRef>
-          <a:fillRef idx="0">
-            <a:schemeClr val="accent1"/>
-          </a:fillRef>
-          <a:effectRef idx="0">
-            <a:schemeClr val="accent1"/>
-          </a:effectRef>
-          <a:fontRef idx="minor">
-            <a:schemeClr val="tx1"/>
-          </a:fontRef>
-        </p:style>
-      </p:cxnSp>
-      <p:cxnSp>
-        <p:nvCxnSpPr>
-          <p:cNvPr id="10" name="Straight Connector 9">
-            <a:extLst>
-              <a:ext uri="{FF2B5EF4-FFF2-40B4-BE49-F238E27FC236}">
-                <a16:creationId xmlns:a16="http://schemas.microsoft.com/office/drawing/2014/main" id="{0C0590A3-86D5-4E15-97E5-C6C8E4F3A246}"/>
-              </a:ext>
-            </a:extLst>
-          </p:cNvPr>
-          <p:cNvCxnSpPr/>
-          <p:nvPr/>
-        </p:nvCxnSpPr>
-        <p:spPr>
-          <a:xfrm>
-            <a:off x="4343400" y="2590800"/>
-            <a:ext cx="685800" cy="0"/>
-          </a:xfrm>
-          <a:prstGeom prst="line">
-            <a:avLst/>
-          </a:prstGeom>
-          <a:ln w="41275"/>
-        </p:spPr>
-        <p:style>
-          <a:lnRef idx="1">
-            <a:schemeClr val="accent1"/>
-          </a:lnRef>
-          <a:fillRef idx="0">
-            <a:schemeClr val="accent1"/>
-          </a:fillRef>
-          <a:effectRef idx="0">
-            <a:schemeClr val="accent1"/>
-          </a:effectRef>
-          <a:fontRef idx="minor">
-            <a:schemeClr val="tx1"/>
-          </a:fontRef>
-        </p:style>
-      </p:cxnSp>
-      <p:sp>
-        <p:nvSpPr>
-          <p:cNvPr id="11" name="TextBox 10">
-            <a:extLst>
-              <a:ext uri="{FF2B5EF4-FFF2-40B4-BE49-F238E27FC236}">
-                <a16:creationId xmlns:a16="http://schemas.microsoft.com/office/drawing/2014/main" id="{116FE24C-939C-4B6F-9068-B4EE6DFB3FF1}"/>
-              </a:ext>
-            </a:extLst>
-          </p:cNvPr>
-          <p:cNvSpPr txBox="1"/>
-          <p:nvPr/>
-        </p:nvSpPr>
-        <p:spPr>
-          <a:xfrm>
-            <a:off x="4206268" y="3121203"/>
-            <a:ext cx="1763175" cy="584775"/>
+              <a:t>Competing Hypothesis #9</a:t>
+            </a:r>
+          </a:p>
+        </p:txBody>
+      </p:sp>
+      <p:sp>
+        <p:nvSpPr>
+          <p:cNvPr id="8" name="TextBox 4"/>
+          <p:cNvSpPr txBox="1">
+            <a:spLocks noChangeArrowheads="1"/>
+          </p:cNvSpPr>
+          <p:nvPr/>
+        </p:nvSpPr>
+        <p:spPr bwMode="auto">
+          <a:xfrm>
+            <a:off x="1676400" y="1219200"/>
+            <a:ext cx="7239000" cy="1508105"/>
           </a:xfrm>
           <a:prstGeom prst="rect">
             <a:avLst/>
           </a:prstGeom>
           <a:noFill/>
-        </p:spPr>
-        <p:txBody>
-          <a:bodyPr wrap="none" rtlCol="0">
+          <a:ln w="9525">
+            <a:noFill/>
+            <a:miter lim="800000"/>
+            <a:headEnd/>
+            <a:tailEnd/>
+          </a:ln>
+        </p:spPr>
+        <p:txBody>
+          <a:bodyPr>
             <a:spAutoFit/>
           </a:bodyPr>
           <a:lstStyle/>
           <a:p>
-            <a:r>
-              <a:rPr lang="en-US" sz="1600" dirty="0">
-                <a:solidFill>
-                  <a:srgbClr val="0070C0"/>
-                </a:solidFill>
+            <a:pPr marL="914400" lvl="1" indent="-457200">
+              <a:spcBef>
+                <a:spcPts val="1200"/>
+              </a:spcBef>
+              <a:buAutoNum type="arabicPeriod"/>
+            </a:pPr>
+            <a:endParaRPr lang="en-US" b="1" dirty="0"/>
+          </a:p>
+          <a:p>
+            <a:pPr marL="914400" lvl="1" indent="-457200">
+              <a:spcBef>
+                <a:spcPts val="1200"/>
+              </a:spcBef>
+              <a:buAutoNum type="arabicPeriod"/>
+            </a:pPr>
+            <a:endParaRPr lang="en-US" dirty="0"/>
+          </a:p>
+          <a:p>
+            <a:pPr marL="914400" lvl="1" indent="-457200">
+              <a:spcBef>
+                <a:spcPts val="1200"/>
+              </a:spcBef>
+              <a:buAutoNum type="arabicPeriod"/>
+            </a:pPr>
+            <a:endParaRPr lang="en-US" b="1" dirty="0"/>
+          </a:p>
+          <a:p>
+            <a:pPr marL="914400" lvl="1" indent="-457200">
+              <a:buFont typeface="Tahoma" pitchFamily="34" charset="0"/>
+              <a:buAutoNum type="arabicPeriod"/>
+            </a:pPr>
+            <a:endParaRPr lang="en-US" dirty="0"/>
+          </a:p>
+        </p:txBody>
+      </p:sp>
+      <p:sp>
+        <p:nvSpPr>
+          <p:cNvPr id="9" name="Rectangle 8"/>
+          <p:cNvSpPr/>
+          <p:nvPr/>
+        </p:nvSpPr>
+        <p:spPr>
+          <a:xfrm>
+            <a:off x="1905000" y="1600200"/>
+            <a:ext cx="5181600" cy="4154984"/>
+          </a:xfrm>
+          <a:prstGeom prst="rect">
+            <a:avLst/>
+          </a:prstGeom>
+        </p:spPr>
+        <p:txBody>
+          <a:bodyPr wrap="square">
+            <a:spAutoFit/>
+          </a:bodyPr>
+          <a:lstStyle/>
+          <a:p>
+            <a:r>
+              <a:rPr lang="en-US" sz="2400" b="1" u="sng" dirty="0">
+                <a:latin typeface="Abadi" panose="020B0604020104020204" pitchFamily="34" charset="0"/>
               </a:rPr>
-              <a:t>Significant jump in </a:t>
-            </a:r>
-          </a:p>
-          <a:p>
-            <a:r>
-              <a:rPr lang="en-US" sz="1600" dirty="0">
-                <a:solidFill>
-                  <a:srgbClr val="0070C0"/>
-                </a:solidFill>
-              </a:rPr>
-              <a:t>consumption!</a:t>
-            </a:r>
+              <a:t>Study Time-Frame</a:t>
+            </a:r>
+            <a:endParaRPr lang="en-US" sz="2400" b="1" dirty="0">
+              <a:latin typeface="Abadi" panose="020B0604020104020204" pitchFamily="34" charset="0"/>
+            </a:endParaRPr>
+          </a:p>
+          <a:p>
+            <a:endParaRPr lang="en-US" sz="1600" dirty="0"/>
+          </a:p>
+          <a:p>
+            <a:r>
+              <a:rPr lang="en-US" sz="1600" dirty="0"/>
+              <a:t>If the study is not long enough it make look like the program had no impact when in fact it did.  If the study is too long then attrition becomes a problem. </a:t>
+            </a:r>
+          </a:p>
+          <a:p>
+            <a:endParaRPr lang="en-US" sz="1600" dirty="0"/>
+          </a:p>
+          <a:p>
+            <a:r>
+              <a:rPr lang="en-US" sz="1600" b="1" u="sng" dirty="0"/>
+              <a:t>The Fix:</a:t>
+            </a:r>
+            <a:endParaRPr lang="en-US" sz="1600" b="1" dirty="0"/>
+          </a:p>
+          <a:p>
+            <a:pPr lvl="0"/>
+            <a:endParaRPr lang="en-US" sz="1600" dirty="0"/>
+          </a:p>
+          <a:p>
+            <a:pPr lvl="0"/>
+            <a:r>
+              <a:rPr lang="en-US" sz="1600" dirty="0"/>
+              <a:t>Use prior knowledge or research from the study domain to pick an appropriate study period.</a:t>
+            </a:r>
+          </a:p>
+          <a:p>
+            <a:pPr lvl="0"/>
+            <a:endParaRPr lang="en-US" sz="1600" dirty="0"/>
+          </a:p>
+          <a:p>
+            <a:pPr lvl="0"/>
+            <a:r>
+              <a:rPr lang="en-US" sz="1600" b="1" u="sng" dirty="0"/>
+              <a:t>Examples:</a:t>
+            </a:r>
+          </a:p>
+          <a:p>
+            <a:pPr lvl="0"/>
+            <a:endParaRPr lang="en-US" sz="1600" dirty="0"/>
+          </a:p>
+          <a:p>
+            <a:pPr marL="285750" lvl="0" indent="-285750">
+              <a:buFont typeface="Arial" pitchFamily="34" charset="0"/>
+              <a:buChar char="•"/>
+            </a:pPr>
+            <a:r>
+              <a:rPr lang="en-US" sz="1600" dirty="0"/>
+              <a:t>Michigan Affirmative Action Study</a:t>
+            </a:r>
+          </a:p>
+          <a:p>
+            <a:pPr marL="285750" indent="-285750">
+              <a:buFont typeface="Arial" pitchFamily="34" charset="0"/>
+              <a:buChar char="•"/>
+            </a:pPr>
+            <a:r>
+              <a:rPr lang="en-US" sz="1600" dirty="0"/>
+              <a:t>Iowa liquor law change</a:t>
+            </a:r>
+          </a:p>
+          <a:p>
+            <a:pPr lvl="0"/>
+            <a:endParaRPr lang="en-US" sz="1600" dirty="0"/>
           </a:p>
         </p:txBody>
       </p:sp>
     </p:spTree>
     <p:extLst>
       <p:ext uri="{BB962C8B-B14F-4D97-AF65-F5344CB8AC3E}">
-        <p14:creationId xmlns:p14="http://schemas.microsoft.com/office/powerpoint/2010/main" val="775821348"/>
+        <p14:creationId xmlns:p14="http://schemas.microsoft.com/office/powerpoint/2010/main" val="3738942480"/>
       </p:ext>
     </p:extLst>
   </p:cSld>
@@ -12446,6 +13597,230 @@
       </p:pic>
       <p:sp>
         <p:nvSpPr>
+          <p:cNvPr id="7" name="TextBox 6">
+            <a:extLst>
+              <a:ext uri="{FF2B5EF4-FFF2-40B4-BE49-F238E27FC236}">
+                <a16:creationId xmlns:a16="http://schemas.microsoft.com/office/drawing/2014/main" id="{58152DF8-217A-435E-B61C-1135CCCAB639}"/>
+              </a:ext>
+            </a:extLst>
+          </p:cNvPr>
+          <p:cNvSpPr txBox="1"/>
+          <p:nvPr/>
+        </p:nvSpPr>
+        <p:spPr>
+          <a:xfrm>
+            <a:off x="762000" y="269315"/>
+            <a:ext cx="7287380" cy="369332"/>
+          </a:xfrm>
+          <a:prstGeom prst="rect">
+            <a:avLst/>
+          </a:prstGeom>
+          <a:noFill/>
+        </p:spPr>
+        <p:txBody>
+          <a:bodyPr wrap="none" rtlCol="0">
+            <a:spAutoFit/>
+          </a:bodyPr>
+          <a:lstStyle/>
+          <a:p>
+            <a:r>
+              <a:rPr lang="en-US" dirty="0">
+                <a:solidFill>
+                  <a:srgbClr val="0070C0"/>
+                </a:solidFill>
+              </a:rPr>
+              <a:t>Time frame: one-year post policy change: conclusion is POLICY CHANGE BAD</a:t>
+            </a:r>
+          </a:p>
+        </p:txBody>
+      </p:sp>
+      <p:cxnSp>
+        <p:nvCxnSpPr>
+          <p:cNvPr id="9" name="Straight Connector 8">
+            <a:extLst>
+              <a:ext uri="{FF2B5EF4-FFF2-40B4-BE49-F238E27FC236}">
+                <a16:creationId xmlns:a16="http://schemas.microsoft.com/office/drawing/2014/main" id="{264E242A-57BC-4D49-A0C3-D877DCB5BB57}"/>
+              </a:ext>
+            </a:extLst>
+          </p:cNvPr>
+          <p:cNvCxnSpPr/>
+          <p:nvPr/>
+        </p:nvCxnSpPr>
+        <p:spPr>
+          <a:xfrm>
+            <a:off x="3429000" y="2895600"/>
+            <a:ext cx="685800" cy="0"/>
+          </a:xfrm>
+          <a:prstGeom prst="line">
+            <a:avLst/>
+          </a:prstGeom>
+          <a:ln w="41275"/>
+        </p:spPr>
+        <p:style>
+          <a:lnRef idx="1">
+            <a:schemeClr val="accent1"/>
+          </a:lnRef>
+          <a:fillRef idx="0">
+            <a:schemeClr val="accent1"/>
+          </a:fillRef>
+          <a:effectRef idx="0">
+            <a:schemeClr val="accent1"/>
+          </a:effectRef>
+          <a:fontRef idx="minor">
+            <a:schemeClr val="tx1"/>
+          </a:fontRef>
+        </p:style>
+      </p:cxnSp>
+      <p:cxnSp>
+        <p:nvCxnSpPr>
+          <p:cNvPr id="10" name="Straight Connector 9">
+            <a:extLst>
+              <a:ext uri="{FF2B5EF4-FFF2-40B4-BE49-F238E27FC236}">
+                <a16:creationId xmlns:a16="http://schemas.microsoft.com/office/drawing/2014/main" id="{0C0590A3-86D5-4E15-97E5-C6C8E4F3A246}"/>
+              </a:ext>
+            </a:extLst>
+          </p:cNvPr>
+          <p:cNvCxnSpPr/>
+          <p:nvPr/>
+        </p:nvCxnSpPr>
+        <p:spPr>
+          <a:xfrm>
+            <a:off x="4343400" y="2590800"/>
+            <a:ext cx="685800" cy="0"/>
+          </a:xfrm>
+          <a:prstGeom prst="line">
+            <a:avLst/>
+          </a:prstGeom>
+          <a:ln w="41275"/>
+        </p:spPr>
+        <p:style>
+          <a:lnRef idx="1">
+            <a:schemeClr val="accent1"/>
+          </a:lnRef>
+          <a:fillRef idx="0">
+            <a:schemeClr val="accent1"/>
+          </a:fillRef>
+          <a:effectRef idx="0">
+            <a:schemeClr val="accent1"/>
+          </a:effectRef>
+          <a:fontRef idx="minor">
+            <a:schemeClr val="tx1"/>
+          </a:fontRef>
+        </p:style>
+      </p:cxnSp>
+      <p:sp>
+        <p:nvSpPr>
+          <p:cNvPr id="11" name="TextBox 10">
+            <a:extLst>
+              <a:ext uri="{FF2B5EF4-FFF2-40B4-BE49-F238E27FC236}">
+                <a16:creationId xmlns:a16="http://schemas.microsoft.com/office/drawing/2014/main" id="{116FE24C-939C-4B6F-9068-B4EE6DFB3FF1}"/>
+              </a:ext>
+            </a:extLst>
+          </p:cNvPr>
+          <p:cNvSpPr txBox="1"/>
+          <p:nvPr/>
+        </p:nvSpPr>
+        <p:spPr>
+          <a:xfrm>
+            <a:off x="4206268" y="3121203"/>
+            <a:ext cx="1763175" cy="584775"/>
+          </a:xfrm>
+          <a:prstGeom prst="rect">
+            <a:avLst/>
+          </a:prstGeom>
+          <a:noFill/>
+        </p:spPr>
+        <p:txBody>
+          <a:bodyPr wrap="none" rtlCol="0">
+            <a:spAutoFit/>
+          </a:bodyPr>
+          <a:lstStyle/>
+          <a:p>
+            <a:r>
+              <a:rPr lang="en-US" sz="1600" dirty="0">
+                <a:solidFill>
+                  <a:srgbClr val="0070C0"/>
+                </a:solidFill>
+              </a:rPr>
+              <a:t>Significant jump in </a:t>
+            </a:r>
+          </a:p>
+          <a:p>
+            <a:r>
+              <a:rPr lang="en-US" sz="1600" dirty="0">
+                <a:solidFill>
+                  <a:srgbClr val="0070C0"/>
+                </a:solidFill>
+              </a:rPr>
+              <a:t>consumption!</a:t>
+            </a:r>
+          </a:p>
+        </p:txBody>
+      </p:sp>
+    </p:spTree>
+    <p:extLst>
+      <p:ext uri="{BB962C8B-B14F-4D97-AF65-F5344CB8AC3E}">
+        <p14:creationId xmlns:p14="http://schemas.microsoft.com/office/powerpoint/2010/main" val="775821348"/>
+      </p:ext>
+    </p:extLst>
+  </p:cSld>
+  <p:clrMapOvr>
+    <a:masterClrMapping/>
+  </p:clrMapOvr>
+</p:sld>
+</file>
+
+<file path=ppt/slides/slide26.xml><?xml version="1.0" encoding="utf-8"?>
+<p:sld xmlns:a="http://schemas.openxmlformats.org/drawingml/2006/main" xmlns:r="http://schemas.openxmlformats.org/officeDocument/2006/relationships" xmlns:p="http://schemas.openxmlformats.org/presentationml/2006/main">
+  <p:cSld>
+    <p:spTree>
+      <p:nvGrpSpPr>
+        <p:cNvPr id="1" name=""/>
+        <p:cNvGrpSpPr/>
+        <p:nvPr/>
+      </p:nvGrpSpPr>
+      <p:grpSpPr>
+        <a:xfrm>
+          <a:off x="0" y="0"/>
+          <a:ext cx="0" cy="0"/>
+          <a:chOff x="0" y="0"/>
+          <a:chExt cx="0" cy="0"/>
+        </a:xfrm>
+      </p:grpSpPr>
+      <p:pic>
+        <p:nvPicPr>
+          <p:cNvPr id="2" name="Picture 2"/>
+          <p:cNvPicPr>
+            <a:picLocks noChangeAspect="1" noChangeArrowheads="1"/>
+          </p:cNvPicPr>
+          <p:nvPr/>
+        </p:nvPicPr>
+        <p:blipFill>
+          <a:blip r:embed="rId2" cstate="print"/>
+          <a:srcRect/>
+          <a:stretch>
+            <a:fillRect/>
+          </a:stretch>
+        </p:blipFill>
+        <p:spPr bwMode="auto">
+          <a:xfrm rot="60000">
+            <a:off x="112490" y="870559"/>
+            <a:ext cx="8162402" cy="5086064"/>
+          </a:xfrm>
+          <a:prstGeom prst="rect">
+            <a:avLst/>
+          </a:prstGeom>
+          <a:noFill/>
+          <a:ln w="9525">
+            <a:noFill/>
+            <a:miter lim="800000"/>
+            <a:headEnd/>
+            <a:tailEnd/>
+          </a:ln>
+        </p:spPr>
+      </p:pic>
+      <p:sp>
+        <p:nvSpPr>
           <p:cNvPr id="3" name="TextBox 2">
             <a:extLst>
               <a:ext uri="{FF2B5EF4-FFF2-40B4-BE49-F238E27FC236}">
@@ -12662,7 +14037,7 @@
 </p:sld>
 </file>
 
-<file path=ppt/slides/slide26.xml><?xml version="1.0" encoding="utf-8"?>
+<file path=ppt/slides/slide27.xml><?xml version="1.0" encoding="utf-8"?>
 <p:sld xmlns:a="http://schemas.openxmlformats.org/drawingml/2006/main" xmlns:r="http://schemas.openxmlformats.org/officeDocument/2006/relationships" xmlns:p="http://schemas.openxmlformats.org/presentationml/2006/main">
   <p:cSld>
     <p:spTree>
